--- a/thesis_pictures.pptx
+++ b/thesis_pictures.pptx
@@ -17,6 +17,11 @@
     <p:sldId id="264" r:id="rId11"/>
     <p:sldId id="265" r:id="rId12"/>
     <p:sldId id="267" r:id="rId13"/>
+    <p:sldId id="268" r:id="rId14"/>
+    <p:sldId id="269" r:id="rId15"/>
+    <p:sldId id="270" r:id="rId16"/>
+    <p:sldId id="271" r:id="rId17"/>
+    <p:sldId id="272" r:id="rId18"/>
   </p:sldIdLst>
   <p:sldSz cx="9144000" cy="6858000" type="screen4x3"/>
   <p:notesSz cx="6858000" cy="9144000"/>
@@ -299,7 +304,7 @@
           <a:p>
             <a:fld id="{73F47A69-8CEE-DA4B-8A0B-A0CD6FF8BEB4}" type="datetimeFigureOut">
               <a:rPr lang="en-US" smtClean="0"/>
-              <a:t>9/25/13</a:t>
+              <a:t>10/23/13</a:t>
             </a:fld>
             <a:endParaRPr lang="en-US"/>
           </a:p>
@@ -469,7 +474,7 @@
           <a:p>
             <a:fld id="{73F47A69-8CEE-DA4B-8A0B-A0CD6FF8BEB4}" type="datetimeFigureOut">
               <a:rPr lang="en-US" smtClean="0"/>
-              <a:t>9/25/13</a:t>
+              <a:t>10/23/13</a:t>
             </a:fld>
             <a:endParaRPr lang="en-US"/>
           </a:p>
@@ -649,7 +654,7 @@
           <a:p>
             <a:fld id="{73F47A69-8CEE-DA4B-8A0B-A0CD6FF8BEB4}" type="datetimeFigureOut">
               <a:rPr lang="en-US" smtClean="0"/>
-              <a:t>9/25/13</a:t>
+              <a:t>10/23/13</a:t>
             </a:fld>
             <a:endParaRPr lang="en-US"/>
           </a:p>
@@ -819,7 +824,7 @@
           <a:p>
             <a:fld id="{73F47A69-8CEE-DA4B-8A0B-A0CD6FF8BEB4}" type="datetimeFigureOut">
               <a:rPr lang="en-US" smtClean="0"/>
-              <a:t>9/25/13</a:t>
+              <a:t>10/23/13</a:t>
             </a:fld>
             <a:endParaRPr lang="en-US"/>
           </a:p>
@@ -1065,7 +1070,7 @@
           <a:p>
             <a:fld id="{73F47A69-8CEE-DA4B-8A0B-A0CD6FF8BEB4}" type="datetimeFigureOut">
               <a:rPr lang="en-US" smtClean="0"/>
-              <a:t>9/25/13</a:t>
+              <a:t>10/23/13</a:t>
             </a:fld>
             <a:endParaRPr lang="en-US"/>
           </a:p>
@@ -1353,7 +1358,7 @@
           <a:p>
             <a:fld id="{73F47A69-8CEE-DA4B-8A0B-A0CD6FF8BEB4}" type="datetimeFigureOut">
               <a:rPr lang="en-US" smtClean="0"/>
-              <a:t>9/25/13</a:t>
+              <a:t>10/23/13</a:t>
             </a:fld>
             <a:endParaRPr lang="en-US"/>
           </a:p>
@@ -1775,7 +1780,7 @@
           <a:p>
             <a:fld id="{73F47A69-8CEE-DA4B-8A0B-A0CD6FF8BEB4}" type="datetimeFigureOut">
               <a:rPr lang="en-US" smtClean="0"/>
-              <a:t>9/25/13</a:t>
+              <a:t>10/23/13</a:t>
             </a:fld>
             <a:endParaRPr lang="en-US"/>
           </a:p>
@@ -1893,7 +1898,7 @@
           <a:p>
             <a:fld id="{73F47A69-8CEE-DA4B-8A0B-A0CD6FF8BEB4}" type="datetimeFigureOut">
               <a:rPr lang="en-US" smtClean="0"/>
-              <a:t>9/25/13</a:t>
+              <a:t>10/23/13</a:t>
             </a:fld>
             <a:endParaRPr lang="en-US"/>
           </a:p>
@@ -1988,7 +1993,7 @@
           <a:p>
             <a:fld id="{73F47A69-8CEE-DA4B-8A0B-A0CD6FF8BEB4}" type="datetimeFigureOut">
               <a:rPr lang="en-US" smtClean="0"/>
-              <a:t>9/25/13</a:t>
+              <a:t>10/23/13</a:t>
             </a:fld>
             <a:endParaRPr lang="en-US"/>
           </a:p>
@@ -2265,7 +2270,7 @@
           <a:p>
             <a:fld id="{73F47A69-8CEE-DA4B-8A0B-A0CD6FF8BEB4}" type="datetimeFigureOut">
               <a:rPr lang="en-US" smtClean="0"/>
-              <a:t>9/25/13</a:t>
+              <a:t>10/23/13</a:t>
             </a:fld>
             <a:endParaRPr lang="en-US"/>
           </a:p>
@@ -2518,7 +2523,7 @@
           <a:p>
             <a:fld id="{73F47A69-8CEE-DA4B-8A0B-A0CD6FF8BEB4}" type="datetimeFigureOut">
               <a:rPr lang="en-US" smtClean="0"/>
-              <a:t>9/25/13</a:t>
+              <a:t>10/23/13</a:t>
             </a:fld>
             <a:endParaRPr lang="en-US"/>
           </a:p>
@@ -2731,7 +2736,7 @@
           <a:p>
             <a:fld id="{73F47A69-8CEE-DA4B-8A0B-A0CD6FF8BEB4}" type="datetimeFigureOut">
               <a:rPr lang="en-US" smtClean="0"/>
-              <a:t>9/25/13</a:t>
+              <a:t>10/23/13</a:t>
             </a:fld>
             <a:endParaRPr lang="en-US"/>
           </a:p>
@@ -6006,7 +6011,7 @@
       </p:grpSpPr>
       <p:grpSp>
         <p:nvGrpSpPr>
-          <p:cNvPr id="13" name="Group 12"/>
+          <p:cNvPr id="43" name="Group 42"/>
           <p:cNvGrpSpPr/>
           <p:nvPr/>
         </p:nvGrpSpPr>
@@ -6211,7 +6216,7 @@
       </p:cxnSp>
       <p:grpSp>
         <p:nvGrpSpPr>
-          <p:cNvPr id="37" name="Group 36"/>
+          <p:cNvPr id="42" name="Group 41"/>
           <p:cNvGrpSpPr/>
           <p:nvPr/>
         </p:nvGrpSpPr>
@@ -6263,7 +6268,7 @@
           <p:spPr>
             <a:xfrm>
               <a:off x="2214937" y="2953645"/>
-              <a:ext cx="2790816" cy="398746"/>
+              <a:ext cx="2805822" cy="398746"/>
             </a:xfrm>
             <a:prstGeom prst="rect">
               <a:avLst/>
@@ -6302,8 +6307,8 @@
           </p:nvSpPr>
           <p:spPr>
             <a:xfrm>
-              <a:off x="2214937" y="2968419"/>
-              <a:ext cx="2746518" cy="369332"/>
+              <a:off x="2214936" y="2968419"/>
+              <a:ext cx="2761285" cy="369332"/>
             </a:xfrm>
             <a:prstGeom prst="rect">
               <a:avLst/>
@@ -6333,8 +6338,8 @@
           </p:nvSpPr>
           <p:spPr>
             <a:xfrm>
-              <a:off x="5242019" y="1181470"/>
-              <a:ext cx="1434172" cy="1137151"/>
+              <a:off x="5286314" y="1181470"/>
+              <a:ext cx="1389877" cy="1137151"/>
             </a:xfrm>
             <a:prstGeom prst="rect">
               <a:avLst/>
@@ -6371,8 +6376,8 @@
           </p:nvSpPr>
           <p:spPr>
             <a:xfrm>
-              <a:off x="5242019" y="1521138"/>
-              <a:ext cx="1434172" cy="584776"/>
+              <a:off x="5286314" y="1521138"/>
+              <a:ext cx="1389877" cy="553998"/>
             </a:xfrm>
             <a:prstGeom prst="rect">
               <a:avLst/>
@@ -6387,10 +6392,10 @@
             <a:p>
               <a:pPr algn="ctr"/>
               <a:r>
-                <a:rPr lang="en-US" sz="1600" b="1" dirty="0" smtClean="0"/>
+                <a:rPr lang="en-US" sz="1500" b="1" dirty="0" smtClean="0"/>
                 <a:t>User-space Applications</a:t>
               </a:r>
-              <a:endParaRPr lang="en-US" sz="1600" b="1" dirty="0"/>
+              <a:endParaRPr lang="en-US" sz="1500" b="1" dirty="0"/>
             </a:p>
           </p:txBody>
         </p:sp>
@@ -6441,7 +6446,7 @@
           </p:nvSpPr>
           <p:spPr>
             <a:xfrm>
-              <a:off x="3632492" y="679339"/>
+              <a:off x="3662024" y="679339"/>
               <a:ext cx="1358495" cy="2215234"/>
             </a:xfrm>
             <a:prstGeom prst="rect">
@@ -6543,7 +6548,7 @@
           </p:nvSpPr>
           <p:spPr>
             <a:xfrm>
-              <a:off x="4887625" y="1919870"/>
+              <a:off x="4976221" y="1919870"/>
               <a:ext cx="251029" cy="923330"/>
             </a:xfrm>
             <a:prstGeom prst="rect">
@@ -6573,8 +6578,8 @@
           </p:nvSpPr>
           <p:spPr>
             <a:xfrm>
-              <a:off x="2200171" y="1580185"/>
-              <a:ext cx="1358492" cy="369332"/>
+              <a:off x="2185405" y="1580185"/>
+              <a:ext cx="1358492" cy="353943"/>
             </a:xfrm>
             <a:prstGeom prst="rect">
               <a:avLst/>
@@ -6589,10 +6594,9 @@
             <a:p>
               <a:pPr algn="ctr"/>
               <a:r>
-                <a:rPr lang="en-US" b="1" dirty="0" smtClean="0"/>
+                <a:rPr lang="en-US" sz="1700" b="1" dirty="0"/>
                 <a:t>Application</a:t>
               </a:r>
-              <a:endParaRPr lang="en-US" b="1" dirty="0"/>
             </a:p>
           </p:txBody>
         </p:sp>
@@ -6604,7 +6608,7 @@
           </p:nvSpPr>
           <p:spPr>
             <a:xfrm>
-              <a:off x="3666744" y="2441480"/>
+              <a:off x="3696276" y="2441480"/>
               <a:ext cx="1298448" cy="411480"/>
             </a:xfrm>
             <a:prstGeom prst="rect">
@@ -6667,8 +6671,8 @@
           </p:nvSpPr>
           <p:spPr>
             <a:xfrm>
-              <a:off x="3592915" y="1584905"/>
-              <a:ext cx="1358492" cy="369332"/>
+              <a:off x="3622447" y="1584905"/>
+              <a:ext cx="1358492" cy="353943"/>
             </a:xfrm>
             <a:prstGeom prst="rect">
               <a:avLst/>
@@ -6683,10 +6687,10 @@
             <a:p>
               <a:pPr algn="ctr"/>
               <a:r>
-                <a:rPr lang="en-US" b="1" dirty="0" smtClean="0"/>
+                <a:rPr lang="en-US" sz="1700" b="1" dirty="0" smtClean="0"/>
                 <a:t>Application</a:t>
               </a:r>
-              <a:endParaRPr lang="en-US" b="1" dirty="0"/>
+              <a:endParaRPr lang="en-US" sz="1700" b="1" dirty="0"/>
             </a:p>
           </p:txBody>
         </p:sp>
@@ -6795,7 +6799,7 @@
           </p:nvSpPr>
           <p:spPr>
             <a:xfrm>
-              <a:off x="3597655" y="792153"/>
+              <a:off x="3627187" y="792153"/>
               <a:ext cx="1358492" cy="646331"/>
             </a:xfrm>
             <a:prstGeom prst="rect">
@@ -6826,7 +6830,7 @@
           </p:nvSpPr>
           <p:spPr>
             <a:xfrm>
-              <a:off x="5242019" y="2436760"/>
+              <a:off x="5463509" y="2436760"/>
               <a:ext cx="976418" cy="914400"/>
             </a:xfrm>
             <a:prstGeom prst="rect">
@@ -6866,7 +6870,7 @@
           </p:nvSpPr>
           <p:spPr>
             <a:xfrm>
-              <a:off x="5257708" y="2432908"/>
+              <a:off x="5479198" y="2432908"/>
               <a:ext cx="976418" cy="923330"/>
             </a:xfrm>
             <a:prstGeom prst="rect">
@@ -6914,6 +6918,7237 @@
       </p:par>
     </p:tnLst>
   </p:timing>
+</p:sld>
+</file>
+
+<file path=ppt/slides/slide13.xml><?xml version="1.0" encoding="utf-8"?>
+<p:sld xmlns:a="http://schemas.openxmlformats.org/drawingml/2006/main" xmlns:r="http://schemas.openxmlformats.org/officeDocument/2006/relationships" xmlns:p="http://schemas.openxmlformats.org/presentationml/2006/main">
+  <p:cSld>
+    <p:spTree>
+      <p:nvGrpSpPr>
+        <p:cNvPr id="1" name=""/>
+        <p:cNvGrpSpPr/>
+        <p:nvPr/>
+      </p:nvGrpSpPr>
+      <p:grpSpPr>
+        <a:xfrm>
+          <a:off x="0" y="0"/>
+          <a:ext cx="0" cy="0"/>
+          <a:chOff x="0" y="0"/>
+          <a:chExt cx="0" cy="0"/>
+        </a:xfrm>
+      </p:grpSpPr>
+      <p:sp>
+        <p:nvSpPr>
+          <p:cNvPr id="154" name="Rectangle 153"/>
+          <p:cNvSpPr/>
+          <p:nvPr/>
+        </p:nvSpPr>
+        <p:spPr>
+          <a:xfrm>
+            <a:off x="3485974" y="3958215"/>
+            <a:ext cx="1439710" cy="486077"/>
+          </a:xfrm>
+          <a:prstGeom prst="rect">
+            <a:avLst/>
+          </a:prstGeom>
+        </p:spPr>
+        <p:style>
+          <a:lnRef idx="1">
+            <a:schemeClr val="accent3"/>
+          </a:lnRef>
+          <a:fillRef idx="2">
+            <a:schemeClr val="accent3"/>
+          </a:fillRef>
+          <a:effectRef idx="1">
+            <a:schemeClr val="accent3"/>
+          </a:effectRef>
+          <a:fontRef idx="minor">
+            <a:schemeClr val="dk1"/>
+          </a:fontRef>
+        </p:style>
+        <p:txBody>
+          <a:bodyPr rtlCol="0" anchor="ctr"/>
+          <a:lstStyle/>
+          <a:p>
+            <a:pPr algn="ctr"/>
+            <a:endParaRPr lang="en-US"/>
+          </a:p>
+        </p:txBody>
+      </p:sp>
+      <p:sp>
+        <p:nvSpPr>
+          <p:cNvPr id="153" name="Rectangle 152"/>
+          <p:cNvSpPr/>
+          <p:nvPr/>
+        </p:nvSpPr>
+        <p:spPr>
+          <a:xfrm>
+            <a:off x="3411964" y="4041015"/>
+            <a:ext cx="1439710" cy="486077"/>
+          </a:xfrm>
+          <a:prstGeom prst="rect">
+            <a:avLst/>
+          </a:prstGeom>
+        </p:spPr>
+        <p:style>
+          <a:lnRef idx="1">
+            <a:schemeClr val="accent3"/>
+          </a:lnRef>
+          <a:fillRef idx="2">
+            <a:schemeClr val="accent3"/>
+          </a:fillRef>
+          <a:effectRef idx="1">
+            <a:schemeClr val="accent3"/>
+          </a:effectRef>
+          <a:fontRef idx="minor">
+            <a:schemeClr val="dk1"/>
+          </a:fontRef>
+        </p:style>
+        <p:txBody>
+          <a:bodyPr rtlCol="0" anchor="ctr"/>
+          <a:lstStyle/>
+          <a:p>
+            <a:pPr algn="ctr"/>
+            <a:endParaRPr lang="en-US"/>
+          </a:p>
+        </p:txBody>
+      </p:sp>
+      <p:sp>
+        <p:nvSpPr>
+          <p:cNvPr id="4" name="Rounded Rectangle 3"/>
+          <p:cNvSpPr/>
+          <p:nvPr/>
+        </p:nvSpPr>
+        <p:spPr>
+          <a:xfrm>
+            <a:off x="129853" y="400381"/>
+            <a:ext cx="723545" cy="575961"/>
+          </a:xfrm>
+          <a:prstGeom prst="roundRect">
+            <a:avLst/>
+          </a:prstGeom>
+        </p:spPr>
+        <p:style>
+          <a:lnRef idx="2">
+            <a:schemeClr val="accent6">
+              <a:shade val="50000"/>
+            </a:schemeClr>
+          </a:lnRef>
+          <a:fillRef idx="1">
+            <a:schemeClr val="accent6"/>
+          </a:fillRef>
+          <a:effectRef idx="0">
+            <a:schemeClr val="accent6"/>
+          </a:effectRef>
+          <a:fontRef idx="minor">
+            <a:schemeClr val="lt1"/>
+          </a:fontRef>
+        </p:style>
+        <p:txBody>
+          <a:bodyPr rtlCol="0" anchor="ctr"/>
+          <a:lstStyle/>
+          <a:p>
+            <a:pPr algn="ctr"/>
+            <a:endParaRPr lang="en-US"/>
+          </a:p>
+        </p:txBody>
+      </p:sp>
+      <p:sp>
+        <p:nvSpPr>
+          <p:cNvPr id="5" name="Rounded Rectangle 4"/>
+          <p:cNvSpPr/>
+          <p:nvPr/>
+        </p:nvSpPr>
+        <p:spPr>
+          <a:xfrm>
+            <a:off x="976266" y="400381"/>
+            <a:ext cx="955070" cy="575961"/>
+          </a:xfrm>
+          <a:prstGeom prst="roundRect">
+            <a:avLst/>
+          </a:prstGeom>
+        </p:spPr>
+        <p:style>
+          <a:lnRef idx="2">
+            <a:schemeClr val="accent6">
+              <a:shade val="50000"/>
+            </a:schemeClr>
+          </a:lnRef>
+          <a:fillRef idx="1">
+            <a:schemeClr val="accent6"/>
+          </a:fillRef>
+          <a:effectRef idx="0">
+            <a:schemeClr val="accent6"/>
+          </a:effectRef>
+          <a:fontRef idx="minor">
+            <a:schemeClr val="lt1"/>
+          </a:fontRef>
+        </p:style>
+        <p:txBody>
+          <a:bodyPr rtlCol="0" anchor="ctr"/>
+          <a:lstStyle/>
+          <a:p>
+            <a:pPr algn="ctr"/>
+            <a:endParaRPr lang="en-US"/>
+          </a:p>
+        </p:txBody>
+      </p:sp>
+      <p:sp>
+        <p:nvSpPr>
+          <p:cNvPr id="6" name="TextBox 5"/>
+          <p:cNvSpPr txBox="1"/>
+          <p:nvPr/>
+        </p:nvSpPr>
+        <p:spPr>
+          <a:xfrm>
+            <a:off x="129853" y="503759"/>
+            <a:ext cx="723545" cy="369332"/>
+          </a:xfrm>
+          <a:prstGeom prst="rect">
+            <a:avLst/>
+          </a:prstGeom>
+          <a:noFill/>
+        </p:spPr>
+        <p:txBody>
+          <a:bodyPr wrap="square" rtlCol="0">
+            <a:spAutoFit/>
+          </a:bodyPr>
+          <a:lstStyle/>
+          <a:p>
+            <a:pPr algn="ctr"/>
+            <a:r>
+              <a:rPr lang="en-US" b="1" dirty="0" smtClean="0"/>
+              <a:t>CPU</a:t>
+            </a:r>
+            <a:endParaRPr lang="en-US" b="1" dirty="0"/>
+          </a:p>
+        </p:txBody>
+      </p:sp>
+      <p:sp>
+        <p:nvSpPr>
+          <p:cNvPr id="11" name="TextBox 10"/>
+          <p:cNvSpPr txBox="1"/>
+          <p:nvPr/>
+        </p:nvSpPr>
+        <p:spPr>
+          <a:xfrm>
+            <a:off x="1005798" y="520515"/>
+            <a:ext cx="925537" cy="369332"/>
+          </a:xfrm>
+          <a:prstGeom prst="rect">
+            <a:avLst/>
+          </a:prstGeom>
+          <a:noFill/>
+        </p:spPr>
+        <p:txBody>
+          <a:bodyPr wrap="square" rtlCol="0">
+            <a:spAutoFit/>
+          </a:bodyPr>
+          <a:lstStyle/>
+          <a:p>
+            <a:pPr algn="ctr"/>
+            <a:r>
+              <a:rPr lang="en-US" b="1" dirty="0" smtClean="0"/>
+              <a:t>CPUSET</a:t>
+            </a:r>
+            <a:endParaRPr lang="en-US" b="1" dirty="0"/>
+          </a:p>
+        </p:txBody>
+      </p:sp>
+      <p:cxnSp>
+        <p:nvCxnSpPr>
+          <p:cNvPr id="13" name="Straight Connector 12"/>
+          <p:cNvCxnSpPr>
+            <a:stCxn id="33" idx="1"/>
+          </p:cNvCxnSpPr>
+          <p:nvPr/>
+        </p:nvCxnSpPr>
+        <p:spPr>
+          <a:xfrm>
+            <a:off x="962073" y="1866417"/>
+            <a:ext cx="0" cy="1039708"/>
+          </a:xfrm>
+          <a:prstGeom prst="line">
+            <a:avLst/>
+          </a:prstGeom>
+        </p:spPr>
+        <p:style>
+          <a:lnRef idx="2">
+            <a:schemeClr val="dk1"/>
+          </a:lnRef>
+          <a:fillRef idx="0">
+            <a:schemeClr val="dk1"/>
+          </a:fillRef>
+          <a:effectRef idx="1">
+            <a:schemeClr val="dk1"/>
+          </a:effectRef>
+          <a:fontRef idx="minor">
+            <a:schemeClr val="tx1"/>
+          </a:fontRef>
+        </p:style>
+      </p:cxnSp>
+      <p:cxnSp>
+        <p:nvCxnSpPr>
+          <p:cNvPr id="17" name="Straight Arrow Connector 16"/>
+          <p:cNvCxnSpPr>
+            <a:endCxn id="27" idx="3"/>
+          </p:cNvCxnSpPr>
+          <p:nvPr/>
+        </p:nvCxnSpPr>
+        <p:spPr>
+          <a:xfrm>
+            <a:off x="958713" y="2187816"/>
+            <a:ext cx="398689" cy="0"/>
+          </a:xfrm>
+          <a:prstGeom prst="straightConnector1">
+            <a:avLst/>
+          </a:prstGeom>
+          <a:ln>
+            <a:tailEnd type="arrow"/>
+          </a:ln>
+        </p:spPr>
+        <p:style>
+          <a:lnRef idx="2">
+            <a:schemeClr val="dk1"/>
+          </a:lnRef>
+          <a:fillRef idx="0">
+            <a:schemeClr val="dk1"/>
+          </a:fillRef>
+          <a:effectRef idx="1">
+            <a:schemeClr val="dk1"/>
+          </a:effectRef>
+          <a:fontRef idx="minor">
+            <a:schemeClr val="tx1"/>
+          </a:fontRef>
+        </p:style>
+      </p:cxnSp>
+      <p:cxnSp>
+        <p:nvCxnSpPr>
+          <p:cNvPr id="20" name="Straight Connector 19"/>
+          <p:cNvCxnSpPr/>
+          <p:nvPr/>
+        </p:nvCxnSpPr>
+        <p:spPr>
+          <a:xfrm>
+            <a:off x="491626" y="1295410"/>
+            <a:ext cx="981954" cy="0"/>
+          </a:xfrm>
+          <a:prstGeom prst="line">
+            <a:avLst/>
+          </a:prstGeom>
+        </p:spPr>
+        <p:style>
+          <a:lnRef idx="2">
+            <a:schemeClr val="dk1"/>
+          </a:lnRef>
+          <a:fillRef idx="0">
+            <a:schemeClr val="dk1"/>
+          </a:fillRef>
+          <a:effectRef idx="1">
+            <a:schemeClr val="dk1"/>
+          </a:effectRef>
+          <a:fontRef idx="minor">
+            <a:schemeClr val="tx1"/>
+          </a:fontRef>
+        </p:style>
+      </p:cxnSp>
+      <p:cxnSp>
+        <p:nvCxnSpPr>
+          <p:cNvPr id="23" name="Straight Connector 22"/>
+          <p:cNvCxnSpPr/>
+          <p:nvPr/>
+        </p:nvCxnSpPr>
+        <p:spPr>
+          <a:xfrm>
+            <a:off x="491626" y="983476"/>
+            <a:ext cx="0" cy="304800"/>
+          </a:xfrm>
+          <a:prstGeom prst="line">
+            <a:avLst/>
+          </a:prstGeom>
+        </p:spPr>
+        <p:style>
+          <a:lnRef idx="2">
+            <a:schemeClr val="dk1"/>
+          </a:lnRef>
+          <a:fillRef idx="0">
+            <a:schemeClr val="dk1"/>
+          </a:fillRef>
+          <a:effectRef idx="1">
+            <a:schemeClr val="dk1"/>
+          </a:effectRef>
+          <a:fontRef idx="minor">
+            <a:schemeClr val="tx1"/>
+          </a:fontRef>
+        </p:style>
+      </p:cxnSp>
+      <p:cxnSp>
+        <p:nvCxnSpPr>
+          <p:cNvPr id="26" name="Straight Connector 25"/>
+          <p:cNvCxnSpPr/>
+          <p:nvPr/>
+        </p:nvCxnSpPr>
+        <p:spPr>
+          <a:xfrm>
+            <a:off x="1473580" y="983476"/>
+            <a:ext cx="0" cy="304800"/>
+          </a:xfrm>
+          <a:prstGeom prst="line">
+            <a:avLst/>
+          </a:prstGeom>
+        </p:spPr>
+        <p:style>
+          <a:lnRef idx="2">
+            <a:schemeClr val="dk1"/>
+          </a:lnRef>
+          <a:fillRef idx="0">
+            <a:schemeClr val="dk1"/>
+          </a:fillRef>
+          <a:effectRef idx="1">
+            <a:schemeClr val="dk1"/>
+          </a:effectRef>
+          <a:fontRef idx="minor">
+            <a:schemeClr val="tx1"/>
+          </a:fontRef>
+        </p:style>
+      </p:cxnSp>
+      <p:sp>
+        <p:nvSpPr>
+          <p:cNvPr id="27" name="Hexagon 26"/>
+          <p:cNvSpPr/>
+          <p:nvPr/>
+        </p:nvSpPr>
+        <p:spPr>
+          <a:xfrm>
+            <a:off x="1357402" y="2032683"/>
+            <a:ext cx="1430881" cy="310265"/>
+          </a:xfrm>
+          <a:prstGeom prst="hexagon">
+            <a:avLst/>
+          </a:prstGeom>
+        </p:spPr>
+        <p:style>
+          <a:lnRef idx="1">
+            <a:schemeClr val="accent1"/>
+          </a:lnRef>
+          <a:fillRef idx="3">
+            <a:schemeClr val="accent1"/>
+          </a:fillRef>
+          <a:effectRef idx="2">
+            <a:schemeClr val="accent1"/>
+          </a:effectRef>
+          <a:fontRef idx="minor">
+            <a:schemeClr val="lt1"/>
+          </a:fontRef>
+        </p:style>
+        <p:txBody>
+          <a:bodyPr rtlCol="0" anchor="ctr"/>
+          <a:lstStyle/>
+          <a:p>
+            <a:pPr algn="ctr"/>
+            <a:endParaRPr lang="en-US"/>
+          </a:p>
+        </p:txBody>
+      </p:sp>
+      <p:sp>
+        <p:nvSpPr>
+          <p:cNvPr id="33" name="Snip Single Corner Rectangle 32"/>
+          <p:cNvSpPr/>
+          <p:nvPr/>
+        </p:nvSpPr>
+        <p:spPr>
+          <a:xfrm>
+            <a:off x="127911" y="1539896"/>
+            <a:ext cx="1668324" cy="326521"/>
+          </a:xfrm>
+          <a:prstGeom prst="snip1Rect">
+            <a:avLst/>
+          </a:prstGeom>
+        </p:spPr>
+        <p:style>
+          <a:lnRef idx="1">
+            <a:schemeClr val="dk1"/>
+          </a:lnRef>
+          <a:fillRef idx="2">
+            <a:schemeClr val="dk1"/>
+          </a:fillRef>
+          <a:effectRef idx="1">
+            <a:schemeClr val="dk1"/>
+          </a:effectRef>
+          <a:fontRef idx="minor">
+            <a:schemeClr val="dk1"/>
+          </a:fontRef>
+        </p:style>
+        <p:txBody>
+          <a:bodyPr rtlCol="0" anchor="ctr"/>
+          <a:lstStyle/>
+          <a:p>
+            <a:pPr algn="ctr"/>
+            <a:endParaRPr lang="en-US" dirty="0"/>
+          </a:p>
+        </p:txBody>
+      </p:sp>
+      <p:cxnSp>
+        <p:nvCxnSpPr>
+          <p:cNvPr id="37" name="Straight Connector 36"/>
+          <p:cNvCxnSpPr>
+            <a:stCxn id="33" idx="3"/>
+          </p:cNvCxnSpPr>
+          <p:nvPr/>
+        </p:nvCxnSpPr>
+        <p:spPr>
+          <a:xfrm flipV="1">
+            <a:off x="962073" y="1281142"/>
+            <a:ext cx="0" cy="258754"/>
+          </a:xfrm>
+          <a:prstGeom prst="line">
+            <a:avLst/>
+          </a:prstGeom>
+        </p:spPr>
+        <p:style>
+          <a:lnRef idx="2">
+            <a:schemeClr val="dk1"/>
+          </a:lnRef>
+          <a:fillRef idx="0">
+            <a:schemeClr val="dk1"/>
+          </a:fillRef>
+          <a:effectRef idx="1">
+            <a:schemeClr val="dk1"/>
+          </a:effectRef>
+          <a:fontRef idx="minor">
+            <a:schemeClr val="tx1"/>
+          </a:fontRef>
+        </p:style>
+      </p:cxnSp>
+      <p:sp>
+        <p:nvSpPr>
+          <p:cNvPr id="57" name="TextBox 56"/>
+          <p:cNvSpPr txBox="1"/>
+          <p:nvPr/>
+        </p:nvSpPr>
+        <p:spPr>
+          <a:xfrm>
+            <a:off x="179050" y="1488555"/>
+            <a:ext cx="1585700" cy="369332"/>
+          </a:xfrm>
+          <a:prstGeom prst="rect">
+            <a:avLst/>
+          </a:prstGeom>
+          <a:noFill/>
+        </p:spPr>
+        <p:txBody>
+          <a:bodyPr wrap="square" rtlCol="0">
+            <a:spAutoFit/>
+          </a:bodyPr>
+          <a:lstStyle/>
+          <a:p>
+            <a:r>
+              <a:rPr lang="en-US" dirty="0" smtClean="0"/>
+              <a:t>cpu_hierarchy</a:t>
+            </a:r>
+            <a:endParaRPr lang="en-US" dirty="0"/>
+          </a:p>
+        </p:txBody>
+      </p:sp>
+      <p:sp>
+        <p:nvSpPr>
+          <p:cNvPr id="61" name="TextBox 60"/>
+          <p:cNvSpPr txBox="1"/>
+          <p:nvPr/>
+        </p:nvSpPr>
+        <p:spPr>
+          <a:xfrm>
+            <a:off x="1354045" y="1960186"/>
+            <a:ext cx="1434238" cy="369332"/>
+          </a:xfrm>
+          <a:prstGeom prst="rect">
+            <a:avLst/>
+          </a:prstGeom>
+          <a:noFill/>
+        </p:spPr>
+        <p:txBody>
+          <a:bodyPr wrap="square" rtlCol="0">
+            <a:spAutoFit/>
+          </a:bodyPr>
+          <a:lstStyle/>
+          <a:p>
+            <a:r>
+              <a:rPr lang="en-US" dirty="0" smtClean="0"/>
+              <a:t>www_cgroup</a:t>
+            </a:r>
+            <a:endParaRPr lang="en-US" dirty="0"/>
+          </a:p>
+        </p:txBody>
+      </p:sp>
+      <p:cxnSp>
+        <p:nvCxnSpPr>
+          <p:cNvPr id="67" name="Straight Arrow Connector 66"/>
+          <p:cNvCxnSpPr/>
+          <p:nvPr/>
+        </p:nvCxnSpPr>
+        <p:spPr>
+          <a:xfrm>
+            <a:off x="953688" y="2634104"/>
+            <a:ext cx="398688" cy="0"/>
+          </a:xfrm>
+          <a:prstGeom prst="straightConnector1">
+            <a:avLst/>
+          </a:prstGeom>
+          <a:ln>
+            <a:tailEnd type="arrow"/>
+          </a:ln>
+        </p:spPr>
+        <p:style>
+          <a:lnRef idx="2">
+            <a:schemeClr val="dk1"/>
+          </a:lnRef>
+          <a:fillRef idx="0">
+            <a:schemeClr val="dk1"/>
+          </a:fillRef>
+          <a:effectRef idx="1">
+            <a:schemeClr val="dk1"/>
+          </a:effectRef>
+          <a:fontRef idx="minor">
+            <a:schemeClr val="tx1"/>
+          </a:fontRef>
+        </p:style>
+      </p:cxnSp>
+      <p:sp>
+        <p:nvSpPr>
+          <p:cNvPr id="68" name="Hexagon 67"/>
+          <p:cNvSpPr/>
+          <p:nvPr/>
+        </p:nvSpPr>
+        <p:spPr>
+          <a:xfrm>
+            <a:off x="1352376" y="2478971"/>
+            <a:ext cx="1435907" cy="310265"/>
+          </a:xfrm>
+          <a:prstGeom prst="hexagon">
+            <a:avLst/>
+          </a:prstGeom>
+        </p:spPr>
+        <p:style>
+          <a:lnRef idx="1">
+            <a:schemeClr val="accent1"/>
+          </a:lnRef>
+          <a:fillRef idx="3">
+            <a:schemeClr val="accent1"/>
+          </a:fillRef>
+          <a:effectRef idx="2">
+            <a:schemeClr val="accent1"/>
+          </a:effectRef>
+          <a:fontRef idx="minor">
+            <a:schemeClr val="lt1"/>
+          </a:fontRef>
+        </p:style>
+        <p:txBody>
+          <a:bodyPr rtlCol="0" anchor="ctr"/>
+          <a:lstStyle/>
+          <a:p>
+            <a:pPr algn="ctr"/>
+            <a:endParaRPr lang="en-US"/>
+          </a:p>
+        </p:txBody>
+      </p:sp>
+      <p:sp>
+        <p:nvSpPr>
+          <p:cNvPr id="69" name="TextBox 68"/>
+          <p:cNvSpPr txBox="1"/>
+          <p:nvPr/>
+        </p:nvSpPr>
+        <p:spPr>
+          <a:xfrm>
+            <a:off x="1468556" y="2421416"/>
+            <a:ext cx="1228515" cy="369332"/>
+          </a:xfrm>
+          <a:prstGeom prst="rect">
+            <a:avLst/>
+          </a:prstGeom>
+          <a:noFill/>
+        </p:spPr>
+        <p:txBody>
+          <a:bodyPr wrap="square" rtlCol="0">
+            <a:spAutoFit/>
+          </a:bodyPr>
+          <a:lstStyle/>
+          <a:p>
+            <a:r>
+              <a:rPr lang="en-US" dirty="0" smtClean="0"/>
+              <a:t>db_cgroup</a:t>
+            </a:r>
+            <a:endParaRPr lang="en-US" dirty="0"/>
+          </a:p>
+        </p:txBody>
+      </p:sp>
+      <p:sp>
+        <p:nvSpPr>
+          <p:cNvPr id="70" name="TextBox 69"/>
+          <p:cNvSpPr txBox="1"/>
+          <p:nvPr/>
+        </p:nvSpPr>
+        <p:spPr>
+          <a:xfrm>
+            <a:off x="1796235" y="2906125"/>
+            <a:ext cx="397905" cy="530915"/>
+          </a:xfrm>
+          <a:prstGeom prst="rect">
+            <a:avLst/>
+          </a:prstGeom>
+          <a:noFill/>
+        </p:spPr>
+        <p:txBody>
+          <a:bodyPr wrap="square" rtlCol="0">
+            <a:spAutoFit/>
+          </a:bodyPr>
+          <a:lstStyle/>
+          <a:p>
+            <a:pPr>
+              <a:lnSpc>
+                <a:spcPct val="50000"/>
+              </a:lnSpc>
+            </a:pPr>
+            <a:r>
+              <a:rPr lang="en-US" dirty="0" smtClean="0"/>
+              <a:t>.</a:t>
+            </a:r>
+          </a:p>
+          <a:p>
+            <a:pPr>
+              <a:lnSpc>
+                <a:spcPct val="50000"/>
+              </a:lnSpc>
+            </a:pPr>
+            <a:r>
+              <a:rPr lang="en-US" dirty="0" smtClean="0"/>
+              <a:t>.</a:t>
+            </a:r>
+          </a:p>
+          <a:p>
+            <a:pPr>
+              <a:lnSpc>
+                <a:spcPct val="50000"/>
+              </a:lnSpc>
+            </a:pPr>
+            <a:r>
+              <a:rPr lang="en-US" dirty="0" smtClean="0"/>
+              <a:t>.</a:t>
+            </a:r>
+            <a:endParaRPr lang="en-US" dirty="0"/>
+          </a:p>
+        </p:txBody>
+      </p:sp>
+      <p:sp>
+        <p:nvSpPr>
+          <p:cNvPr id="71" name="TextBox 70"/>
+          <p:cNvSpPr txBox="1"/>
+          <p:nvPr/>
+        </p:nvSpPr>
+        <p:spPr>
+          <a:xfrm>
+            <a:off x="766818" y="2897264"/>
+            <a:ext cx="397905" cy="530915"/>
+          </a:xfrm>
+          <a:prstGeom prst="rect">
+            <a:avLst/>
+          </a:prstGeom>
+          <a:noFill/>
+        </p:spPr>
+        <p:txBody>
+          <a:bodyPr wrap="square" rtlCol="0">
+            <a:spAutoFit/>
+          </a:bodyPr>
+          <a:lstStyle/>
+          <a:p>
+            <a:pPr algn="ctr">
+              <a:lnSpc>
+                <a:spcPct val="50000"/>
+              </a:lnSpc>
+            </a:pPr>
+            <a:r>
+              <a:rPr lang="en-US" dirty="0" smtClean="0"/>
+              <a:t>.</a:t>
+            </a:r>
+          </a:p>
+          <a:p>
+            <a:pPr algn="ctr">
+              <a:lnSpc>
+                <a:spcPct val="50000"/>
+              </a:lnSpc>
+            </a:pPr>
+            <a:r>
+              <a:rPr lang="en-US" dirty="0" smtClean="0"/>
+              <a:t>.</a:t>
+            </a:r>
+          </a:p>
+          <a:p>
+            <a:pPr algn="ctr">
+              <a:lnSpc>
+                <a:spcPct val="50000"/>
+              </a:lnSpc>
+            </a:pPr>
+            <a:r>
+              <a:rPr lang="en-US" dirty="0" smtClean="0"/>
+              <a:t>.</a:t>
+            </a:r>
+            <a:endParaRPr lang="en-US" dirty="0"/>
+          </a:p>
+        </p:txBody>
+      </p:sp>
+      <p:sp>
+        <p:nvSpPr>
+          <p:cNvPr id="72" name="Rounded Rectangle 71"/>
+          <p:cNvSpPr/>
+          <p:nvPr/>
+        </p:nvSpPr>
+        <p:spPr>
+          <a:xfrm>
+            <a:off x="2984403" y="400381"/>
+            <a:ext cx="1034870" cy="575961"/>
+          </a:xfrm>
+          <a:prstGeom prst="roundRect">
+            <a:avLst/>
+          </a:prstGeom>
+        </p:spPr>
+        <p:style>
+          <a:lnRef idx="2">
+            <a:schemeClr val="accent6">
+              <a:shade val="50000"/>
+            </a:schemeClr>
+          </a:lnRef>
+          <a:fillRef idx="1">
+            <a:schemeClr val="accent6"/>
+          </a:fillRef>
+          <a:effectRef idx="0">
+            <a:schemeClr val="accent6"/>
+          </a:effectRef>
+          <a:fontRef idx="minor">
+            <a:schemeClr val="lt1"/>
+          </a:fontRef>
+        </p:style>
+        <p:txBody>
+          <a:bodyPr rtlCol="0" anchor="ctr"/>
+          <a:lstStyle/>
+          <a:p>
+            <a:pPr algn="ctr"/>
+            <a:endParaRPr lang="en-US"/>
+          </a:p>
+        </p:txBody>
+      </p:sp>
+      <p:sp>
+        <p:nvSpPr>
+          <p:cNvPr id="73" name="Rounded Rectangle 72"/>
+          <p:cNvSpPr/>
+          <p:nvPr/>
+        </p:nvSpPr>
+        <p:spPr>
+          <a:xfrm>
+            <a:off x="4145665" y="400381"/>
+            <a:ext cx="1177307" cy="575961"/>
+          </a:xfrm>
+          <a:prstGeom prst="roundRect">
+            <a:avLst/>
+          </a:prstGeom>
+        </p:spPr>
+        <p:style>
+          <a:lnRef idx="2">
+            <a:schemeClr val="accent6">
+              <a:shade val="50000"/>
+            </a:schemeClr>
+          </a:lnRef>
+          <a:fillRef idx="1">
+            <a:schemeClr val="accent6"/>
+          </a:fillRef>
+          <a:effectRef idx="0">
+            <a:schemeClr val="accent6"/>
+          </a:effectRef>
+          <a:fontRef idx="minor">
+            <a:schemeClr val="lt1"/>
+          </a:fontRef>
+        </p:style>
+        <p:txBody>
+          <a:bodyPr rtlCol="0" anchor="ctr"/>
+          <a:lstStyle/>
+          <a:p>
+            <a:pPr algn="ctr"/>
+            <a:endParaRPr lang="en-US"/>
+          </a:p>
+        </p:txBody>
+      </p:sp>
+      <p:sp>
+        <p:nvSpPr>
+          <p:cNvPr id="74" name="TextBox 73"/>
+          <p:cNvSpPr txBox="1"/>
+          <p:nvPr/>
+        </p:nvSpPr>
+        <p:spPr>
+          <a:xfrm>
+            <a:off x="2984403" y="503759"/>
+            <a:ext cx="1034870" cy="369332"/>
+          </a:xfrm>
+          <a:prstGeom prst="rect">
+            <a:avLst/>
+          </a:prstGeom>
+          <a:noFill/>
+        </p:spPr>
+        <p:txBody>
+          <a:bodyPr wrap="square" rtlCol="0">
+            <a:spAutoFit/>
+          </a:bodyPr>
+          <a:lstStyle/>
+          <a:p>
+            <a:pPr algn="ctr"/>
+            <a:r>
+              <a:rPr lang="en-US" b="1" dirty="0" smtClean="0"/>
+              <a:t>NET_CLS</a:t>
+            </a:r>
+            <a:endParaRPr lang="en-US" b="1" dirty="0"/>
+          </a:p>
+        </p:txBody>
+      </p:sp>
+      <p:sp>
+        <p:nvSpPr>
+          <p:cNvPr id="75" name="TextBox 74"/>
+          <p:cNvSpPr txBox="1"/>
+          <p:nvPr/>
+        </p:nvSpPr>
+        <p:spPr>
+          <a:xfrm>
+            <a:off x="4175198" y="520515"/>
+            <a:ext cx="1140902" cy="369332"/>
+          </a:xfrm>
+          <a:prstGeom prst="rect">
+            <a:avLst/>
+          </a:prstGeom>
+          <a:noFill/>
+        </p:spPr>
+        <p:txBody>
+          <a:bodyPr wrap="square" rtlCol="0">
+            <a:spAutoFit/>
+          </a:bodyPr>
+          <a:lstStyle/>
+          <a:p>
+            <a:pPr algn="ctr"/>
+            <a:r>
+              <a:rPr lang="en-US" b="1" dirty="0" smtClean="0"/>
+              <a:t>NET_PRIO</a:t>
+            </a:r>
+            <a:endParaRPr lang="en-US" b="1" dirty="0"/>
+          </a:p>
+        </p:txBody>
+      </p:sp>
+      <p:cxnSp>
+        <p:nvCxnSpPr>
+          <p:cNvPr id="76" name="Straight Connector 75"/>
+          <p:cNvCxnSpPr>
+            <a:stCxn id="82" idx="1"/>
+          </p:cNvCxnSpPr>
+          <p:nvPr/>
+        </p:nvCxnSpPr>
+        <p:spPr>
+          <a:xfrm>
+            <a:off x="4120978" y="1866417"/>
+            <a:ext cx="0" cy="1039708"/>
+          </a:xfrm>
+          <a:prstGeom prst="line">
+            <a:avLst/>
+          </a:prstGeom>
+        </p:spPr>
+        <p:style>
+          <a:lnRef idx="2">
+            <a:schemeClr val="dk1"/>
+          </a:lnRef>
+          <a:fillRef idx="0">
+            <a:schemeClr val="dk1"/>
+          </a:fillRef>
+          <a:effectRef idx="1">
+            <a:schemeClr val="dk1"/>
+          </a:effectRef>
+          <a:fontRef idx="minor">
+            <a:schemeClr val="tx1"/>
+          </a:fontRef>
+        </p:style>
+      </p:cxnSp>
+      <p:cxnSp>
+        <p:nvCxnSpPr>
+          <p:cNvPr id="78" name="Straight Connector 77"/>
+          <p:cNvCxnSpPr/>
+          <p:nvPr/>
+        </p:nvCxnSpPr>
+        <p:spPr>
+          <a:xfrm>
+            <a:off x="3503601" y="1295410"/>
+            <a:ext cx="1223339" cy="0"/>
+          </a:xfrm>
+          <a:prstGeom prst="line">
+            <a:avLst/>
+          </a:prstGeom>
+        </p:spPr>
+        <p:style>
+          <a:lnRef idx="2">
+            <a:schemeClr val="dk1"/>
+          </a:lnRef>
+          <a:fillRef idx="0">
+            <a:schemeClr val="dk1"/>
+          </a:fillRef>
+          <a:effectRef idx="1">
+            <a:schemeClr val="dk1"/>
+          </a:effectRef>
+          <a:fontRef idx="minor">
+            <a:schemeClr val="tx1"/>
+          </a:fontRef>
+        </p:style>
+      </p:cxnSp>
+      <p:cxnSp>
+        <p:nvCxnSpPr>
+          <p:cNvPr id="79" name="Straight Connector 78"/>
+          <p:cNvCxnSpPr/>
+          <p:nvPr/>
+        </p:nvCxnSpPr>
+        <p:spPr>
+          <a:xfrm>
+            <a:off x="3503601" y="983476"/>
+            <a:ext cx="0" cy="304800"/>
+          </a:xfrm>
+          <a:prstGeom prst="line">
+            <a:avLst/>
+          </a:prstGeom>
+        </p:spPr>
+        <p:style>
+          <a:lnRef idx="2">
+            <a:schemeClr val="dk1"/>
+          </a:lnRef>
+          <a:fillRef idx="0">
+            <a:schemeClr val="dk1"/>
+          </a:fillRef>
+          <a:effectRef idx="1">
+            <a:schemeClr val="dk1"/>
+          </a:effectRef>
+          <a:fontRef idx="minor">
+            <a:schemeClr val="tx1"/>
+          </a:fontRef>
+        </p:style>
+      </p:cxnSp>
+      <p:cxnSp>
+        <p:nvCxnSpPr>
+          <p:cNvPr id="80" name="Straight Connector 79"/>
+          <p:cNvCxnSpPr/>
+          <p:nvPr/>
+        </p:nvCxnSpPr>
+        <p:spPr>
+          <a:xfrm>
+            <a:off x="4726940" y="983476"/>
+            <a:ext cx="0" cy="304800"/>
+          </a:xfrm>
+          <a:prstGeom prst="line">
+            <a:avLst/>
+          </a:prstGeom>
+        </p:spPr>
+        <p:style>
+          <a:lnRef idx="2">
+            <a:schemeClr val="dk1"/>
+          </a:lnRef>
+          <a:fillRef idx="0">
+            <a:schemeClr val="dk1"/>
+          </a:fillRef>
+          <a:effectRef idx="1">
+            <a:schemeClr val="dk1"/>
+          </a:effectRef>
+          <a:fontRef idx="minor">
+            <a:schemeClr val="tx1"/>
+          </a:fontRef>
+        </p:style>
+      </p:cxnSp>
+      <p:sp>
+        <p:nvSpPr>
+          <p:cNvPr id="82" name="Snip Single Corner Rectangle 81"/>
+          <p:cNvSpPr/>
+          <p:nvPr/>
+        </p:nvSpPr>
+        <p:spPr>
+          <a:xfrm>
+            <a:off x="3286816" y="1539896"/>
+            <a:ext cx="1668324" cy="326521"/>
+          </a:xfrm>
+          <a:prstGeom prst="snip1Rect">
+            <a:avLst/>
+          </a:prstGeom>
+        </p:spPr>
+        <p:style>
+          <a:lnRef idx="1">
+            <a:schemeClr val="dk1"/>
+          </a:lnRef>
+          <a:fillRef idx="2">
+            <a:schemeClr val="dk1"/>
+          </a:fillRef>
+          <a:effectRef idx="1">
+            <a:schemeClr val="dk1"/>
+          </a:effectRef>
+          <a:fontRef idx="minor">
+            <a:schemeClr val="dk1"/>
+          </a:fontRef>
+        </p:style>
+        <p:txBody>
+          <a:bodyPr rtlCol="0" anchor="ctr"/>
+          <a:lstStyle/>
+          <a:p>
+            <a:pPr algn="ctr"/>
+            <a:endParaRPr lang="en-US" dirty="0"/>
+          </a:p>
+        </p:txBody>
+      </p:sp>
+      <p:cxnSp>
+        <p:nvCxnSpPr>
+          <p:cNvPr id="83" name="Straight Connector 82"/>
+          <p:cNvCxnSpPr>
+            <a:stCxn id="82" idx="3"/>
+          </p:cNvCxnSpPr>
+          <p:nvPr/>
+        </p:nvCxnSpPr>
+        <p:spPr>
+          <a:xfrm flipV="1">
+            <a:off x="4120978" y="1281142"/>
+            <a:ext cx="0" cy="258754"/>
+          </a:xfrm>
+          <a:prstGeom prst="line">
+            <a:avLst/>
+          </a:prstGeom>
+        </p:spPr>
+        <p:style>
+          <a:lnRef idx="2">
+            <a:schemeClr val="dk1"/>
+          </a:lnRef>
+          <a:fillRef idx="0">
+            <a:schemeClr val="dk1"/>
+          </a:fillRef>
+          <a:effectRef idx="1">
+            <a:schemeClr val="dk1"/>
+          </a:effectRef>
+          <a:fontRef idx="minor">
+            <a:schemeClr val="tx1"/>
+          </a:fontRef>
+        </p:style>
+      </p:cxnSp>
+      <p:sp>
+        <p:nvSpPr>
+          <p:cNvPr id="84" name="TextBox 83"/>
+          <p:cNvSpPr txBox="1"/>
+          <p:nvPr/>
+        </p:nvSpPr>
+        <p:spPr>
+          <a:xfrm>
+            <a:off x="3337955" y="1488555"/>
+            <a:ext cx="1585700" cy="369332"/>
+          </a:xfrm>
+          <a:prstGeom prst="rect">
+            <a:avLst/>
+          </a:prstGeom>
+          <a:noFill/>
+        </p:spPr>
+        <p:txBody>
+          <a:bodyPr wrap="square" rtlCol="0">
+            <a:spAutoFit/>
+          </a:bodyPr>
+          <a:lstStyle/>
+          <a:p>
+            <a:r>
+              <a:rPr lang="en-US" dirty="0" err="1" smtClean="0"/>
+              <a:t>net_hierarchy</a:t>
+            </a:r>
+            <a:endParaRPr lang="en-US" dirty="0"/>
+          </a:p>
+        </p:txBody>
+      </p:sp>
+      <p:sp>
+        <p:nvSpPr>
+          <p:cNvPr id="89" name="TextBox 88"/>
+          <p:cNvSpPr txBox="1"/>
+          <p:nvPr/>
+        </p:nvSpPr>
+        <p:spPr>
+          <a:xfrm>
+            <a:off x="4955140" y="2444301"/>
+            <a:ext cx="397905" cy="530915"/>
+          </a:xfrm>
+          <a:prstGeom prst="rect">
+            <a:avLst/>
+          </a:prstGeom>
+          <a:noFill/>
+        </p:spPr>
+        <p:txBody>
+          <a:bodyPr wrap="square" rtlCol="0">
+            <a:spAutoFit/>
+          </a:bodyPr>
+          <a:lstStyle/>
+          <a:p>
+            <a:pPr>
+              <a:lnSpc>
+                <a:spcPct val="50000"/>
+              </a:lnSpc>
+            </a:pPr>
+            <a:r>
+              <a:rPr lang="en-US" dirty="0" smtClean="0"/>
+              <a:t>.</a:t>
+            </a:r>
+          </a:p>
+          <a:p>
+            <a:pPr>
+              <a:lnSpc>
+                <a:spcPct val="50000"/>
+              </a:lnSpc>
+            </a:pPr>
+            <a:r>
+              <a:rPr lang="en-US" dirty="0" smtClean="0"/>
+              <a:t>.</a:t>
+            </a:r>
+          </a:p>
+          <a:p>
+            <a:pPr>
+              <a:lnSpc>
+                <a:spcPct val="50000"/>
+              </a:lnSpc>
+            </a:pPr>
+            <a:r>
+              <a:rPr lang="en-US" dirty="0" smtClean="0"/>
+              <a:t>.</a:t>
+            </a:r>
+            <a:endParaRPr lang="en-US" dirty="0"/>
+          </a:p>
+        </p:txBody>
+      </p:sp>
+      <p:sp>
+        <p:nvSpPr>
+          <p:cNvPr id="90" name="TextBox 89"/>
+          <p:cNvSpPr txBox="1"/>
+          <p:nvPr/>
+        </p:nvSpPr>
+        <p:spPr>
+          <a:xfrm>
+            <a:off x="3925723" y="2897264"/>
+            <a:ext cx="397905" cy="530915"/>
+          </a:xfrm>
+          <a:prstGeom prst="rect">
+            <a:avLst/>
+          </a:prstGeom>
+          <a:noFill/>
+        </p:spPr>
+        <p:txBody>
+          <a:bodyPr wrap="square" rtlCol="0">
+            <a:spAutoFit/>
+          </a:bodyPr>
+          <a:lstStyle/>
+          <a:p>
+            <a:pPr algn="ctr">
+              <a:lnSpc>
+                <a:spcPct val="50000"/>
+              </a:lnSpc>
+            </a:pPr>
+            <a:r>
+              <a:rPr lang="en-US" dirty="0" smtClean="0"/>
+              <a:t>.</a:t>
+            </a:r>
+          </a:p>
+          <a:p>
+            <a:pPr algn="ctr">
+              <a:lnSpc>
+                <a:spcPct val="50000"/>
+              </a:lnSpc>
+            </a:pPr>
+            <a:r>
+              <a:rPr lang="en-US" dirty="0" smtClean="0"/>
+              <a:t>.</a:t>
+            </a:r>
+          </a:p>
+          <a:p>
+            <a:pPr algn="ctr">
+              <a:lnSpc>
+                <a:spcPct val="50000"/>
+              </a:lnSpc>
+            </a:pPr>
+            <a:r>
+              <a:rPr lang="en-US" dirty="0" smtClean="0"/>
+              <a:t>.</a:t>
+            </a:r>
+            <a:endParaRPr lang="en-US" dirty="0"/>
+          </a:p>
+        </p:txBody>
+      </p:sp>
+      <p:sp>
+        <p:nvSpPr>
+          <p:cNvPr id="97" name="Rounded Rectangle 96"/>
+          <p:cNvSpPr/>
+          <p:nvPr/>
+        </p:nvSpPr>
+        <p:spPr>
+          <a:xfrm>
+            <a:off x="6633253" y="407515"/>
+            <a:ext cx="1133215" cy="575961"/>
+          </a:xfrm>
+          <a:prstGeom prst="roundRect">
+            <a:avLst/>
+          </a:prstGeom>
+        </p:spPr>
+        <p:style>
+          <a:lnRef idx="2">
+            <a:schemeClr val="accent6">
+              <a:shade val="50000"/>
+            </a:schemeClr>
+          </a:lnRef>
+          <a:fillRef idx="1">
+            <a:schemeClr val="accent6"/>
+          </a:fillRef>
+          <a:effectRef idx="0">
+            <a:schemeClr val="accent6"/>
+          </a:effectRef>
+          <a:fontRef idx="minor">
+            <a:schemeClr val="lt1"/>
+          </a:fontRef>
+        </p:style>
+        <p:txBody>
+          <a:bodyPr rtlCol="0" anchor="ctr"/>
+          <a:lstStyle/>
+          <a:p>
+            <a:pPr algn="ctr"/>
+            <a:endParaRPr lang="en-US"/>
+          </a:p>
+        </p:txBody>
+      </p:sp>
+      <p:sp>
+        <p:nvSpPr>
+          <p:cNvPr id="99" name="TextBox 98"/>
+          <p:cNvSpPr txBox="1"/>
+          <p:nvPr/>
+        </p:nvSpPr>
+        <p:spPr>
+          <a:xfrm>
+            <a:off x="6576266" y="510893"/>
+            <a:ext cx="1133215" cy="369332"/>
+          </a:xfrm>
+          <a:prstGeom prst="rect">
+            <a:avLst/>
+          </a:prstGeom>
+          <a:noFill/>
+        </p:spPr>
+        <p:txBody>
+          <a:bodyPr wrap="square" rtlCol="0">
+            <a:spAutoFit/>
+          </a:bodyPr>
+          <a:lstStyle/>
+          <a:p>
+            <a:pPr algn="ctr"/>
+            <a:r>
+              <a:rPr lang="en-US" b="1" dirty="0" smtClean="0"/>
+              <a:t>MEMORY</a:t>
+            </a:r>
+            <a:endParaRPr lang="en-US" b="1" dirty="0"/>
+          </a:p>
+        </p:txBody>
+      </p:sp>
+      <p:cxnSp>
+        <p:nvCxnSpPr>
+          <p:cNvPr id="101" name="Straight Connector 100"/>
+          <p:cNvCxnSpPr>
+            <a:stCxn id="107" idx="1"/>
+            <a:endCxn id="112" idx="0"/>
+          </p:cNvCxnSpPr>
+          <p:nvPr/>
+        </p:nvCxnSpPr>
+        <p:spPr>
+          <a:xfrm flipH="1">
+            <a:off x="7197215" y="1868354"/>
+            <a:ext cx="2731" cy="973897"/>
+          </a:xfrm>
+          <a:prstGeom prst="line">
+            <a:avLst/>
+          </a:prstGeom>
+        </p:spPr>
+        <p:style>
+          <a:lnRef idx="2">
+            <a:schemeClr val="dk1"/>
+          </a:lnRef>
+          <a:fillRef idx="0">
+            <a:schemeClr val="dk1"/>
+          </a:fillRef>
+          <a:effectRef idx="1">
+            <a:schemeClr val="dk1"/>
+          </a:effectRef>
+          <a:fontRef idx="minor">
+            <a:schemeClr val="tx1"/>
+          </a:fontRef>
+        </p:style>
+      </p:cxnSp>
+      <p:sp>
+        <p:nvSpPr>
+          <p:cNvPr id="107" name="Snip Single Corner Rectangle 106"/>
+          <p:cNvSpPr/>
+          <p:nvPr/>
+        </p:nvSpPr>
+        <p:spPr>
+          <a:xfrm>
+            <a:off x="6302367" y="1541833"/>
+            <a:ext cx="1795157" cy="326521"/>
+          </a:xfrm>
+          <a:prstGeom prst="snip1Rect">
+            <a:avLst/>
+          </a:prstGeom>
+        </p:spPr>
+        <p:style>
+          <a:lnRef idx="1">
+            <a:schemeClr val="dk1"/>
+          </a:lnRef>
+          <a:fillRef idx="2">
+            <a:schemeClr val="dk1"/>
+          </a:fillRef>
+          <a:effectRef idx="1">
+            <a:schemeClr val="dk1"/>
+          </a:effectRef>
+          <a:fontRef idx="minor">
+            <a:schemeClr val="dk1"/>
+          </a:fontRef>
+        </p:style>
+        <p:txBody>
+          <a:bodyPr rtlCol="0" anchor="ctr"/>
+          <a:lstStyle/>
+          <a:p>
+            <a:pPr algn="ctr"/>
+            <a:endParaRPr lang="en-US" dirty="0"/>
+          </a:p>
+        </p:txBody>
+      </p:sp>
+      <p:cxnSp>
+        <p:nvCxnSpPr>
+          <p:cNvPr id="108" name="Straight Connector 107"/>
+          <p:cNvCxnSpPr>
+            <a:stCxn id="107" idx="3"/>
+            <a:endCxn id="97" idx="2"/>
+          </p:cNvCxnSpPr>
+          <p:nvPr/>
+        </p:nvCxnSpPr>
+        <p:spPr>
+          <a:xfrm flipH="1" flipV="1">
+            <a:off x="7199861" y="983476"/>
+            <a:ext cx="85" cy="558357"/>
+          </a:xfrm>
+          <a:prstGeom prst="line">
+            <a:avLst/>
+          </a:prstGeom>
+        </p:spPr>
+        <p:style>
+          <a:lnRef idx="2">
+            <a:schemeClr val="dk1"/>
+          </a:lnRef>
+          <a:fillRef idx="0">
+            <a:schemeClr val="dk1"/>
+          </a:fillRef>
+          <a:effectRef idx="1">
+            <a:schemeClr val="dk1"/>
+          </a:effectRef>
+          <a:fontRef idx="minor">
+            <a:schemeClr val="tx1"/>
+          </a:fontRef>
+        </p:style>
+      </p:cxnSp>
+      <p:sp>
+        <p:nvSpPr>
+          <p:cNvPr id="109" name="TextBox 108"/>
+          <p:cNvSpPr txBox="1"/>
+          <p:nvPr/>
+        </p:nvSpPr>
+        <p:spPr>
+          <a:xfrm>
+            <a:off x="6353507" y="1490492"/>
+            <a:ext cx="1706252" cy="369332"/>
+          </a:xfrm>
+          <a:prstGeom prst="rect">
+            <a:avLst/>
+          </a:prstGeom>
+          <a:noFill/>
+        </p:spPr>
+        <p:txBody>
+          <a:bodyPr wrap="square" rtlCol="0">
+            <a:spAutoFit/>
+          </a:bodyPr>
+          <a:lstStyle/>
+          <a:p>
+            <a:r>
+              <a:rPr lang="en-US" dirty="0" smtClean="0"/>
+              <a:t>mem_hierarchy</a:t>
+            </a:r>
+            <a:endParaRPr lang="en-US" dirty="0"/>
+          </a:p>
+        </p:txBody>
+      </p:sp>
+      <p:sp>
+        <p:nvSpPr>
+          <p:cNvPr id="111" name="TextBox 110"/>
+          <p:cNvSpPr txBox="1"/>
+          <p:nvPr/>
+        </p:nvSpPr>
+        <p:spPr>
+          <a:xfrm>
+            <a:off x="8254240" y="2822108"/>
+            <a:ext cx="397905" cy="530915"/>
+          </a:xfrm>
+          <a:prstGeom prst="rect">
+            <a:avLst/>
+          </a:prstGeom>
+          <a:noFill/>
+        </p:spPr>
+        <p:txBody>
+          <a:bodyPr wrap="square" rtlCol="0">
+            <a:spAutoFit/>
+          </a:bodyPr>
+          <a:lstStyle/>
+          <a:p>
+            <a:pPr>
+              <a:lnSpc>
+                <a:spcPct val="50000"/>
+              </a:lnSpc>
+            </a:pPr>
+            <a:r>
+              <a:rPr lang="en-US" dirty="0" smtClean="0"/>
+              <a:t>.</a:t>
+            </a:r>
+          </a:p>
+          <a:p>
+            <a:pPr>
+              <a:lnSpc>
+                <a:spcPct val="50000"/>
+              </a:lnSpc>
+            </a:pPr>
+            <a:r>
+              <a:rPr lang="en-US" dirty="0" smtClean="0"/>
+              <a:t>.</a:t>
+            </a:r>
+          </a:p>
+          <a:p>
+            <a:pPr>
+              <a:lnSpc>
+                <a:spcPct val="50000"/>
+              </a:lnSpc>
+            </a:pPr>
+            <a:r>
+              <a:rPr lang="en-US" dirty="0" smtClean="0"/>
+              <a:t>.</a:t>
+            </a:r>
+            <a:endParaRPr lang="en-US" dirty="0"/>
+          </a:p>
+        </p:txBody>
+      </p:sp>
+      <p:sp>
+        <p:nvSpPr>
+          <p:cNvPr id="112" name="TextBox 111"/>
+          <p:cNvSpPr txBox="1"/>
+          <p:nvPr/>
+        </p:nvSpPr>
+        <p:spPr>
+          <a:xfrm>
+            <a:off x="6998262" y="2842251"/>
+            <a:ext cx="397905" cy="530915"/>
+          </a:xfrm>
+          <a:prstGeom prst="rect">
+            <a:avLst/>
+          </a:prstGeom>
+          <a:noFill/>
+        </p:spPr>
+        <p:txBody>
+          <a:bodyPr wrap="square" rtlCol="0">
+            <a:spAutoFit/>
+          </a:bodyPr>
+          <a:lstStyle/>
+          <a:p>
+            <a:pPr algn="ctr">
+              <a:lnSpc>
+                <a:spcPct val="50000"/>
+              </a:lnSpc>
+            </a:pPr>
+            <a:r>
+              <a:rPr lang="en-US" dirty="0" smtClean="0"/>
+              <a:t>.</a:t>
+            </a:r>
+          </a:p>
+          <a:p>
+            <a:pPr algn="ctr">
+              <a:lnSpc>
+                <a:spcPct val="50000"/>
+              </a:lnSpc>
+            </a:pPr>
+            <a:r>
+              <a:rPr lang="en-US" dirty="0" smtClean="0"/>
+              <a:t>.</a:t>
+            </a:r>
+          </a:p>
+          <a:p>
+            <a:pPr algn="ctr">
+              <a:lnSpc>
+                <a:spcPct val="50000"/>
+              </a:lnSpc>
+            </a:pPr>
+            <a:r>
+              <a:rPr lang="en-US" dirty="0" smtClean="0"/>
+              <a:t>.</a:t>
+            </a:r>
+            <a:endParaRPr lang="en-US" dirty="0"/>
+          </a:p>
+        </p:txBody>
+      </p:sp>
+      <p:cxnSp>
+        <p:nvCxnSpPr>
+          <p:cNvPr id="138" name="Straight Arrow Connector 137"/>
+          <p:cNvCxnSpPr>
+            <a:endCxn id="139" idx="3"/>
+          </p:cNvCxnSpPr>
+          <p:nvPr/>
+        </p:nvCxnSpPr>
+        <p:spPr>
+          <a:xfrm>
+            <a:off x="4106819" y="2200545"/>
+            <a:ext cx="398689" cy="0"/>
+          </a:xfrm>
+          <a:prstGeom prst="straightConnector1">
+            <a:avLst/>
+          </a:prstGeom>
+          <a:ln>
+            <a:tailEnd type="arrow"/>
+          </a:ln>
+        </p:spPr>
+        <p:style>
+          <a:lnRef idx="2">
+            <a:schemeClr val="dk1"/>
+          </a:lnRef>
+          <a:fillRef idx="0">
+            <a:schemeClr val="dk1"/>
+          </a:fillRef>
+          <a:effectRef idx="1">
+            <a:schemeClr val="dk1"/>
+          </a:effectRef>
+          <a:fontRef idx="minor">
+            <a:schemeClr val="tx1"/>
+          </a:fontRef>
+        </p:style>
+      </p:cxnSp>
+      <p:sp>
+        <p:nvSpPr>
+          <p:cNvPr id="139" name="Hexagon 138"/>
+          <p:cNvSpPr/>
+          <p:nvPr/>
+        </p:nvSpPr>
+        <p:spPr>
+          <a:xfrm>
+            <a:off x="4505508" y="2045412"/>
+            <a:ext cx="1430881" cy="310265"/>
+          </a:xfrm>
+          <a:prstGeom prst="hexagon">
+            <a:avLst/>
+          </a:prstGeom>
+        </p:spPr>
+        <p:style>
+          <a:lnRef idx="1">
+            <a:schemeClr val="accent1"/>
+          </a:lnRef>
+          <a:fillRef idx="3">
+            <a:schemeClr val="accent1"/>
+          </a:fillRef>
+          <a:effectRef idx="2">
+            <a:schemeClr val="accent1"/>
+          </a:effectRef>
+          <a:fontRef idx="minor">
+            <a:schemeClr val="lt1"/>
+          </a:fontRef>
+        </p:style>
+        <p:txBody>
+          <a:bodyPr rtlCol="0" anchor="ctr"/>
+          <a:lstStyle/>
+          <a:p>
+            <a:pPr algn="ctr"/>
+            <a:endParaRPr lang="en-US"/>
+          </a:p>
+        </p:txBody>
+      </p:sp>
+      <p:sp>
+        <p:nvSpPr>
+          <p:cNvPr id="140" name="TextBox 139"/>
+          <p:cNvSpPr txBox="1"/>
+          <p:nvPr/>
+        </p:nvSpPr>
+        <p:spPr>
+          <a:xfrm>
+            <a:off x="4502151" y="1972915"/>
+            <a:ext cx="1434238" cy="369332"/>
+          </a:xfrm>
+          <a:prstGeom prst="rect">
+            <a:avLst/>
+          </a:prstGeom>
+          <a:noFill/>
+        </p:spPr>
+        <p:txBody>
+          <a:bodyPr wrap="square" rtlCol="0">
+            <a:spAutoFit/>
+          </a:bodyPr>
+          <a:lstStyle/>
+          <a:p>
+            <a:r>
+              <a:rPr lang="en-US" dirty="0" smtClean="0"/>
+              <a:t>www_cgroup</a:t>
+            </a:r>
+            <a:endParaRPr lang="en-US" dirty="0"/>
+          </a:p>
+        </p:txBody>
+      </p:sp>
+      <p:cxnSp>
+        <p:nvCxnSpPr>
+          <p:cNvPr id="141" name="Straight Arrow Connector 140"/>
+          <p:cNvCxnSpPr>
+            <a:endCxn id="142" idx="3"/>
+          </p:cNvCxnSpPr>
+          <p:nvPr/>
+        </p:nvCxnSpPr>
+        <p:spPr>
+          <a:xfrm>
+            <a:off x="7199638" y="2195287"/>
+            <a:ext cx="398689" cy="0"/>
+          </a:xfrm>
+          <a:prstGeom prst="straightConnector1">
+            <a:avLst/>
+          </a:prstGeom>
+          <a:ln>
+            <a:tailEnd type="arrow"/>
+          </a:ln>
+        </p:spPr>
+        <p:style>
+          <a:lnRef idx="2">
+            <a:schemeClr val="dk1"/>
+          </a:lnRef>
+          <a:fillRef idx="0">
+            <a:schemeClr val="dk1"/>
+          </a:fillRef>
+          <a:effectRef idx="1">
+            <a:schemeClr val="dk1"/>
+          </a:effectRef>
+          <a:fontRef idx="minor">
+            <a:schemeClr val="tx1"/>
+          </a:fontRef>
+        </p:style>
+      </p:cxnSp>
+      <p:sp>
+        <p:nvSpPr>
+          <p:cNvPr id="142" name="Hexagon 141"/>
+          <p:cNvSpPr/>
+          <p:nvPr/>
+        </p:nvSpPr>
+        <p:spPr>
+          <a:xfrm>
+            <a:off x="7598327" y="2040154"/>
+            <a:ext cx="1430881" cy="310265"/>
+          </a:xfrm>
+          <a:prstGeom prst="hexagon">
+            <a:avLst/>
+          </a:prstGeom>
+        </p:spPr>
+        <p:style>
+          <a:lnRef idx="1">
+            <a:schemeClr val="accent1"/>
+          </a:lnRef>
+          <a:fillRef idx="3">
+            <a:schemeClr val="accent1"/>
+          </a:fillRef>
+          <a:effectRef idx="2">
+            <a:schemeClr val="accent1"/>
+          </a:effectRef>
+          <a:fontRef idx="minor">
+            <a:schemeClr val="lt1"/>
+          </a:fontRef>
+        </p:style>
+        <p:txBody>
+          <a:bodyPr rtlCol="0" anchor="ctr"/>
+          <a:lstStyle/>
+          <a:p>
+            <a:pPr algn="ctr"/>
+            <a:endParaRPr lang="en-US"/>
+          </a:p>
+        </p:txBody>
+      </p:sp>
+      <p:sp>
+        <p:nvSpPr>
+          <p:cNvPr id="143" name="TextBox 142"/>
+          <p:cNvSpPr txBox="1"/>
+          <p:nvPr/>
+        </p:nvSpPr>
+        <p:spPr>
+          <a:xfrm>
+            <a:off x="7594970" y="1967657"/>
+            <a:ext cx="1434238" cy="369332"/>
+          </a:xfrm>
+          <a:prstGeom prst="rect">
+            <a:avLst/>
+          </a:prstGeom>
+          <a:noFill/>
+        </p:spPr>
+        <p:txBody>
+          <a:bodyPr wrap="square" rtlCol="0">
+            <a:spAutoFit/>
+          </a:bodyPr>
+          <a:lstStyle/>
+          <a:p>
+            <a:r>
+              <a:rPr lang="en-US" dirty="0" smtClean="0"/>
+              <a:t>www_cgroup</a:t>
+            </a:r>
+            <a:endParaRPr lang="en-US" dirty="0"/>
+          </a:p>
+        </p:txBody>
+      </p:sp>
+      <p:cxnSp>
+        <p:nvCxnSpPr>
+          <p:cNvPr id="144" name="Straight Arrow Connector 143"/>
+          <p:cNvCxnSpPr/>
+          <p:nvPr/>
+        </p:nvCxnSpPr>
+        <p:spPr>
+          <a:xfrm>
+            <a:off x="7194613" y="2641575"/>
+            <a:ext cx="398688" cy="0"/>
+          </a:xfrm>
+          <a:prstGeom prst="straightConnector1">
+            <a:avLst/>
+          </a:prstGeom>
+          <a:ln>
+            <a:tailEnd type="arrow"/>
+          </a:ln>
+        </p:spPr>
+        <p:style>
+          <a:lnRef idx="2">
+            <a:schemeClr val="dk1"/>
+          </a:lnRef>
+          <a:fillRef idx="0">
+            <a:schemeClr val="dk1"/>
+          </a:fillRef>
+          <a:effectRef idx="1">
+            <a:schemeClr val="dk1"/>
+          </a:effectRef>
+          <a:fontRef idx="minor">
+            <a:schemeClr val="tx1"/>
+          </a:fontRef>
+        </p:style>
+      </p:cxnSp>
+      <p:sp>
+        <p:nvSpPr>
+          <p:cNvPr id="145" name="Hexagon 144"/>
+          <p:cNvSpPr/>
+          <p:nvPr/>
+        </p:nvSpPr>
+        <p:spPr>
+          <a:xfrm>
+            <a:off x="7593301" y="2486442"/>
+            <a:ext cx="1435907" cy="310265"/>
+          </a:xfrm>
+          <a:prstGeom prst="hexagon">
+            <a:avLst/>
+          </a:prstGeom>
+        </p:spPr>
+        <p:style>
+          <a:lnRef idx="1">
+            <a:schemeClr val="accent1"/>
+          </a:lnRef>
+          <a:fillRef idx="3">
+            <a:schemeClr val="accent1"/>
+          </a:fillRef>
+          <a:effectRef idx="2">
+            <a:schemeClr val="accent1"/>
+          </a:effectRef>
+          <a:fontRef idx="minor">
+            <a:schemeClr val="lt1"/>
+          </a:fontRef>
+        </p:style>
+        <p:txBody>
+          <a:bodyPr rtlCol="0" anchor="ctr"/>
+          <a:lstStyle/>
+          <a:p>
+            <a:pPr algn="ctr"/>
+            <a:endParaRPr lang="en-US"/>
+          </a:p>
+        </p:txBody>
+      </p:sp>
+      <p:sp>
+        <p:nvSpPr>
+          <p:cNvPr id="146" name="TextBox 145"/>
+          <p:cNvSpPr txBox="1"/>
+          <p:nvPr/>
+        </p:nvSpPr>
+        <p:spPr>
+          <a:xfrm>
+            <a:off x="7709481" y="2428887"/>
+            <a:ext cx="1228515" cy="369332"/>
+          </a:xfrm>
+          <a:prstGeom prst="rect">
+            <a:avLst/>
+          </a:prstGeom>
+          <a:noFill/>
+        </p:spPr>
+        <p:txBody>
+          <a:bodyPr wrap="square" rtlCol="0">
+            <a:spAutoFit/>
+          </a:bodyPr>
+          <a:lstStyle/>
+          <a:p>
+            <a:r>
+              <a:rPr lang="en-US" dirty="0" smtClean="0"/>
+              <a:t>db_cgroup</a:t>
+            </a:r>
+            <a:endParaRPr lang="en-US" dirty="0"/>
+          </a:p>
+        </p:txBody>
+      </p:sp>
+      <p:sp>
+        <p:nvSpPr>
+          <p:cNvPr id="152" name="Rectangle 151"/>
+          <p:cNvSpPr/>
+          <p:nvPr/>
+        </p:nvSpPr>
+        <p:spPr>
+          <a:xfrm>
+            <a:off x="3337954" y="4108135"/>
+            <a:ext cx="1439710" cy="486077"/>
+          </a:xfrm>
+          <a:prstGeom prst="rect">
+            <a:avLst/>
+          </a:prstGeom>
+        </p:spPr>
+        <p:style>
+          <a:lnRef idx="1">
+            <a:schemeClr val="accent3"/>
+          </a:lnRef>
+          <a:fillRef idx="2">
+            <a:schemeClr val="accent3"/>
+          </a:fillRef>
+          <a:effectRef idx="1">
+            <a:schemeClr val="accent3"/>
+          </a:effectRef>
+          <a:fontRef idx="minor">
+            <a:schemeClr val="dk1"/>
+          </a:fontRef>
+        </p:style>
+        <p:txBody>
+          <a:bodyPr rtlCol="0" anchor="ctr"/>
+          <a:lstStyle/>
+          <a:p>
+            <a:pPr algn="ctr"/>
+            <a:endParaRPr lang="en-US"/>
+          </a:p>
+        </p:txBody>
+      </p:sp>
+      <p:sp>
+        <p:nvSpPr>
+          <p:cNvPr id="148" name="TextBox 147"/>
+          <p:cNvSpPr txBox="1"/>
+          <p:nvPr/>
+        </p:nvSpPr>
+        <p:spPr>
+          <a:xfrm>
+            <a:off x="3337955" y="4186535"/>
+            <a:ext cx="1439708" cy="369332"/>
+          </a:xfrm>
+          <a:prstGeom prst="rect">
+            <a:avLst/>
+          </a:prstGeom>
+          <a:noFill/>
+        </p:spPr>
+        <p:txBody>
+          <a:bodyPr wrap="square" rtlCol="0">
+            <a:spAutoFit/>
+          </a:bodyPr>
+          <a:lstStyle/>
+          <a:p>
+            <a:pPr algn="ctr"/>
+            <a:r>
+              <a:rPr lang="en-US" b="1" dirty="0" smtClean="0"/>
+              <a:t>Web Server</a:t>
+            </a:r>
+            <a:endParaRPr lang="en-US" b="1" dirty="0"/>
+          </a:p>
+        </p:txBody>
+      </p:sp>
+      <p:cxnSp>
+        <p:nvCxnSpPr>
+          <p:cNvPr id="161" name="Curved Connector 160"/>
+          <p:cNvCxnSpPr>
+            <a:stCxn id="152" idx="0"/>
+            <a:endCxn id="27" idx="0"/>
+          </p:cNvCxnSpPr>
+          <p:nvPr/>
+        </p:nvCxnSpPr>
+        <p:spPr>
+          <a:xfrm rot="16200000" flipV="1">
+            <a:off x="2462887" y="2513213"/>
+            <a:ext cx="1920319" cy="1269526"/>
+          </a:xfrm>
+          <a:prstGeom prst="curvedConnector2">
+            <a:avLst/>
+          </a:prstGeom>
+          <a:ln>
+            <a:tailEnd type="arrow"/>
+          </a:ln>
+        </p:spPr>
+        <p:style>
+          <a:lnRef idx="2">
+            <a:schemeClr val="dk1"/>
+          </a:lnRef>
+          <a:fillRef idx="0">
+            <a:schemeClr val="dk1"/>
+          </a:fillRef>
+          <a:effectRef idx="1">
+            <a:schemeClr val="dk1"/>
+          </a:effectRef>
+          <a:fontRef idx="minor">
+            <a:schemeClr val="tx1"/>
+          </a:fontRef>
+        </p:style>
+      </p:cxnSp>
+      <p:cxnSp>
+        <p:nvCxnSpPr>
+          <p:cNvPr id="163" name="Curved Connector 162"/>
+          <p:cNvCxnSpPr>
+            <a:stCxn id="152" idx="0"/>
+          </p:cNvCxnSpPr>
+          <p:nvPr/>
+        </p:nvCxnSpPr>
+        <p:spPr>
+          <a:xfrm rot="5400000" flipH="1" flipV="1">
+            <a:off x="3736862" y="2671366"/>
+            <a:ext cx="1757716" cy="1115822"/>
+          </a:xfrm>
+          <a:prstGeom prst="curvedConnector3">
+            <a:avLst>
+              <a:gd name="adj1" fmla="val 75870"/>
+            </a:avLst>
+          </a:prstGeom>
+          <a:ln>
+            <a:tailEnd type="arrow"/>
+          </a:ln>
+        </p:spPr>
+        <p:style>
+          <a:lnRef idx="2">
+            <a:schemeClr val="dk1"/>
+          </a:lnRef>
+          <a:fillRef idx="0">
+            <a:schemeClr val="dk1"/>
+          </a:fillRef>
+          <a:effectRef idx="1">
+            <a:schemeClr val="dk1"/>
+          </a:effectRef>
+          <a:fontRef idx="minor">
+            <a:schemeClr val="tx1"/>
+          </a:fontRef>
+        </p:style>
+      </p:cxnSp>
+      <p:cxnSp>
+        <p:nvCxnSpPr>
+          <p:cNvPr id="165" name="Curved Connector 164"/>
+          <p:cNvCxnSpPr>
+            <a:stCxn id="152" idx="0"/>
+          </p:cNvCxnSpPr>
+          <p:nvPr/>
+        </p:nvCxnSpPr>
+        <p:spPr>
+          <a:xfrm rot="5400000" flipH="1" flipV="1">
+            <a:off x="4994337" y="1392991"/>
+            <a:ext cx="1778617" cy="3651672"/>
+          </a:xfrm>
+          <a:prstGeom prst="curvedConnector2">
+            <a:avLst/>
+          </a:prstGeom>
+          <a:ln>
+            <a:tailEnd type="arrow"/>
+          </a:ln>
+        </p:spPr>
+        <p:style>
+          <a:lnRef idx="2">
+            <a:schemeClr val="dk1"/>
+          </a:lnRef>
+          <a:fillRef idx="0">
+            <a:schemeClr val="dk1"/>
+          </a:fillRef>
+          <a:effectRef idx="1">
+            <a:schemeClr val="dk1"/>
+          </a:effectRef>
+          <a:fontRef idx="minor">
+            <a:schemeClr val="tx1"/>
+          </a:fontRef>
+        </p:style>
+      </p:cxnSp>
+      <p:sp>
+        <p:nvSpPr>
+          <p:cNvPr id="168" name="Rectangle 167"/>
+          <p:cNvSpPr/>
+          <p:nvPr/>
+        </p:nvSpPr>
+        <p:spPr>
+          <a:xfrm>
+            <a:off x="3491993" y="5035730"/>
+            <a:ext cx="1439710" cy="724731"/>
+          </a:xfrm>
+          <a:prstGeom prst="rect">
+            <a:avLst/>
+          </a:prstGeom>
+        </p:spPr>
+        <p:style>
+          <a:lnRef idx="1">
+            <a:schemeClr val="accent3"/>
+          </a:lnRef>
+          <a:fillRef idx="2">
+            <a:schemeClr val="accent3"/>
+          </a:fillRef>
+          <a:effectRef idx="1">
+            <a:schemeClr val="accent3"/>
+          </a:effectRef>
+          <a:fontRef idx="minor">
+            <a:schemeClr val="dk1"/>
+          </a:fontRef>
+        </p:style>
+        <p:txBody>
+          <a:bodyPr rtlCol="0" anchor="ctr"/>
+          <a:lstStyle/>
+          <a:p>
+            <a:pPr algn="ctr"/>
+            <a:endParaRPr lang="en-US"/>
+          </a:p>
+        </p:txBody>
+      </p:sp>
+      <p:sp>
+        <p:nvSpPr>
+          <p:cNvPr id="169" name="Rectangle 168"/>
+          <p:cNvSpPr/>
+          <p:nvPr/>
+        </p:nvSpPr>
+        <p:spPr>
+          <a:xfrm>
+            <a:off x="3417983" y="5118530"/>
+            <a:ext cx="1439710" cy="724731"/>
+          </a:xfrm>
+          <a:prstGeom prst="rect">
+            <a:avLst/>
+          </a:prstGeom>
+        </p:spPr>
+        <p:style>
+          <a:lnRef idx="1">
+            <a:schemeClr val="accent3"/>
+          </a:lnRef>
+          <a:fillRef idx="2">
+            <a:schemeClr val="accent3"/>
+          </a:fillRef>
+          <a:effectRef idx="1">
+            <a:schemeClr val="accent3"/>
+          </a:effectRef>
+          <a:fontRef idx="minor">
+            <a:schemeClr val="dk1"/>
+          </a:fontRef>
+        </p:style>
+        <p:txBody>
+          <a:bodyPr rtlCol="0" anchor="ctr"/>
+          <a:lstStyle/>
+          <a:p>
+            <a:pPr algn="ctr"/>
+            <a:endParaRPr lang="en-US"/>
+          </a:p>
+        </p:txBody>
+      </p:sp>
+      <p:sp>
+        <p:nvSpPr>
+          <p:cNvPr id="170" name="Rectangle 169"/>
+          <p:cNvSpPr/>
+          <p:nvPr/>
+        </p:nvSpPr>
+        <p:spPr>
+          <a:xfrm>
+            <a:off x="3343973" y="5185650"/>
+            <a:ext cx="1439710" cy="724731"/>
+          </a:xfrm>
+          <a:prstGeom prst="rect">
+            <a:avLst/>
+          </a:prstGeom>
+        </p:spPr>
+        <p:style>
+          <a:lnRef idx="1">
+            <a:schemeClr val="accent3"/>
+          </a:lnRef>
+          <a:fillRef idx="2">
+            <a:schemeClr val="accent3"/>
+          </a:fillRef>
+          <a:effectRef idx="1">
+            <a:schemeClr val="accent3"/>
+          </a:effectRef>
+          <a:fontRef idx="minor">
+            <a:schemeClr val="dk1"/>
+          </a:fontRef>
+        </p:style>
+        <p:txBody>
+          <a:bodyPr rtlCol="0" anchor="ctr"/>
+          <a:lstStyle/>
+          <a:p>
+            <a:pPr algn="ctr"/>
+            <a:endParaRPr lang="en-US"/>
+          </a:p>
+        </p:txBody>
+      </p:sp>
+      <p:sp>
+        <p:nvSpPr>
+          <p:cNvPr id="171" name="TextBox 170"/>
+          <p:cNvSpPr txBox="1"/>
+          <p:nvPr/>
+        </p:nvSpPr>
+        <p:spPr>
+          <a:xfrm>
+            <a:off x="3343974" y="5264050"/>
+            <a:ext cx="1439708" cy="646331"/>
+          </a:xfrm>
+          <a:prstGeom prst="rect">
+            <a:avLst/>
+          </a:prstGeom>
+          <a:noFill/>
+        </p:spPr>
+        <p:txBody>
+          <a:bodyPr wrap="square" rtlCol="0">
+            <a:spAutoFit/>
+          </a:bodyPr>
+          <a:lstStyle/>
+          <a:p>
+            <a:pPr algn="ctr"/>
+            <a:r>
+              <a:rPr lang="en-US" b="1" dirty="0" smtClean="0"/>
+              <a:t>Database Server</a:t>
+            </a:r>
+            <a:endParaRPr lang="en-US" b="1" dirty="0"/>
+          </a:p>
+        </p:txBody>
+      </p:sp>
+      <p:cxnSp>
+        <p:nvCxnSpPr>
+          <p:cNvPr id="173" name="Curved Connector 172"/>
+          <p:cNvCxnSpPr>
+            <a:stCxn id="170" idx="1"/>
+          </p:cNvCxnSpPr>
+          <p:nvPr/>
+        </p:nvCxnSpPr>
+        <p:spPr>
+          <a:xfrm rot="10800000">
+            <a:off x="2053775" y="2798220"/>
+            <a:ext cx="1290198" cy="2749797"/>
+          </a:xfrm>
+          <a:prstGeom prst="curvedConnector2">
+            <a:avLst/>
+          </a:prstGeom>
+          <a:ln>
+            <a:tailEnd type="arrow"/>
+          </a:ln>
+        </p:spPr>
+        <p:style>
+          <a:lnRef idx="2">
+            <a:schemeClr val="dk1"/>
+          </a:lnRef>
+          <a:fillRef idx="0">
+            <a:schemeClr val="dk1"/>
+          </a:fillRef>
+          <a:effectRef idx="1">
+            <a:schemeClr val="dk1"/>
+          </a:effectRef>
+          <a:fontRef idx="minor">
+            <a:schemeClr val="tx1"/>
+          </a:fontRef>
+        </p:style>
+      </p:cxnSp>
+      <p:cxnSp>
+        <p:nvCxnSpPr>
+          <p:cNvPr id="175" name="Curved Connector 174"/>
+          <p:cNvCxnSpPr>
+            <a:stCxn id="170" idx="3"/>
+            <a:endCxn id="146" idx="2"/>
+          </p:cNvCxnSpPr>
+          <p:nvPr/>
+        </p:nvCxnSpPr>
+        <p:spPr>
+          <a:xfrm flipV="1">
+            <a:off x="4783683" y="2798219"/>
+            <a:ext cx="3540056" cy="2749797"/>
+          </a:xfrm>
+          <a:prstGeom prst="curvedConnector2">
+            <a:avLst/>
+          </a:prstGeom>
+          <a:ln>
+            <a:tailEnd type="arrow"/>
+          </a:ln>
+        </p:spPr>
+        <p:style>
+          <a:lnRef idx="2">
+            <a:schemeClr val="dk1"/>
+          </a:lnRef>
+          <a:fillRef idx="0">
+            <a:schemeClr val="dk1"/>
+          </a:fillRef>
+          <a:effectRef idx="1">
+            <a:schemeClr val="dk1"/>
+          </a:effectRef>
+          <a:fontRef idx="minor">
+            <a:schemeClr val="tx1"/>
+          </a:fontRef>
+        </p:style>
+      </p:cxnSp>
+      <p:sp>
+        <p:nvSpPr>
+          <p:cNvPr id="176" name="Rectangle 175"/>
+          <p:cNvSpPr/>
+          <p:nvPr/>
+        </p:nvSpPr>
+        <p:spPr>
+          <a:xfrm>
+            <a:off x="7199947" y="5194350"/>
+            <a:ext cx="1452198" cy="1368307"/>
+          </a:xfrm>
+          <a:prstGeom prst="rect">
+            <a:avLst/>
+          </a:prstGeom>
+        </p:spPr>
+        <p:style>
+          <a:lnRef idx="2">
+            <a:schemeClr val="dk1"/>
+          </a:lnRef>
+          <a:fillRef idx="1">
+            <a:schemeClr val="lt1"/>
+          </a:fillRef>
+          <a:effectRef idx="0">
+            <a:schemeClr val="dk1"/>
+          </a:effectRef>
+          <a:fontRef idx="minor">
+            <a:schemeClr val="dk1"/>
+          </a:fontRef>
+        </p:style>
+        <p:txBody>
+          <a:bodyPr rtlCol="0" anchor="ctr"/>
+          <a:lstStyle/>
+          <a:p>
+            <a:pPr algn="ctr"/>
+            <a:endParaRPr lang="en-US"/>
+          </a:p>
+        </p:txBody>
+      </p:sp>
+      <p:sp>
+        <p:nvSpPr>
+          <p:cNvPr id="177" name="Rounded Rectangle 176"/>
+          <p:cNvSpPr/>
+          <p:nvPr/>
+        </p:nvSpPr>
+        <p:spPr>
+          <a:xfrm>
+            <a:off x="7319150" y="5358761"/>
+            <a:ext cx="279178" cy="142461"/>
+          </a:xfrm>
+          <a:prstGeom prst="roundRect">
+            <a:avLst/>
+          </a:prstGeom>
+        </p:spPr>
+        <p:style>
+          <a:lnRef idx="2">
+            <a:schemeClr val="accent6">
+              <a:shade val="50000"/>
+            </a:schemeClr>
+          </a:lnRef>
+          <a:fillRef idx="1">
+            <a:schemeClr val="accent6"/>
+          </a:fillRef>
+          <a:effectRef idx="0">
+            <a:schemeClr val="accent6"/>
+          </a:effectRef>
+          <a:fontRef idx="minor">
+            <a:schemeClr val="lt1"/>
+          </a:fontRef>
+        </p:style>
+        <p:txBody>
+          <a:bodyPr rtlCol="0" anchor="ctr"/>
+          <a:lstStyle/>
+          <a:p>
+            <a:pPr algn="ctr"/>
+            <a:endParaRPr lang="en-US"/>
+          </a:p>
+        </p:txBody>
+      </p:sp>
+      <p:sp>
+        <p:nvSpPr>
+          <p:cNvPr id="179" name="Snip Single Corner Rectangle 178"/>
+          <p:cNvSpPr/>
+          <p:nvPr/>
+        </p:nvSpPr>
+        <p:spPr>
+          <a:xfrm>
+            <a:off x="7319831" y="5688674"/>
+            <a:ext cx="278497" cy="146304"/>
+          </a:xfrm>
+          <a:prstGeom prst="snip1Rect">
+            <a:avLst/>
+          </a:prstGeom>
+        </p:spPr>
+        <p:style>
+          <a:lnRef idx="1">
+            <a:schemeClr val="dk1"/>
+          </a:lnRef>
+          <a:fillRef idx="2">
+            <a:schemeClr val="dk1"/>
+          </a:fillRef>
+          <a:effectRef idx="1">
+            <a:schemeClr val="dk1"/>
+          </a:effectRef>
+          <a:fontRef idx="minor">
+            <a:schemeClr val="dk1"/>
+          </a:fontRef>
+        </p:style>
+        <p:txBody>
+          <a:bodyPr rtlCol="0" anchor="ctr"/>
+          <a:lstStyle/>
+          <a:p>
+            <a:pPr algn="ctr"/>
+            <a:endParaRPr lang="en-US" dirty="0"/>
+          </a:p>
+        </p:txBody>
+      </p:sp>
+      <p:sp>
+        <p:nvSpPr>
+          <p:cNvPr id="181" name="Hexagon 180"/>
+          <p:cNvSpPr/>
+          <p:nvPr/>
+        </p:nvSpPr>
+        <p:spPr>
+          <a:xfrm>
+            <a:off x="7319151" y="6021464"/>
+            <a:ext cx="279178" cy="146304"/>
+          </a:xfrm>
+          <a:prstGeom prst="hexagon">
+            <a:avLst/>
+          </a:prstGeom>
+        </p:spPr>
+        <p:style>
+          <a:lnRef idx="1">
+            <a:schemeClr val="accent1"/>
+          </a:lnRef>
+          <a:fillRef idx="3">
+            <a:schemeClr val="accent1"/>
+          </a:fillRef>
+          <a:effectRef idx="2">
+            <a:schemeClr val="accent1"/>
+          </a:effectRef>
+          <a:fontRef idx="minor">
+            <a:schemeClr val="lt1"/>
+          </a:fontRef>
+        </p:style>
+        <p:txBody>
+          <a:bodyPr rtlCol="0" anchor="ctr"/>
+          <a:lstStyle/>
+          <a:p>
+            <a:pPr algn="ctr"/>
+            <a:endParaRPr lang="en-US"/>
+          </a:p>
+        </p:txBody>
+      </p:sp>
+      <p:sp>
+        <p:nvSpPr>
+          <p:cNvPr id="182" name="Rectangle 181"/>
+          <p:cNvSpPr/>
+          <p:nvPr/>
+        </p:nvSpPr>
+        <p:spPr>
+          <a:xfrm>
+            <a:off x="7319831" y="6329939"/>
+            <a:ext cx="278498" cy="146304"/>
+          </a:xfrm>
+          <a:prstGeom prst="rect">
+            <a:avLst/>
+          </a:prstGeom>
+        </p:spPr>
+        <p:style>
+          <a:lnRef idx="1">
+            <a:schemeClr val="accent3"/>
+          </a:lnRef>
+          <a:fillRef idx="2">
+            <a:schemeClr val="accent3"/>
+          </a:fillRef>
+          <a:effectRef idx="1">
+            <a:schemeClr val="accent3"/>
+          </a:effectRef>
+          <a:fontRef idx="minor">
+            <a:schemeClr val="dk1"/>
+          </a:fontRef>
+        </p:style>
+        <p:txBody>
+          <a:bodyPr rtlCol="0" anchor="ctr"/>
+          <a:lstStyle/>
+          <a:p>
+            <a:pPr algn="ctr"/>
+            <a:endParaRPr lang="en-US"/>
+          </a:p>
+        </p:txBody>
+      </p:sp>
+      <p:sp>
+        <p:nvSpPr>
+          <p:cNvPr id="183" name="TextBox 182"/>
+          <p:cNvSpPr txBox="1"/>
+          <p:nvPr/>
+        </p:nvSpPr>
+        <p:spPr>
+          <a:xfrm>
+            <a:off x="7638915" y="5292532"/>
+            <a:ext cx="1123820" cy="276999"/>
+          </a:xfrm>
+          <a:prstGeom prst="rect">
+            <a:avLst/>
+          </a:prstGeom>
+          <a:noFill/>
+        </p:spPr>
+        <p:txBody>
+          <a:bodyPr wrap="square" rtlCol="0">
+            <a:spAutoFit/>
+          </a:bodyPr>
+          <a:lstStyle/>
+          <a:p>
+            <a:r>
+              <a:rPr lang="en-US" sz="1200" dirty="0" smtClean="0"/>
+              <a:t>Subsystems</a:t>
+            </a:r>
+            <a:endParaRPr lang="en-US" sz="1200" dirty="0"/>
+          </a:p>
+        </p:txBody>
+      </p:sp>
+      <p:sp>
+        <p:nvSpPr>
+          <p:cNvPr id="184" name="TextBox 183"/>
+          <p:cNvSpPr txBox="1"/>
+          <p:nvPr/>
+        </p:nvSpPr>
+        <p:spPr>
+          <a:xfrm>
+            <a:off x="7638915" y="5619293"/>
+            <a:ext cx="1123820" cy="276999"/>
+          </a:xfrm>
+          <a:prstGeom prst="rect">
+            <a:avLst/>
+          </a:prstGeom>
+          <a:noFill/>
+        </p:spPr>
+        <p:txBody>
+          <a:bodyPr wrap="square" rtlCol="0">
+            <a:spAutoFit/>
+          </a:bodyPr>
+          <a:lstStyle/>
+          <a:p>
+            <a:r>
+              <a:rPr lang="en-US" sz="1200" dirty="0" smtClean="0"/>
+              <a:t>Hierarchies</a:t>
+            </a:r>
+            <a:endParaRPr lang="en-US" sz="1200" dirty="0"/>
+          </a:p>
+        </p:txBody>
+      </p:sp>
+      <p:sp>
+        <p:nvSpPr>
+          <p:cNvPr id="185" name="TextBox 184"/>
+          <p:cNvSpPr txBox="1"/>
+          <p:nvPr/>
+        </p:nvSpPr>
+        <p:spPr>
+          <a:xfrm>
+            <a:off x="7638915" y="5943793"/>
+            <a:ext cx="1123820" cy="276999"/>
+          </a:xfrm>
+          <a:prstGeom prst="rect">
+            <a:avLst/>
+          </a:prstGeom>
+          <a:noFill/>
+        </p:spPr>
+        <p:txBody>
+          <a:bodyPr wrap="square" rtlCol="0">
+            <a:spAutoFit/>
+          </a:bodyPr>
+          <a:lstStyle/>
+          <a:p>
+            <a:r>
+              <a:rPr lang="en-US" sz="1200" dirty="0" err="1" smtClean="0"/>
+              <a:t>Cgroups</a:t>
+            </a:r>
+            <a:endParaRPr lang="en-US" sz="1200" dirty="0"/>
+          </a:p>
+        </p:txBody>
+      </p:sp>
+      <p:sp>
+        <p:nvSpPr>
+          <p:cNvPr id="186" name="TextBox 185"/>
+          <p:cNvSpPr txBox="1"/>
+          <p:nvPr/>
+        </p:nvSpPr>
+        <p:spPr>
+          <a:xfrm>
+            <a:off x="7638915" y="6250244"/>
+            <a:ext cx="1123820" cy="276999"/>
+          </a:xfrm>
+          <a:prstGeom prst="rect">
+            <a:avLst/>
+          </a:prstGeom>
+          <a:noFill/>
+        </p:spPr>
+        <p:txBody>
+          <a:bodyPr wrap="square" rtlCol="0">
+            <a:spAutoFit/>
+          </a:bodyPr>
+          <a:lstStyle/>
+          <a:p>
+            <a:r>
+              <a:rPr lang="en-US" sz="1200" dirty="0" smtClean="0"/>
+              <a:t> Containers</a:t>
+            </a:r>
+            <a:endParaRPr lang="en-US" sz="1200" dirty="0"/>
+          </a:p>
+        </p:txBody>
+      </p:sp>
+    </p:spTree>
+    <p:extLst>
+      <p:ext uri="{BB962C8B-B14F-4D97-AF65-F5344CB8AC3E}">
+        <p14:creationId xmlns:p14="http://schemas.microsoft.com/office/powerpoint/2010/main" val="4152378344"/>
+      </p:ext>
+    </p:extLst>
+  </p:cSld>
+  <p:clrMapOvr>
+    <a:masterClrMapping/>
+  </p:clrMapOvr>
+  <p:timing>
+    <p:tnLst>
+      <p:par>
+        <p:cTn xmlns:p14="http://schemas.microsoft.com/office/powerpoint/2010/main" id="1" dur="indefinite" restart="never" nodeType="tmRoot"/>
+      </p:par>
+    </p:tnLst>
+  </p:timing>
+</p:sld>
+</file>
+
+<file path=ppt/slides/slide14.xml><?xml version="1.0" encoding="utf-8"?>
+<p:sld xmlns:a="http://schemas.openxmlformats.org/drawingml/2006/main" xmlns:r="http://schemas.openxmlformats.org/officeDocument/2006/relationships" xmlns:p="http://schemas.openxmlformats.org/presentationml/2006/main">
+  <p:cSld>
+    <p:spTree>
+      <p:nvGrpSpPr>
+        <p:cNvPr id="1" name=""/>
+        <p:cNvGrpSpPr/>
+        <p:nvPr/>
+      </p:nvGrpSpPr>
+      <p:grpSpPr>
+        <a:xfrm>
+          <a:off x="0" y="0"/>
+          <a:ext cx="0" cy="0"/>
+          <a:chOff x="0" y="0"/>
+          <a:chExt cx="0" cy="0"/>
+        </a:xfrm>
+      </p:grpSpPr>
+      <p:grpSp>
+        <p:nvGrpSpPr>
+          <p:cNvPr id="75" name="Group 74"/>
+          <p:cNvGrpSpPr/>
+          <p:nvPr/>
+        </p:nvGrpSpPr>
+        <p:grpSpPr>
+          <a:xfrm>
+            <a:off x="2008210" y="4147298"/>
+            <a:ext cx="4682747" cy="1299302"/>
+            <a:chOff x="2008210" y="4147298"/>
+            <a:chExt cx="4682747" cy="1299302"/>
+          </a:xfrm>
+        </p:grpSpPr>
+        <p:pic>
+          <p:nvPicPr>
+            <p:cNvPr id="5" name="Picture 4" descr="Drawing1.png"/>
+            <p:cNvPicPr>
+              <a:picLocks noChangeAspect="1"/>
+            </p:cNvPicPr>
+            <p:nvPr/>
+          </p:nvPicPr>
+          <p:blipFill rotWithShape="1">
+            <a:blip r:embed="rId2">
+              <a:extLst>
+                <a:ext uri="{28A0092B-C50C-407E-A947-70E740481C1C}">
+                  <a14:useLocalDpi xmlns:a14="http://schemas.microsoft.com/office/drawing/2010/main" val="0"/>
+                </a:ext>
+              </a:extLst>
+            </a:blip>
+            <a:srcRect l="58297" t="9713" b="67350"/>
+            <a:stretch/>
+          </p:blipFill>
+          <p:spPr>
+            <a:xfrm>
+              <a:off x="2008210" y="4147298"/>
+              <a:ext cx="4682747" cy="1299302"/>
+            </a:xfrm>
+            <a:prstGeom prst="rect">
+              <a:avLst/>
+            </a:prstGeom>
+          </p:spPr>
+        </p:pic>
+        <p:sp>
+          <p:nvSpPr>
+            <p:cNvPr id="6" name="TextBox 5"/>
+            <p:cNvSpPr txBox="1"/>
+            <p:nvPr/>
+          </p:nvSpPr>
+          <p:spPr>
+            <a:xfrm>
+              <a:off x="2178411" y="4304671"/>
+              <a:ext cx="4438353" cy="923330"/>
+            </a:xfrm>
+            <a:prstGeom prst="rect">
+              <a:avLst/>
+            </a:prstGeom>
+            <a:noFill/>
+          </p:spPr>
+          <p:txBody>
+            <a:bodyPr wrap="square" rtlCol="0">
+              <a:spAutoFit/>
+            </a:bodyPr>
+            <a:lstStyle/>
+            <a:p>
+              <a:pPr algn="ctr"/>
+              <a:r>
+                <a:rPr lang="en-US" b="1" dirty="0" smtClean="0"/>
+                <a:t>Server with/without Virtualization </a:t>
+              </a:r>
+            </a:p>
+            <a:p>
+              <a:pPr algn="ctr"/>
+              <a:endParaRPr lang="en-US" b="1" dirty="0" smtClean="0"/>
+            </a:p>
+            <a:p>
+              <a:pPr algn="ctr"/>
+              <a:r>
+                <a:rPr lang="en-US" b="1" dirty="0" smtClean="0"/>
+                <a:t>capable CPU (Intel VT-X or AMD – SVM)</a:t>
+              </a:r>
+              <a:endParaRPr lang="en-US" b="1" dirty="0"/>
+            </a:p>
+          </p:txBody>
+        </p:sp>
+      </p:grpSp>
+      <p:sp>
+        <p:nvSpPr>
+          <p:cNvPr id="7" name="Rectangle 6"/>
+          <p:cNvSpPr/>
+          <p:nvPr/>
+        </p:nvSpPr>
+        <p:spPr>
+          <a:xfrm>
+            <a:off x="2111574" y="3401106"/>
+            <a:ext cx="4564617" cy="777240"/>
+          </a:xfrm>
+          <a:prstGeom prst="rect">
+            <a:avLst/>
+          </a:prstGeom>
+        </p:spPr>
+        <p:style>
+          <a:lnRef idx="1">
+            <a:schemeClr val="accent1"/>
+          </a:lnRef>
+          <a:fillRef idx="2">
+            <a:schemeClr val="accent1"/>
+          </a:fillRef>
+          <a:effectRef idx="1">
+            <a:schemeClr val="accent1"/>
+          </a:effectRef>
+          <a:fontRef idx="minor">
+            <a:schemeClr val="dk1"/>
+          </a:fontRef>
+        </p:style>
+        <p:txBody>
+          <a:bodyPr rtlCol="0" anchor="ctr"/>
+          <a:lstStyle/>
+          <a:p>
+            <a:pPr algn="ctr"/>
+            <a:endParaRPr lang="en-US"/>
+          </a:p>
+        </p:txBody>
+      </p:sp>
+      <p:sp>
+        <p:nvSpPr>
+          <p:cNvPr id="8" name="TextBox 7"/>
+          <p:cNvSpPr txBox="1"/>
+          <p:nvPr/>
+        </p:nvSpPr>
+        <p:spPr>
+          <a:xfrm>
+            <a:off x="2598860" y="3817317"/>
+            <a:ext cx="3470069" cy="369332"/>
+          </a:xfrm>
+          <a:prstGeom prst="rect">
+            <a:avLst/>
+          </a:prstGeom>
+          <a:noFill/>
+        </p:spPr>
+        <p:txBody>
+          <a:bodyPr wrap="square" rtlCol="0">
+            <a:spAutoFit/>
+          </a:bodyPr>
+          <a:lstStyle/>
+          <a:p>
+            <a:pPr algn="ctr"/>
+            <a:r>
+              <a:rPr lang="en-US" b="1" dirty="0" smtClean="0"/>
+              <a:t>Xen Hypervisor</a:t>
+            </a:r>
+            <a:endParaRPr lang="en-US" b="1" dirty="0"/>
+          </a:p>
+        </p:txBody>
+      </p:sp>
+      <p:pic>
+        <p:nvPicPr>
+          <p:cNvPr id="9" name="Content Placeholder 5"/>
+          <p:cNvPicPr>
+            <a:picLocks noGrp="1" noChangeAspect="1"/>
+          </p:cNvPicPr>
+          <p:nvPr>
+            <p:ph idx="1"/>
+          </p:nvPr>
+        </p:nvPicPr>
+        <p:blipFill rotWithShape="1">
+          <a:blip r:embed="rId3"/>
+          <a:srcRect l="-6733" r="-4275"/>
+          <a:stretch/>
+        </p:blipFill>
+        <p:spPr>
+          <a:xfrm>
+            <a:off x="5745917" y="5949170"/>
+            <a:ext cx="945040" cy="851327"/>
+          </a:xfrm>
+        </p:spPr>
+      </p:pic>
+      <p:pic>
+        <p:nvPicPr>
+          <p:cNvPr id="10" name="Picture 9"/>
+          <p:cNvPicPr>
+            <a:picLocks noChangeAspect="1"/>
+          </p:cNvPicPr>
+          <p:nvPr/>
+        </p:nvPicPr>
+        <p:blipFill rotWithShape="1">
+          <a:blip r:embed="rId4"/>
+          <a:srcRect l="13285" t="6028" r="12951" b="5869"/>
+          <a:stretch/>
+        </p:blipFill>
+        <p:spPr>
+          <a:xfrm>
+            <a:off x="2008210" y="5949171"/>
+            <a:ext cx="974572" cy="873958"/>
+          </a:xfrm>
+          <a:prstGeom prst="rect">
+            <a:avLst/>
+          </a:prstGeom>
+        </p:spPr>
+      </p:pic>
+      <p:cxnSp>
+        <p:nvCxnSpPr>
+          <p:cNvPr id="13" name="Elbow Connector 12"/>
+          <p:cNvCxnSpPr>
+            <a:stCxn id="5" idx="2"/>
+            <a:endCxn id="9" idx="0"/>
+          </p:cNvCxnSpPr>
+          <p:nvPr/>
+        </p:nvCxnSpPr>
+        <p:spPr>
+          <a:xfrm rot="16200000" flipH="1">
+            <a:off x="5032725" y="4763458"/>
+            <a:ext cx="502570" cy="1868853"/>
+          </a:xfrm>
+          <a:prstGeom prst="bentConnector3">
+            <a:avLst/>
+          </a:prstGeom>
+          <a:ln>
+            <a:tailEnd type="arrow"/>
+          </a:ln>
+        </p:spPr>
+        <p:style>
+          <a:lnRef idx="2">
+            <a:schemeClr val="accent1"/>
+          </a:lnRef>
+          <a:fillRef idx="0">
+            <a:schemeClr val="accent1"/>
+          </a:fillRef>
+          <a:effectRef idx="1">
+            <a:schemeClr val="accent1"/>
+          </a:effectRef>
+          <a:fontRef idx="minor">
+            <a:schemeClr val="tx1"/>
+          </a:fontRef>
+        </p:style>
+      </p:cxnSp>
+      <p:cxnSp>
+        <p:nvCxnSpPr>
+          <p:cNvPr id="14" name="Elbow Connector 13"/>
+          <p:cNvCxnSpPr>
+            <a:stCxn id="5" idx="2"/>
+            <a:endCxn id="10" idx="0"/>
+          </p:cNvCxnSpPr>
+          <p:nvPr/>
+        </p:nvCxnSpPr>
+        <p:spPr>
+          <a:xfrm rot="5400000">
+            <a:off x="3171255" y="4770841"/>
+            <a:ext cx="502571" cy="1854088"/>
+          </a:xfrm>
+          <a:prstGeom prst="bentConnector3">
+            <a:avLst>
+              <a:gd name="adj1" fmla="val 50000"/>
+            </a:avLst>
+          </a:prstGeom>
+          <a:ln>
+            <a:tailEnd type="arrow"/>
+          </a:ln>
+        </p:spPr>
+        <p:style>
+          <a:lnRef idx="2">
+            <a:schemeClr val="accent1"/>
+          </a:lnRef>
+          <a:fillRef idx="0">
+            <a:schemeClr val="accent1"/>
+          </a:fillRef>
+          <a:effectRef idx="1">
+            <a:schemeClr val="accent1"/>
+          </a:effectRef>
+          <a:fontRef idx="minor">
+            <a:schemeClr val="tx1"/>
+          </a:fontRef>
+        </p:style>
+      </p:cxnSp>
+      <p:sp>
+        <p:nvSpPr>
+          <p:cNvPr id="17" name="Rectangle 16"/>
+          <p:cNvSpPr/>
+          <p:nvPr/>
+        </p:nvSpPr>
+        <p:spPr>
+          <a:xfrm>
+            <a:off x="3782472" y="381732"/>
+            <a:ext cx="1358495" cy="3013136"/>
+          </a:xfrm>
+          <a:prstGeom prst="rect">
+            <a:avLst/>
+          </a:prstGeom>
+        </p:spPr>
+        <p:style>
+          <a:lnRef idx="2">
+            <a:schemeClr val="accent6"/>
+          </a:lnRef>
+          <a:fillRef idx="1">
+            <a:schemeClr val="lt1"/>
+          </a:fillRef>
+          <a:effectRef idx="0">
+            <a:schemeClr val="accent6"/>
+          </a:effectRef>
+          <a:fontRef idx="minor">
+            <a:schemeClr val="dk1"/>
+          </a:fontRef>
+        </p:style>
+        <p:txBody>
+          <a:bodyPr rtlCol="0" anchor="ctr"/>
+          <a:lstStyle/>
+          <a:p>
+            <a:pPr algn="ctr"/>
+            <a:endParaRPr lang="en-US"/>
+          </a:p>
+        </p:txBody>
+      </p:sp>
+      <p:sp>
+        <p:nvSpPr>
+          <p:cNvPr id="18" name="Rectangle 17"/>
+          <p:cNvSpPr/>
+          <p:nvPr/>
+        </p:nvSpPr>
+        <p:spPr>
+          <a:xfrm>
+            <a:off x="5170498" y="381732"/>
+            <a:ext cx="1358495" cy="3013135"/>
+          </a:xfrm>
+          <a:prstGeom prst="rect">
+            <a:avLst/>
+          </a:prstGeom>
+        </p:spPr>
+        <p:style>
+          <a:lnRef idx="2">
+            <a:schemeClr val="accent6"/>
+          </a:lnRef>
+          <a:fillRef idx="1">
+            <a:schemeClr val="lt1"/>
+          </a:fillRef>
+          <a:effectRef idx="0">
+            <a:schemeClr val="accent6"/>
+          </a:effectRef>
+          <a:fontRef idx="minor">
+            <a:schemeClr val="dk1"/>
+          </a:fontRef>
+        </p:style>
+        <p:txBody>
+          <a:bodyPr rtlCol="0" anchor="ctr"/>
+          <a:lstStyle/>
+          <a:p>
+            <a:pPr algn="ctr"/>
+            <a:endParaRPr lang="en-US"/>
+          </a:p>
+        </p:txBody>
+      </p:sp>
+      <p:sp>
+        <p:nvSpPr>
+          <p:cNvPr id="19" name="Rectangle 18"/>
+          <p:cNvSpPr/>
+          <p:nvPr/>
+        </p:nvSpPr>
+        <p:spPr>
+          <a:xfrm>
+            <a:off x="3782474" y="2420164"/>
+            <a:ext cx="1358493" cy="959935"/>
+          </a:xfrm>
+          <a:prstGeom prst="rect">
+            <a:avLst/>
+          </a:prstGeom>
+          <a:pattFill prst="pct5">
+            <a:fgClr>
+              <a:schemeClr val="accent6">
+                <a:lumMod val="60000"/>
+                <a:lumOff val="40000"/>
+              </a:schemeClr>
+            </a:fgClr>
+            <a:bgClr>
+              <a:schemeClr val="accent6"/>
+            </a:bgClr>
+          </a:pattFill>
+        </p:spPr>
+        <p:style>
+          <a:lnRef idx="2">
+            <a:schemeClr val="accent6">
+              <a:shade val="50000"/>
+            </a:schemeClr>
+          </a:lnRef>
+          <a:fillRef idx="1">
+            <a:schemeClr val="accent6"/>
+          </a:fillRef>
+          <a:effectRef idx="0">
+            <a:schemeClr val="accent6"/>
+          </a:effectRef>
+          <a:fontRef idx="minor">
+            <a:schemeClr val="lt1"/>
+          </a:fontRef>
+        </p:style>
+        <p:txBody>
+          <a:bodyPr rtlCol="0" anchor="ctr"/>
+          <a:lstStyle/>
+          <a:p>
+            <a:pPr algn="ctr"/>
+            <a:r>
+              <a:rPr lang="en-US" b="1" dirty="0" smtClean="0">
+                <a:solidFill>
+                  <a:schemeClr val="tx1"/>
+                </a:solidFill>
+              </a:rPr>
+              <a:t>Xen-PV enabled Kernel</a:t>
+            </a:r>
+            <a:endParaRPr lang="en-US" b="1" dirty="0">
+              <a:solidFill>
+                <a:schemeClr val="tx1"/>
+              </a:solidFill>
+            </a:endParaRPr>
+          </a:p>
+        </p:txBody>
+      </p:sp>
+      <p:sp>
+        <p:nvSpPr>
+          <p:cNvPr id="20" name="TextBox 19"/>
+          <p:cNvSpPr txBox="1"/>
+          <p:nvPr/>
+        </p:nvSpPr>
+        <p:spPr>
+          <a:xfrm>
+            <a:off x="6469929" y="2420164"/>
+            <a:ext cx="251029" cy="923330"/>
+          </a:xfrm>
+          <a:prstGeom prst="rect">
+            <a:avLst/>
+          </a:prstGeom>
+          <a:noFill/>
+        </p:spPr>
+        <p:txBody>
+          <a:bodyPr wrap="square" rtlCol="0">
+            <a:spAutoFit/>
+          </a:bodyPr>
+          <a:lstStyle/>
+          <a:p>
+            <a:r>
+              <a:rPr lang="en-US" dirty="0" smtClean="0"/>
+              <a:t>………</a:t>
+            </a:r>
+            <a:endParaRPr lang="en-US" dirty="0"/>
+          </a:p>
+        </p:txBody>
+      </p:sp>
+      <p:sp>
+        <p:nvSpPr>
+          <p:cNvPr id="21" name="Rectangle 20"/>
+          <p:cNvSpPr/>
+          <p:nvPr/>
+        </p:nvSpPr>
+        <p:spPr>
+          <a:xfrm>
+            <a:off x="3782472" y="1791724"/>
+            <a:ext cx="1358495" cy="605497"/>
+          </a:xfrm>
+          <a:prstGeom prst="rect">
+            <a:avLst/>
+          </a:prstGeom>
+          <a:pattFill prst="smCheck">
+            <a:fgClr>
+              <a:schemeClr val="accent4">
+                <a:lumMod val="40000"/>
+                <a:lumOff val="60000"/>
+              </a:schemeClr>
+            </a:fgClr>
+            <a:bgClr>
+              <a:schemeClr val="accent4">
+                <a:lumMod val="60000"/>
+                <a:lumOff val="40000"/>
+              </a:schemeClr>
+            </a:bgClr>
+          </a:pattFill>
+        </p:spPr>
+        <p:style>
+          <a:lnRef idx="2">
+            <a:schemeClr val="accent4">
+              <a:shade val="50000"/>
+            </a:schemeClr>
+          </a:lnRef>
+          <a:fillRef idx="1">
+            <a:schemeClr val="accent4"/>
+          </a:fillRef>
+          <a:effectRef idx="0">
+            <a:schemeClr val="accent4"/>
+          </a:effectRef>
+          <a:fontRef idx="minor">
+            <a:schemeClr val="lt1"/>
+          </a:fontRef>
+        </p:style>
+        <p:txBody>
+          <a:bodyPr rtlCol="0" anchor="ctr"/>
+          <a:lstStyle/>
+          <a:p>
+            <a:pPr algn="ctr"/>
+            <a:endParaRPr lang="en-US"/>
+          </a:p>
+        </p:txBody>
+      </p:sp>
+      <p:sp>
+        <p:nvSpPr>
+          <p:cNvPr id="22" name="TextBox 21"/>
+          <p:cNvSpPr txBox="1"/>
+          <p:nvPr/>
+        </p:nvSpPr>
+        <p:spPr>
+          <a:xfrm>
+            <a:off x="3782474" y="1762188"/>
+            <a:ext cx="1358493" cy="646331"/>
+          </a:xfrm>
+          <a:prstGeom prst="rect">
+            <a:avLst/>
+          </a:prstGeom>
+          <a:noFill/>
+        </p:spPr>
+        <p:txBody>
+          <a:bodyPr wrap="square" rtlCol="0">
+            <a:spAutoFit/>
+          </a:bodyPr>
+          <a:lstStyle/>
+          <a:p>
+            <a:pPr algn="ctr"/>
+            <a:r>
+              <a:rPr lang="en-US" b="1" dirty="0" smtClean="0"/>
+              <a:t>Para Virtual drivers</a:t>
+            </a:r>
+            <a:endParaRPr lang="en-US" b="1" dirty="0"/>
+          </a:p>
+        </p:txBody>
+      </p:sp>
+      <p:sp>
+        <p:nvSpPr>
+          <p:cNvPr id="25" name="TextBox 24"/>
+          <p:cNvSpPr txBox="1"/>
+          <p:nvPr/>
+        </p:nvSpPr>
+        <p:spPr>
+          <a:xfrm>
+            <a:off x="3782475" y="911079"/>
+            <a:ext cx="1358492" cy="369332"/>
+          </a:xfrm>
+          <a:prstGeom prst="rect">
+            <a:avLst/>
+          </a:prstGeom>
+          <a:noFill/>
+        </p:spPr>
+        <p:txBody>
+          <a:bodyPr wrap="square" rtlCol="0">
+            <a:spAutoFit/>
+          </a:bodyPr>
+          <a:lstStyle/>
+          <a:p>
+            <a:pPr algn="ctr"/>
+            <a:r>
+              <a:rPr lang="en-US" b="1" dirty="0" smtClean="0"/>
+              <a:t>Application</a:t>
+            </a:r>
+            <a:endParaRPr lang="en-US" b="1" dirty="0"/>
+          </a:p>
+        </p:txBody>
+      </p:sp>
+      <p:sp>
+        <p:nvSpPr>
+          <p:cNvPr id="26" name="Rectangle 25"/>
+          <p:cNvSpPr/>
+          <p:nvPr/>
+        </p:nvSpPr>
+        <p:spPr>
+          <a:xfrm>
+            <a:off x="5175218" y="2424884"/>
+            <a:ext cx="1358493" cy="959935"/>
+          </a:xfrm>
+          <a:prstGeom prst="rect">
+            <a:avLst/>
+          </a:prstGeom>
+          <a:pattFill prst="pct5">
+            <a:fgClr>
+              <a:schemeClr val="accent6">
+                <a:lumMod val="60000"/>
+                <a:lumOff val="40000"/>
+              </a:schemeClr>
+            </a:fgClr>
+            <a:bgClr>
+              <a:schemeClr val="accent6"/>
+            </a:bgClr>
+          </a:pattFill>
+        </p:spPr>
+        <p:style>
+          <a:lnRef idx="2">
+            <a:schemeClr val="accent6">
+              <a:shade val="50000"/>
+            </a:schemeClr>
+          </a:lnRef>
+          <a:fillRef idx="1">
+            <a:schemeClr val="accent6"/>
+          </a:fillRef>
+          <a:effectRef idx="0">
+            <a:schemeClr val="accent6"/>
+          </a:effectRef>
+          <a:fontRef idx="minor">
+            <a:schemeClr val="lt1"/>
+          </a:fontRef>
+        </p:style>
+        <p:txBody>
+          <a:bodyPr rtlCol="0" anchor="ctr"/>
+          <a:lstStyle/>
+          <a:p>
+            <a:pPr algn="ctr"/>
+            <a:r>
+              <a:rPr lang="en-US" b="1" dirty="0" smtClean="0">
+                <a:solidFill>
+                  <a:schemeClr val="tx1"/>
+                </a:solidFill>
+              </a:rPr>
+              <a:t>Unmodified Kernel</a:t>
+            </a:r>
+            <a:endParaRPr lang="en-US" b="1" dirty="0">
+              <a:solidFill>
+                <a:schemeClr val="tx1"/>
+              </a:solidFill>
+            </a:endParaRPr>
+          </a:p>
+        </p:txBody>
+      </p:sp>
+      <p:sp>
+        <p:nvSpPr>
+          <p:cNvPr id="27" name="Rectangle 26"/>
+          <p:cNvSpPr/>
+          <p:nvPr/>
+        </p:nvSpPr>
+        <p:spPr>
+          <a:xfrm>
+            <a:off x="5175216" y="1796444"/>
+            <a:ext cx="1358495" cy="605497"/>
+          </a:xfrm>
+          <a:prstGeom prst="rect">
+            <a:avLst/>
+          </a:prstGeom>
+          <a:pattFill prst="smCheck">
+            <a:fgClr>
+              <a:schemeClr val="accent4">
+                <a:lumMod val="40000"/>
+                <a:lumOff val="60000"/>
+              </a:schemeClr>
+            </a:fgClr>
+            <a:bgClr>
+              <a:schemeClr val="accent4">
+                <a:lumMod val="60000"/>
+                <a:lumOff val="40000"/>
+              </a:schemeClr>
+            </a:bgClr>
+          </a:pattFill>
+        </p:spPr>
+        <p:style>
+          <a:lnRef idx="2">
+            <a:schemeClr val="accent4">
+              <a:shade val="50000"/>
+            </a:schemeClr>
+          </a:lnRef>
+          <a:fillRef idx="1">
+            <a:schemeClr val="accent4"/>
+          </a:fillRef>
+          <a:effectRef idx="0">
+            <a:schemeClr val="accent4"/>
+          </a:effectRef>
+          <a:fontRef idx="minor">
+            <a:schemeClr val="lt1"/>
+          </a:fontRef>
+        </p:style>
+        <p:txBody>
+          <a:bodyPr rtlCol="0" anchor="ctr"/>
+          <a:lstStyle/>
+          <a:p>
+            <a:pPr algn="ctr"/>
+            <a:endParaRPr lang="en-US"/>
+          </a:p>
+        </p:txBody>
+      </p:sp>
+      <p:sp>
+        <p:nvSpPr>
+          <p:cNvPr id="28" name="TextBox 27"/>
+          <p:cNvSpPr txBox="1"/>
+          <p:nvPr/>
+        </p:nvSpPr>
+        <p:spPr>
+          <a:xfrm>
+            <a:off x="5175218" y="1766908"/>
+            <a:ext cx="1358493" cy="646331"/>
+          </a:xfrm>
+          <a:prstGeom prst="rect">
+            <a:avLst/>
+          </a:prstGeom>
+          <a:noFill/>
+        </p:spPr>
+        <p:txBody>
+          <a:bodyPr wrap="square" rtlCol="0">
+            <a:spAutoFit/>
+          </a:bodyPr>
+          <a:lstStyle/>
+          <a:p>
+            <a:pPr algn="ctr"/>
+            <a:r>
+              <a:rPr lang="en-US" b="1" dirty="0" smtClean="0"/>
+              <a:t>Virtual Hardware</a:t>
+            </a:r>
+            <a:endParaRPr lang="en-US" b="1" dirty="0"/>
+          </a:p>
+        </p:txBody>
+      </p:sp>
+      <p:sp>
+        <p:nvSpPr>
+          <p:cNvPr id="31" name="TextBox 30"/>
+          <p:cNvSpPr txBox="1"/>
+          <p:nvPr/>
+        </p:nvSpPr>
+        <p:spPr>
+          <a:xfrm>
+            <a:off x="5175219" y="915799"/>
+            <a:ext cx="1358492" cy="369332"/>
+          </a:xfrm>
+          <a:prstGeom prst="rect">
+            <a:avLst/>
+          </a:prstGeom>
+          <a:noFill/>
+        </p:spPr>
+        <p:txBody>
+          <a:bodyPr wrap="square" rtlCol="0">
+            <a:spAutoFit/>
+          </a:bodyPr>
+          <a:lstStyle/>
+          <a:p>
+            <a:pPr algn="ctr"/>
+            <a:r>
+              <a:rPr lang="en-US" b="1" dirty="0" smtClean="0"/>
+              <a:t>Application</a:t>
+            </a:r>
+            <a:endParaRPr lang="en-US" b="1" dirty="0"/>
+          </a:p>
+        </p:txBody>
+      </p:sp>
+      <p:sp>
+        <p:nvSpPr>
+          <p:cNvPr id="32" name="Rectangle 31"/>
+          <p:cNvSpPr/>
+          <p:nvPr/>
+        </p:nvSpPr>
+        <p:spPr>
+          <a:xfrm>
+            <a:off x="2111574" y="381731"/>
+            <a:ext cx="1358495" cy="2988622"/>
+          </a:xfrm>
+          <a:prstGeom prst="rect">
+            <a:avLst/>
+          </a:prstGeom>
+          <a:ln w="57150" cmpd="sng"/>
+        </p:spPr>
+        <p:style>
+          <a:lnRef idx="2">
+            <a:schemeClr val="accent2"/>
+          </a:lnRef>
+          <a:fillRef idx="1">
+            <a:schemeClr val="lt1"/>
+          </a:fillRef>
+          <a:effectRef idx="0">
+            <a:schemeClr val="accent2"/>
+          </a:effectRef>
+          <a:fontRef idx="minor">
+            <a:schemeClr val="dk1"/>
+          </a:fontRef>
+        </p:style>
+        <p:txBody>
+          <a:bodyPr rtlCol="0" anchor="ctr"/>
+          <a:lstStyle/>
+          <a:p>
+            <a:pPr algn="ctr"/>
+            <a:endParaRPr lang="en-US"/>
+          </a:p>
+        </p:txBody>
+      </p:sp>
+      <p:sp>
+        <p:nvSpPr>
+          <p:cNvPr id="33" name="Rectangle 32"/>
+          <p:cNvSpPr/>
+          <p:nvPr/>
+        </p:nvSpPr>
+        <p:spPr>
+          <a:xfrm>
+            <a:off x="2111574" y="2420164"/>
+            <a:ext cx="1358493" cy="920257"/>
+          </a:xfrm>
+          <a:prstGeom prst="rect">
+            <a:avLst/>
+          </a:prstGeom>
+          <a:pattFill prst="pct5">
+            <a:fgClr>
+              <a:schemeClr val="accent6">
+                <a:lumMod val="60000"/>
+                <a:lumOff val="40000"/>
+              </a:schemeClr>
+            </a:fgClr>
+            <a:bgClr>
+              <a:schemeClr val="accent6"/>
+            </a:bgClr>
+          </a:pattFill>
+        </p:spPr>
+        <p:style>
+          <a:lnRef idx="2">
+            <a:schemeClr val="accent6">
+              <a:shade val="50000"/>
+            </a:schemeClr>
+          </a:lnRef>
+          <a:fillRef idx="1">
+            <a:schemeClr val="accent6"/>
+          </a:fillRef>
+          <a:effectRef idx="0">
+            <a:schemeClr val="accent6"/>
+          </a:effectRef>
+          <a:fontRef idx="minor">
+            <a:schemeClr val="lt1"/>
+          </a:fontRef>
+        </p:style>
+        <p:txBody>
+          <a:bodyPr rtlCol="0" anchor="ctr"/>
+          <a:lstStyle/>
+          <a:p>
+            <a:pPr algn="ctr"/>
+            <a:r>
+              <a:rPr lang="en-US" b="1" dirty="0" smtClean="0">
+                <a:solidFill>
+                  <a:schemeClr val="tx1"/>
+                </a:solidFill>
+              </a:rPr>
+              <a:t>Xen-Enabled Kernel</a:t>
+            </a:r>
+            <a:endParaRPr lang="en-US" b="1" dirty="0">
+              <a:solidFill>
+                <a:schemeClr val="tx1"/>
+              </a:solidFill>
+            </a:endParaRPr>
+          </a:p>
+        </p:txBody>
+      </p:sp>
+      <p:sp>
+        <p:nvSpPr>
+          <p:cNvPr id="34" name="Rectangle 33"/>
+          <p:cNvSpPr/>
+          <p:nvPr/>
+        </p:nvSpPr>
+        <p:spPr>
+          <a:xfrm>
+            <a:off x="2111574" y="1778553"/>
+            <a:ext cx="1358495" cy="605497"/>
+          </a:xfrm>
+          <a:prstGeom prst="rect">
+            <a:avLst/>
+          </a:prstGeom>
+          <a:pattFill prst="smCheck">
+            <a:fgClr>
+              <a:schemeClr val="accent4">
+                <a:lumMod val="40000"/>
+                <a:lumOff val="60000"/>
+              </a:schemeClr>
+            </a:fgClr>
+            <a:bgClr>
+              <a:schemeClr val="accent4">
+                <a:lumMod val="60000"/>
+                <a:lumOff val="40000"/>
+              </a:schemeClr>
+            </a:bgClr>
+          </a:pattFill>
+        </p:spPr>
+        <p:style>
+          <a:lnRef idx="2">
+            <a:schemeClr val="accent4">
+              <a:shade val="50000"/>
+            </a:schemeClr>
+          </a:lnRef>
+          <a:fillRef idx="1">
+            <a:schemeClr val="accent4"/>
+          </a:fillRef>
+          <a:effectRef idx="0">
+            <a:schemeClr val="accent4"/>
+          </a:effectRef>
+          <a:fontRef idx="minor">
+            <a:schemeClr val="lt1"/>
+          </a:fontRef>
+        </p:style>
+        <p:txBody>
+          <a:bodyPr rtlCol="0" anchor="ctr"/>
+          <a:lstStyle/>
+          <a:p>
+            <a:pPr algn="ctr"/>
+            <a:endParaRPr lang="en-US"/>
+          </a:p>
+        </p:txBody>
+      </p:sp>
+      <p:sp>
+        <p:nvSpPr>
+          <p:cNvPr id="35" name="TextBox 34"/>
+          <p:cNvSpPr txBox="1"/>
+          <p:nvPr/>
+        </p:nvSpPr>
+        <p:spPr>
+          <a:xfrm>
+            <a:off x="2111576" y="1749017"/>
+            <a:ext cx="1358493" cy="646331"/>
+          </a:xfrm>
+          <a:prstGeom prst="rect">
+            <a:avLst/>
+          </a:prstGeom>
+          <a:pattFill prst="pct30">
+            <a:fgClr>
+              <a:srgbClr val="FF7878"/>
+            </a:fgClr>
+            <a:bgClr>
+              <a:srgbClr val="E16969"/>
+            </a:bgClr>
+          </a:pattFill>
+        </p:spPr>
+        <p:style>
+          <a:lnRef idx="1">
+            <a:schemeClr val="accent2"/>
+          </a:lnRef>
+          <a:fillRef idx="2">
+            <a:schemeClr val="accent2"/>
+          </a:fillRef>
+          <a:effectRef idx="1">
+            <a:schemeClr val="accent2"/>
+          </a:effectRef>
+          <a:fontRef idx="minor">
+            <a:schemeClr val="dk1"/>
+          </a:fontRef>
+        </p:style>
+        <p:txBody>
+          <a:bodyPr wrap="square" rtlCol="0">
+            <a:spAutoFit/>
+          </a:bodyPr>
+          <a:lstStyle/>
+          <a:p>
+            <a:pPr algn="ctr"/>
+            <a:r>
+              <a:rPr lang="en-US" b="1" dirty="0" smtClean="0"/>
+              <a:t>Native drivers</a:t>
+            </a:r>
+            <a:endParaRPr lang="en-US" b="1" dirty="0"/>
+          </a:p>
+        </p:txBody>
+      </p:sp>
+      <p:sp>
+        <p:nvSpPr>
+          <p:cNvPr id="36" name="Rectangle 35"/>
+          <p:cNvSpPr/>
+          <p:nvPr/>
+        </p:nvSpPr>
+        <p:spPr>
+          <a:xfrm>
+            <a:off x="2111576" y="1061487"/>
+            <a:ext cx="1358493" cy="687530"/>
+          </a:xfrm>
+          <a:prstGeom prst="rect">
+            <a:avLst/>
+          </a:prstGeom>
+        </p:spPr>
+        <p:style>
+          <a:lnRef idx="2">
+            <a:schemeClr val="accent3">
+              <a:shade val="50000"/>
+            </a:schemeClr>
+          </a:lnRef>
+          <a:fillRef idx="1">
+            <a:schemeClr val="accent3"/>
+          </a:fillRef>
+          <a:effectRef idx="0">
+            <a:schemeClr val="accent3"/>
+          </a:effectRef>
+          <a:fontRef idx="minor">
+            <a:schemeClr val="lt1"/>
+          </a:fontRef>
+        </p:style>
+        <p:txBody>
+          <a:bodyPr rtlCol="0" anchor="ctr"/>
+          <a:lstStyle/>
+          <a:p>
+            <a:pPr algn="ctr"/>
+            <a:r>
+              <a:rPr lang="en-US" sz="1600" b="1" dirty="0" smtClean="0">
+                <a:solidFill>
+                  <a:srgbClr val="000000"/>
+                </a:solidFill>
+              </a:rPr>
+              <a:t>Management Tools</a:t>
+            </a:r>
+            <a:endParaRPr lang="en-US" sz="1600" b="1" dirty="0">
+              <a:solidFill>
+                <a:srgbClr val="000000"/>
+              </a:solidFill>
+            </a:endParaRPr>
+          </a:p>
+        </p:txBody>
+      </p:sp>
+      <p:sp>
+        <p:nvSpPr>
+          <p:cNvPr id="38" name="TextBox 37"/>
+          <p:cNvSpPr txBox="1"/>
+          <p:nvPr/>
+        </p:nvSpPr>
+        <p:spPr>
+          <a:xfrm>
+            <a:off x="2161702" y="381731"/>
+            <a:ext cx="1291656" cy="646331"/>
+          </a:xfrm>
+          <a:prstGeom prst="rect">
+            <a:avLst/>
+          </a:prstGeom>
+          <a:noFill/>
+        </p:spPr>
+        <p:txBody>
+          <a:bodyPr wrap="square" rtlCol="0">
+            <a:spAutoFit/>
+          </a:bodyPr>
+          <a:lstStyle/>
+          <a:p>
+            <a:pPr algn="ctr"/>
+            <a:r>
+              <a:rPr lang="en-US" b="1" dirty="0" smtClean="0"/>
+              <a:t>Control Interface</a:t>
+            </a:r>
+            <a:endParaRPr lang="en-US" b="1" dirty="0"/>
+          </a:p>
+        </p:txBody>
+      </p:sp>
+      <p:cxnSp>
+        <p:nvCxnSpPr>
+          <p:cNvPr id="41" name="Straight Arrow Connector 40"/>
+          <p:cNvCxnSpPr/>
+          <p:nvPr/>
+        </p:nvCxnSpPr>
+        <p:spPr>
+          <a:xfrm>
+            <a:off x="2373430" y="2072183"/>
+            <a:ext cx="0" cy="2439965"/>
+          </a:xfrm>
+          <a:prstGeom prst="straightConnector1">
+            <a:avLst/>
+          </a:prstGeom>
+          <a:ln>
+            <a:solidFill>
+              <a:srgbClr val="0000FF"/>
+            </a:solidFill>
+            <a:headEnd type="arrow"/>
+            <a:tailEnd type="arrow"/>
+          </a:ln>
+        </p:spPr>
+        <p:style>
+          <a:lnRef idx="3">
+            <a:schemeClr val="dk1"/>
+          </a:lnRef>
+          <a:fillRef idx="0">
+            <a:schemeClr val="dk1"/>
+          </a:fillRef>
+          <a:effectRef idx="2">
+            <a:schemeClr val="dk1"/>
+          </a:effectRef>
+          <a:fontRef idx="minor">
+            <a:schemeClr val="tx1"/>
+          </a:fontRef>
+        </p:style>
+      </p:cxnSp>
+      <p:cxnSp>
+        <p:nvCxnSpPr>
+          <p:cNvPr id="56" name="Straight Arrow Connector 55"/>
+          <p:cNvCxnSpPr/>
+          <p:nvPr/>
+        </p:nvCxnSpPr>
+        <p:spPr>
+          <a:xfrm flipV="1">
+            <a:off x="3300358" y="2119459"/>
+            <a:ext cx="0" cy="1425716"/>
+          </a:xfrm>
+          <a:prstGeom prst="straightConnector1">
+            <a:avLst/>
+          </a:prstGeom>
+          <a:ln>
+            <a:solidFill>
+              <a:srgbClr val="FF0000"/>
+            </a:solidFill>
+            <a:tailEnd type="arrow"/>
+          </a:ln>
+        </p:spPr>
+        <p:style>
+          <a:lnRef idx="2">
+            <a:schemeClr val="accent1"/>
+          </a:lnRef>
+          <a:fillRef idx="0">
+            <a:schemeClr val="accent1"/>
+          </a:fillRef>
+          <a:effectRef idx="1">
+            <a:schemeClr val="accent1"/>
+          </a:effectRef>
+          <a:fontRef idx="minor">
+            <a:schemeClr val="tx1"/>
+          </a:fontRef>
+        </p:style>
+      </p:cxnSp>
+      <p:cxnSp>
+        <p:nvCxnSpPr>
+          <p:cNvPr id="58" name="Straight Connector 57"/>
+          <p:cNvCxnSpPr/>
+          <p:nvPr/>
+        </p:nvCxnSpPr>
+        <p:spPr>
+          <a:xfrm>
+            <a:off x="3300358" y="3545175"/>
+            <a:ext cx="682014" cy="0"/>
+          </a:xfrm>
+          <a:prstGeom prst="line">
+            <a:avLst/>
+          </a:prstGeom>
+          <a:ln>
+            <a:solidFill>
+              <a:srgbClr val="FF0000"/>
+            </a:solidFill>
+          </a:ln>
+        </p:spPr>
+        <p:style>
+          <a:lnRef idx="2">
+            <a:schemeClr val="accent1"/>
+          </a:lnRef>
+          <a:fillRef idx="0">
+            <a:schemeClr val="accent1"/>
+          </a:fillRef>
+          <a:effectRef idx="1">
+            <a:schemeClr val="accent1"/>
+          </a:effectRef>
+          <a:fontRef idx="minor">
+            <a:schemeClr val="tx1"/>
+          </a:fontRef>
+        </p:style>
+      </p:cxnSp>
+      <p:cxnSp>
+        <p:nvCxnSpPr>
+          <p:cNvPr id="59" name="Straight Arrow Connector 58"/>
+          <p:cNvCxnSpPr/>
+          <p:nvPr/>
+        </p:nvCxnSpPr>
+        <p:spPr>
+          <a:xfrm flipV="1">
+            <a:off x="3982372" y="2119460"/>
+            <a:ext cx="0" cy="1425715"/>
+          </a:xfrm>
+          <a:prstGeom prst="straightConnector1">
+            <a:avLst/>
+          </a:prstGeom>
+          <a:ln>
+            <a:solidFill>
+              <a:srgbClr val="FF0000"/>
+            </a:solidFill>
+            <a:tailEnd type="arrow"/>
+          </a:ln>
+        </p:spPr>
+        <p:style>
+          <a:lnRef idx="2">
+            <a:schemeClr val="accent1"/>
+          </a:lnRef>
+          <a:fillRef idx="0">
+            <a:schemeClr val="accent1"/>
+          </a:fillRef>
+          <a:effectRef idx="1">
+            <a:schemeClr val="accent1"/>
+          </a:effectRef>
+          <a:fontRef idx="minor">
+            <a:schemeClr val="tx1"/>
+          </a:fontRef>
+        </p:style>
+      </p:cxnSp>
+      <p:cxnSp>
+        <p:nvCxnSpPr>
+          <p:cNvPr id="65" name="Straight Arrow Connector 64"/>
+          <p:cNvCxnSpPr/>
+          <p:nvPr/>
+        </p:nvCxnSpPr>
+        <p:spPr>
+          <a:xfrm flipV="1">
+            <a:off x="3158786" y="2119459"/>
+            <a:ext cx="0" cy="1578116"/>
+          </a:xfrm>
+          <a:prstGeom prst="straightConnector1">
+            <a:avLst/>
+          </a:prstGeom>
+          <a:ln>
+            <a:solidFill>
+              <a:srgbClr val="FF0000"/>
+            </a:solidFill>
+            <a:tailEnd type="arrow"/>
+          </a:ln>
+        </p:spPr>
+        <p:style>
+          <a:lnRef idx="2">
+            <a:schemeClr val="accent1"/>
+          </a:lnRef>
+          <a:fillRef idx="0">
+            <a:schemeClr val="accent1"/>
+          </a:fillRef>
+          <a:effectRef idx="1">
+            <a:schemeClr val="accent1"/>
+          </a:effectRef>
+          <a:fontRef idx="minor">
+            <a:schemeClr val="tx1"/>
+          </a:fontRef>
+        </p:style>
+      </p:cxnSp>
+      <p:cxnSp>
+        <p:nvCxnSpPr>
+          <p:cNvPr id="66" name="Straight Connector 65"/>
+          <p:cNvCxnSpPr/>
+          <p:nvPr/>
+        </p:nvCxnSpPr>
+        <p:spPr>
+          <a:xfrm>
+            <a:off x="3158786" y="3697575"/>
+            <a:ext cx="2140116" cy="0"/>
+          </a:xfrm>
+          <a:prstGeom prst="line">
+            <a:avLst/>
+          </a:prstGeom>
+          <a:ln>
+            <a:solidFill>
+              <a:srgbClr val="FF0000"/>
+            </a:solidFill>
+          </a:ln>
+        </p:spPr>
+        <p:style>
+          <a:lnRef idx="2">
+            <a:schemeClr val="accent1"/>
+          </a:lnRef>
+          <a:fillRef idx="0">
+            <a:schemeClr val="accent1"/>
+          </a:fillRef>
+          <a:effectRef idx="1">
+            <a:schemeClr val="accent1"/>
+          </a:effectRef>
+          <a:fontRef idx="minor">
+            <a:schemeClr val="tx1"/>
+          </a:fontRef>
+        </p:style>
+      </p:cxnSp>
+      <p:cxnSp>
+        <p:nvCxnSpPr>
+          <p:cNvPr id="69" name="Straight Arrow Connector 68"/>
+          <p:cNvCxnSpPr/>
+          <p:nvPr/>
+        </p:nvCxnSpPr>
+        <p:spPr>
+          <a:xfrm flipV="1">
+            <a:off x="5298902" y="2119461"/>
+            <a:ext cx="0" cy="1578114"/>
+          </a:xfrm>
+          <a:prstGeom prst="straightConnector1">
+            <a:avLst/>
+          </a:prstGeom>
+          <a:ln>
+            <a:solidFill>
+              <a:srgbClr val="FF0000"/>
+            </a:solidFill>
+            <a:tailEnd type="arrow"/>
+          </a:ln>
+        </p:spPr>
+        <p:style>
+          <a:lnRef idx="2">
+            <a:schemeClr val="accent1"/>
+          </a:lnRef>
+          <a:fillRef idx="0">
+            <a:schemeClr val="accent1"/>
+          </a:fillRef>
+          <a:effectRef idx="1">
+            <a:schemeClr val="accent1"/>
+          </a:effectRef>
+          <a:fontRef idx="minor">
+            <a:schemeClr val="tx1"/>
+          </a:fontRef>
+        </p:style>
+      </p:cxnSp>
+      <p:sp>
+        <p:nvSpPr>
+          <p:cNvPr id="72" name="TextBox 71"/>
+          <p:cNvSpPr txBox="1"/>
+          <p:nvPr/>
+        </p:nvSpPr>
+        <p:spPr>
+          <a:xfrm>
+            <a:off x="2114666" y="4"/>
+            <a:ext cx="1138656" cy="369332"/>
+          </a:xfrm>
+          <a:prstGeom prst="rect">
+            <a:avLst/>
+          </a:prstGeom>
+          <a:noFill/>
+        </p:spPr>
+        <p:txBody>
+          <a:bodyPr wrap="square" rtlCol="0">
+            <a:spAutoFit/>
+          </a:bodyPr>
+          <a:lstStyle/>
+          <a:p>
+            <a:r>
+              <a:rPr lang="en-US" dirty="0" smtClean="0"/>
+              <a:t>Dom0</a:t>
+            </a:r>
+            <a:endParaRPr lang="en-US" dirty="0"/>
+          </a:p>
+        </p:txBody>
+      </p:sp>
+      <p:sp>
+        <p:nvSpPr>
+          <p:cNvPr id="73" name="TextBox 72"/>
+          <p:cNvSpPr txBox="1"/>
+          <p:nvPr/>
+        </p:nvSpPr>
+        <p:spPr>
+          <a:xfrm>
+            <a:off x="3782475" y="12399"/>
+            <a:ext cx="1138656" cy="369332"/>
+          </a:xfrm>
+          <a:prstGeom prst="rect">
+            <a:avLst/>
+          </a:prstGeom>
+          <a:noFill/>
+        </p:spPr>
+        <p:txBody>
+          <a:bodyPr wrap="square" rtlCol="0">
+            <a:spAutoFit/>
+          </a:bodyPr>
+          <a:lstStyle/>
+          <a:p>
+            <a:r>
+              <a:rPr lang="en-US" dirty="0" smtClean="0"/>
+              <a:t>PV guest</a:t>
+            </a:r>
+            <a:endParaRPr lang="en-US" dirty="0"/>
+          </a:p>
+        </p:txBody>
+      </p:sp>
+      <p:sp>
+        <p:nvSpPr>
+          <p:cNvPr id="74" name="TextBox 73"/>
+          <p:cNvSpPr txBox="1"/>
+          <p:nvPr/>
+        </p:nvSpPr>
+        <p:spPr>
+          <a:xfrm>
+            <a:off x="5176589" y="0"/>
+            <a:ext cx="1293340" cy="369332"/>
+          </a:xfrm>
+          <a:prstGeom prst="rect">
+            <a:avLst/>
+          </a:prstGeom>
+          <a:noFill/>
+        </p:spPr>
+        <p:txBody>
+          <a:bodyPr wrap="square" rtlCol="0">
+            <a:spAutoFit/>
+          </a:bodyPr>
+          <a:lstStyle/>
+          <a:p>
+            <a:r>
+              <a:rPr lang="en-US" dirty="0" smtClean="0"/>
+              <a:t>HVM guest</a:t>
+            </a:r>
+            <a:endParaRPr lang="en-US" dirty="0"/>
+          </a:p>
+        </p:txBody>
+      </p:sp>
+    </p:spTree>
+    <p:extLst>
+      <p:ext uri="{BB962C8B-B14F-4D97-AF65-F5344CB8AC3E}">
+        <p14:creationId xmlns:p14="http://schemas.microsoft.com/office/powerpoint/2010/main" val="4561383"/>
+      </p:ext>
+    </p:extLst>
+  </p:cSld>
+  <p:clrMapOvr>
+    <a:masterClrMapping/>
+  </p:clrMapOvr>
+  <p:timing>
+    <p:tnLst>
+      <p:par>
+        <p:cTn xmlns:p14="http://schemas.microsoft.com/office/powerpoint/2010/main" id="1" dur="indefinite" restart="never" nodeType="tmRoot"/>
+      </p:par>
+    </p:tnLst>
+  </p:timing>
+</p:sld>
+</file>
+
+<file path=ppt/slides/slide15.xml><?xml version="1.0" encoding="utf-8"?>
+<p:sld xmlns:a="http://schemas.openxmlformats.org/drawingml/2006/main" xmlns:r="http://schemas.openxmlformats.org/officeDocument/2006/relationships" xmlns:p="http://schemas.openxmlformats.org/presentationml/2006/main">
+  <p:cSld>
+    <p:spTree>
+      <p:nvGrpSpPr>
+        <p:cNvPr id="1" name=""/>
+        <p:cNvGrpSpPr/>
+        <p:nvPr/>
+      </p:nvGrpSpPr>
+      <p:grpSpPr>
+        <a:xfrm>
+          <a:off x="0" y="0"/>
+          <a:ext cx="0" cy="0"/>
+          <a:chOff x="0" y="0"/>
+          <a:chExt cx="0" cy="0"/>
+        </a:xfrm>
+      </p:grpSpPr>
+      <p:sp>
+        <p:nvSpPr>
+          <p:cNvPr id="2" name="Title 1"/>
+          <p:cNvSpPr>
+            <a:spLocks noGrp="1"/>
+          </p:cNvSpPr>
+          <p:nvPr>
+            <p:ph type="title"/>
+          </p:nvPr>
+        </p:nvSpPr>
+        <p:spPr/>
+        <p:txBody>
+          <a:bodyPr/>
+          <a:lstStyle/>
+          <a:p>
+            <a:endParaRPr lang="en-US"/>
+          </a:p>
+        </p:txBody>
+      </p:sp>
+      <p:pic>
+        <p:nvPicPr>
+          <p:cNvPr id="8" name="Picture 7" descr="Drawing1.png"/>
+          <p:cNvPicPr>
+            <a:picLocks noChangeAspect="1"/>
+          </p:cNvPicPr>
+          <p:nvPr/>
+        </p:nvPicPr>
+        <p:blipFill rotWithShape="1">
+          <a:blip r:embed="rId2">
+            <a:alphaModFix amt="37000"/>
+            <a:extLst>
+              <a:ext uri="{28A0092B-C50C-407E-A947-70E740481C1C}">
+                <a14:useLocalDpi xmlns:a14="http://schemas.microsoft.com/office/drawing/2010/main" val="0"/>
+              </a:ext>
+            </a:extLst>
+          </a:blip>
+          <a:srcRect l="58297" t="9713" b="67350"/>
+          <a:stretch/>
+        </p:blipFill>
+        <p:spPr>
+          <a:xfrm>
+            <a:off x="1267393" y="4147298"/>
+            <a:ext cx="2142675" cy="526705"/>
+          </a:xfrm>
+          <a:prstGeom prst="rect">
+            <a:avLst/>
+          </a:prstGeom>
+        </p:spPr>
+      </p:pic>
+      <p:sp>
+        <p:nvSpPr>
+          <p:cNvPr id="9" name="TextBox 8"/>
+          <p:cNvSpPr txBox="1"/>
+          <p:nvPr/>
+        </p:nvSpPr>
+        <p:spPr>
+          <a:xfrm>
+            <a:off x="1345272" y="4211093"/>
+            <a:ext cx="2030848" cy="369332"/>
+          </a:xfrm>
+          <a:prstGeom prst="rect">
+            <a:avLst/>
+          </a:prstGeom>
+        </p:spPr>
+        <p:txBody>
+          <a:bodyPr wrap="square" rtlCol="0">
+            <a:spAutoFit/>
+          </a:bodyPr>
+          <a:lstStyle/>
+          <a:p>
+            <a:pPr algn="ctr"/>
+            <a:r>
+              <a:rPr lang="en-US" b="1" dirty="0" smtClean="0"/>
+              <a:t>bunny2-priv</a:t>
+            </a:r>
+            <a:endParaRPr lang="en-US" b="1" dirty="0"/>
+          </a:p>
+        </p:txBody>
+      </p:sp>
+      <p:pic>
+        <p:nvPicPr>
+          <p:cNvPr id="11" name="Picture 10" descr="Drawing1.png"/>
+          <p:cNvPicPr>
+            <a:picLocks noChangeAspect="1"/>
+          </p:cNvPicPr>
+          <p:nvPr/>
+        </p:nvPicPr>
+        <p:blipFill rotWithShape="1">
+          <a:blip r:embed="rId2">
+            <a:alphaModFix amt="37000"/>
+            <a:extLst>
+              <a:ext uri="{28A0092B-C50C-407E-A947-70E740481C1C}">
+                <a14:useLocalDpi xmlns:a14="http://schemas.microsoft.com/office/drawing/2010/main" val="0"/>
+              </a:ext>
+            </a:extLst>
+          </a:blip>
+          <a:srcRect l="58297" t="9713" b="67350"/>
+          <a:stretch/>
+        </p:blipFill>
+        <p:spPr>
+          <a:xfrm>
+            <a:off x="3690586" y="4149269"/>
+            <a:ext cx="2142675" cy="526705"/>
+          </a:xfrm>
+          <a:prstGeom prst="rect">
+            <a:avLst/>
+          </a:prstGeom>
+        </p:spPr>
+      </p:pic>
+      <p:sp>
+        <p:nvSpPr>
+          <p:cNvPr id="12" name="TextBox 11"/>
+          <p:cNvSpPr txBox="1"/>
+          <p:nvPr/>
+        </p:nvSpPr>
+        <p:spPr>
+          <a:xfrm>
+            <a:off x="3768465" y="4213064"/>
+            <a:ext cx="2030848" cy="369332"/>
+          </a:xfrm>
+          <a:prstGeom prst="rect">
+            <a:avLst/>
+          </a:prstGeom>
+          <a:noFill/>
+        </p:spPr>
+        <p:txBody>
+          <a:bodyPr wrap="square" rtlCol="0">
+            <a:spAutoFit/>
+          </a:bodyPr>
+          <a:lstStyle/>
+          <a:p>
+            <a:pPr algn="ctr"/>
+            <a:r>
+              <a:rPr lang="en-US" b="1" dirty="0" smtClean="0"/>
+              <a:t>bunny3-priv</a:t>
+            </a:r>
+            <a:endParaRPr lang="en-US" b="1" dirty="0"/>
+          </a:p>
+        </p:txBody>
+      </p:sp>
+      <p:pic>
+        <p:nvPicPr>
+          <p:cNvPr id="14" name="Picture 13" descr="Drawing1.png"/>
+          <p:cNvPicPr>
+            <a:picLocks noChangeAspect="1"/>
+          </p:cNvPicPr>
+          <p:nvPr/>
+        </p:nvPicPr>
+        <p:blipFill rotWithShape="1">
+          <a:blip r:embed="rId2">
+            <a:alphaModFix amt="37000"/>
+            <a:extLst>
+              <a:ext uri="{28A0092B-C50C-407E-A947-70E740481C1C}">
+                <a14:useLocalDpi xmlns:a14="http://schemas.microsoft.com/office/drawing/2010/main" val="0"/>
+              </a:ext>
+            </a:extLst>
+          </a:blip>
+          <a:srcRect l="58297" t="9713" b="67350"/>
+          <a:stretch/>
+        </p:blipFill>
+        <p:spPr>
+          <a:xfrm>
+            <a:off x="6018378" y="4147298"/>
+            <a:ext cx="2142675" cy="526705"/>
+          </a:xfrm>
+          <a:prstGeom prst="rect">
+            <a:avLst/>
+          </a:prstGeom>
+        </p:spPr>
+      </p:pic>
+      <p:sp>
+        <p:nvSpPr>
+          <p:cNvPr id="15" name="TextBox 14"/>
+          <p:cNvSpPr txBox="1"/>
+          <p:nvPr/>
+        </p:nvSpPr>
+        <p:spPr>
+          <a:xfrm>
+            <a:off x="6096257" y="4211093"/>
+            <a:ext cx="2030848" cy="369332"/>
+          </a:xfrm>
+          <a:prstGeom prst="rect">
+            <a:avLst/>
+          </a:prstGeom>
+          <a:noFill/>
+        </p:spPr>
+        <p:txBody>
+          <a:bodyPr wrap="square" rtlCol="0">
+            <a:spAutoFit/>
+          </a:bodyPr>
+          <a:lstStyle/>
+          <a:p>
+            <a:pPr algn="ctr"/>
+            <a:r>
+              <a:rPr lang="en-US" b="1" dirty="0" smtClean="0"/>
+              <a:t>bunnytemp-priv</a:t>
+            </a:r>
+            <a:endParaRPr lang="en-US" b="1" dirty="0"/>
+          </a:p>
+        </p:txBody>
+      </p:sp>
+      <p:pic>
+        <p:nvPicPr>
+          <p:cNvPr id="20" name="Picture 19" descr="Drawing1.png"/>
+          <p:cNvPicPr>
+            <a:picLocks noChangeAspect="1"/>
+          </p:cNvPicPr>
+          <p:nvPr/>
+        </p:nvPicPr>
+        <p:blipFill rotWithShape="1">
+          <a:blip r:embed="rId2">
+            <a:alphaModFix amt="37000"/>
+            <a:extLst>
+              <a:ext uri="{28A0092B-C50C-407E-A947-70E740481C1C}">
+                <a14:useLocalDpi xmlns:a14="http://schemas.microsoft.com/office/drawing/2010/main" val="0"/>
+              </a:ext>
+            </a:extLst>
+          </a:blip>
+          <a:srcRect l="58297" t="9713" b="67350"/>
+          <a:stretch/>
+        </p:blipFill>
+        <p:spPr>
+          <a:xfrm>
+            <a:off x="3690586" y="2220916"/>
+            <a:ext cx="2142675" cy="526705"/>
+          </a:xfrm>
+          <a:prstGeom prst="rect">
+            <a:avLst/>
+          </a:prstGeom>
+        </p:spPr>
+      </p:pic>
+      <p:sp>
+        <p:nvSpPr>
+          <p:cNvPr id="21" name="TextBox 20"/>
+          <p:cNvSpPr txBox="1"/>
+          <p:nvPr/>
+        </p:nvSpPr>
+        <p:spPr>
+          <a:xfrm>
+            <a:off x="3768465" y="2284710"/>
+            <a:ext cx="2030848" cy="369332"/>
+          </a:xfrm>
+          <a:prstGeom prst="rect">
+            <a:avLst/>
+          </a:prstGeom>
+          <a:noFill/>
+        </p:spPr>
+        <p:txBody>
+          <a:bodyPr wrap="square" rtlCol="0">
+            <a:spAutoFit/>
+          </a:bodyPr>
+          <a:lstStyle/>
+          <a:p>
+            <a:pPr algn="ctr"/>
+            <a:r>
+              <a:rPr lang="en-US" b="1" dirty="0" smtClean="0"/>
+              <a:t>lbha1</a:t>
+            </a:r>
+            <a:endParaRPr lang="en-US" b="1" dirty="0"/>
+          </a:p>
+        </p:txBody>
+      </p:sp>
+      <p:sp>
+        <p:nvSpPr>
+          <p:cNvPr id="22" name="TextBox 21"/>
+          <p:cNvSpPr txBox="1"/>
+          <p:nvPr/>
+        </p:nvSpPr>
+        <p:spPr>
+          <a:xfrm>
+            <a:off x="3643550" y="2010662"/>
+            <a:ext cx="1165832" cy="261610"/>
+          </a:xfrm>
+          <a:prstGeom prst="rect">
+            <a:avLst/>
+          </a:prstGeom>
+          <a:noFill/>
+        </p:spPr>
+        <p:txBody>
+          <a:bodyPr wrap="square" rtlCol="0">
+            <a:spAutoFit/>
+          </a:bodyPr>
+          <a:lstStyle/>
+          <a:p>
+            <a:r>
+              <a:rPr lang="en-US" sz="1100" dirty="0" smtClean="0"/>
+              <a:t>130.127.206.208</a:t>
+            </a:r>
+            <a:endParaRPr lang="en-US" sz="1100" dirty="0"/>
+          </a:p>
+        </p:txBody>
+      </p:sp>
+      <p:sp>
+        <p:nvSpPr>
+          <p:cNvPr id="23" name="Down Arrow 22"/>
+          <p:cNvSpPr/>
+          <p:nvPr/>
+        </p:nvSpPr>
+        <p:spPr>
+          <a:xfrm>
+            <a:off x="4668276" y="1587365"/>
+            <a:ext cx="329249" cy="574761"/>
+          </a:xfrm>
+          <a:prstGeom prst="downArrow">
+            <a:avLst/>
+          </a:prstGeom>
+        </p:spPr>
+        <p:style>
+          <a:lnRef idx="2">
+            <a:schemeClr val="dk1">
+              <a:shade val="50000"/>
+            </a:schemeClr>
+          </a:lnRef>
+          <a:fillRef idx="1">
+            <a:schemeClr val="dk1"/>
+          </a:fillRef>
+          <a:effectRef idx="0">
+            <a:schemeClr val="dk1"/>
+          </a:effectRef>
+          <a:fontRef idx="minor">
+            <a:schemeClr val="lt1"/>
+          </a:fontRef>
+        </p:style>
+        <p:txBody>
+          <a:bodyPr rtlCol="0" anchor="ctr"/>
+          <a:lstStyle/>
+          <a:p>
+            <a:pPr algn="ctr"/>
+            <a:endParaRPr lang="en-US"/>
+          </a:p>
+        </p:txBody>
+      </p:sp>
+      <p:cxnSp>
+        <p:nvCxnSpPr>
+          <p:cNvPr id="25" name="Straight Arrow Connector 24"/>
+          <p:cNvCxnSpPr>
+            <a:stCxn id="20" idx="2"/>
+            <a:endCxn id="8" idx="0"/>
+          </p:cNvCxnSpPr>
+          <p:nvPr/>
+        </p:nvCxnSpPr>
+        <p:spPr>
+          <a:xfrm flipH="1">
+            <a:off x="2338731" y="2747621"/>
+            <a:ext cx="2423193" cy="1399677"/>
+          </a:xfrm>
+          <a:prstGeom prst="straightConnector1">
+            <a:avLst/>
+          </a:prstGeom>
+          <a:ln>
+            <a:headEnd type="arrow"/>
+            <a:tailEnd type="arrow"/>
+          </a:ln>
+        </p:spPr>
+        <p:style>
+          <a:lnRef idx="2">
+            <a:schemeClr val="dk1"/>
+          </a:lnRef>
+          <a:fillRef idx="0">
+            <a:schemeClr val="dk1"/>
+          </a:fillRef>
+          <a:effectRef idx="1">
+            <a:schemeClr val="dk1"/>
+          </a:effectRef>
+          <a:fontRef idx="minor">
+            <a:schemeClr val="tx1"/>
+          </a:fontRef>
+        </p:style>
+      </p:cxnSp>
+      <p:cxnSp>
+        <p:nvCxnSpPr>
+          <p:cNvPr id="27" name="Straight Arrow Connector 26"/>
+          <p:cNvCxnSpPr>
+            <a:stCxn id="20" idx="2"/>
+            <a:endCxn id="11" idx="0"/>
+          </p:cNvCxnSpPr>
+          <p:nvPr/>
+        </p:nvCxnSpPr>
+        <p:spPr>
+          <a:xfrm>
+            <a:off x="4761924" y="2747621"/>
+            <a:ext cx="0" cy="1401648"/>
+          </a:xfrm>
+          <a:prstGeom prst="straightConnector1">
+            <a:avLst/>
+          </a:prstGeom>
+          <a:ln>
+            <a:headEnd type="arrow"/>
+            <a:tailEnd type="arrow"/>
+          </a:ln>
+        </p:spPr>
+        <p:style>
+          <a:lnRef idx="2">
+            <a:schemeClr val="dk1"/>
+          </a:lnRef>
+          <a:fillRef idx="0">
+            <a:schemeClr val="dk1"/>
+          </a:fillRef>
+          <a:effectRef idx="1">
+            <a:schemeClr val="dk1"/>
+          </a:effectRef>
+          <a:fontRef idx="minor">
+            <a:schemeClr val="tx1"/>
+          </a:fontRef>
+        </p:style>
+      </p:cxnSp>
+      <p:cxnSp>
+        <p:nvCxnSpPr>
+          <p:cNvPr id="29" name="Straight Arrow Connector 28"/>
+          <p:cNvCxnSpPr>
+            <a:stCxn id="20" idx="2"/>
+            <a:endCxn id="14" idx="0"/>
+          </p:cNvCxnSpPr>
+          <p:nvPr/>
+        </p:nvCxnSpPr>
+        <p:spPr>
+          <a:xfrm>
+            <a:off x="4761924" y="2747621"/>
+            <a:ext cx="2327792" cy="1399677"/>
+          </a:xfrm>
+          <a:prstGeom prst="straightConnector1">
+            <a:avLst/>
+          </a:prstGeom>
+          <a:ln>
+            <a:headEnd type="arrow"/>
+            <a:tailEnd type="arrow"/>
+          </a:ln>
+        </p:spPr>
+        <p:style>
+          <a:lnRef idx="2">
+            <a:schemeClr val="dk1"/>
+          </a:lnRef>
+          <a:fillRef idx="0">
+            <a:schemeClr val="dk1"/>
+          </a:fillRef>
+          <a:effectRef idx="1">
+            <a:schemeClr val="dk1"/>
+          </a:effectRef>
+          <a:fontRef idx="minor">
+            <a:schemeClr val="tx1"/>
+          </a:fontRef>
+        </p:style>
+      </p:cxnSp>
+      <p:sp>
+        <p:nvSpPr>
+          <p:cNvPr id="30" name="TextBox 29"/>
+          <p:cNvSpPr txBox="1"/>
+          <p:nvPr/>
+        </p:nvSpPr>
+        <p:spPr>
+          <a:xfrm>
+            <a:off x="4997525" y="2677073"/>
+            <a:ext cx="1165832" cy="261610"/>
+          </a:xfrm>
+          <a:prstGeom prst="rect">
+            <a:avLst/>
+          </a:prstGeom>
+          <a:noFill/>
+        </p:spPr>
+        <p:txBody>
+          <a:bodyPr wrap="square" rtlCol="0">
+            <a:spAutoFit/>
+          </a:bodyPr>
+          <a:lstStyle/>
+          <a:p>
+            <a:r>
+              <a:rPr lang="en-US" sz="1100" dirty="0" smtClean="0"/>
+              <a:t>192.168.1.131</a:t>
+            </a:r>
+            <a:endParaRPr lang="en-US" sz="1100" dirty="0"/>
+          </a:p>
+        </p:txBody>
+      </p:sp>
+      <p:sp>
+        <p:nvSpPr>
+          <p:cNvPr id="31" name="TextBox 30"/>
+          <p:cNvSpPr txBox="1"/>
+          <p:nvPr/>
+        </p:nvSpPr>
+        <p:spPr>
+          <a:xfrm>
+            <a:off x="7089716" y="3944478"/>
+            <a:ext cx="1165832" cy="261610"/>
+          </a:xfrm>
+          <a:prstGeom prst="rect">
+            <a:avLst/>
+          </a:prstGeom>
+          <a:noFill/>
+        </p:spPr>
+        <p:txBody>
+          <a:bodyPr wrap="square" rtlCol="0">
+            <a:spAutoFit/>
+          </a:bodyPr>
+          <a:lstStyle/>
+          <a:p>
+            <a:r>
+              <a:rPr lang="en-US" sz="1100" dirty="0" smtClean="0"/>
+              <a:t>192.168.1.220</a:t>
+            </a:r>
+            <a:endParaRPr lang="en-US" sz="1100" dirty="0"/>
+          </a:p>
+        </p:txBody>
+      </p:sp>
+      <p:sp>
+        <p:nvSpPr>
+          <p:cNvPr id="32" name="TextBox 31"/>
+          <p:cNvSpPr txBox="1"/>
+          <p:nvPr/>
+        </p:nvSpPr>
+        <p:spPr>
+          <a:xfrm>
+            <a:off x="3692289" y="3918710"/>
+            <a:ext cx="1165832" cy="261610"/>
+          </a:xfrm>
+          <a:prstGeom prst="rect">
+            <a:avLst/>
+          </a:prstGeom>
+          <a:noFill/>
+        </p:spPr>
+        <p:txBody>
+          <a:bodyPr wrap="square" rtlCol="0">
+            <a:spAutoFit/>
+          </a:bodyPr>
+          <a:lstStyle/>
+          <a:p>
+            <a:r>
+              <a:rPr lang="en-US" sz="1100" dirty="0" smtClean="0"/>
+              <a:t>192.168.1.113</a:t>
+            </a:r>
+            <a:endParaRPr lang="en-US" sz="1100" dirty="0"/>
+          </a:p>
+        </p:txBody>
+      </p:sp>
+      <p:sp>
+        <p:nvSpPr>
+          <p:cNvPr id="33" name="TextBox 32"/>
+          <p:cNvSpPr txBox="1"/>
+          <p:nvPr/>
+        </p:nvSpPr>
+        <p:spPr>
+          <a:xfrm>
+            <a:off x="1267393" y="3918710"/>
+            <a:ext cx="1165832" cy="261610"/>
+          </a:xfrm>
+          <a:prstGeom prst="rect">
+            <a:avLst/>
+          </a:prstGeom>
+          <a:noFill/>
+        </p:spPr>
+        <p:txBody>
+          <a:bodyPr wrap="square" rtlCol="0">
+            <a:spAutoFit/>
+          </a:bodyPr>
+          <a:lstStyle/>
+          <a:p>
+            <a:r>
+              <a:rPr lang="en-US" sz="1100" dirty="0" smtClean="0"/>
+              <a:t>192.168.1.112</a:t>
+            </a:r>
+            <a:endParaRPr lang="en-US" sz="1100" dirty="0"/>
+          </a:p>
+        </p:txBody>
+      </p:sp>
+    </p:spTree>
+    <p:extLst>
+      <p:ext uri="{BB962C8B-B14F-4D97-AF65-F5344CB8AC3E}">
+        <p14:creationId xmlns:p14="http://schemas.microsoft.com/office/powerpoint/2010/main" val="30697134"/>
+      </p:ext>
+    </p:extLst>
+  </p:cSld>
+  <p:clrMapOvr>
+    <a:masterClrMapping/>
+  </p:clrMapOvr>
+  <p:timing>
+    <p:tnLst>
+      <p:par>
+        <p:cTn xmlns:p14="http://schemas.microsoft.com/office/powerpoint/2010/main" id="1" dur="indefinite" restart="never" nodeType="tmRoot"/>
+      </p:par>
+    </p:tnLst>
+  </p:timing>
+</p:sld>
+</file>
+
+<file path=ppt/slides/slide16.xml><?xml version="1.0" encoding="utf-8"?>
+<p:sld xmlns:a="http://schemas.openxmlformats.org/drawingml/2006/main" xmlns:r="http://schemas.openxmlformats.org/officeDocument/2006/relationships" xmlns:p="http://schemas.openxmlformats.org/presentationml/2006/main">
+  <p:cSld>
+    <p:spTree>
+      <p:nvGrpSpPr>
+        <p:cNvPr id="1" name=""/>
+        <p:cNvGrpSpPr/>
+        <p:nvPr/>
+      </p:nvGrpSpPr>
+      <p:grpSpPr>
+        <a:xfrm>
+          <a:off x="0" y="0"/>
+          <a:ext cx="0" cy="0"/>
+          <a:chOff x="0" y="0"/>
+          <a:chExt cx="0" cy="0"/>
+        </a:xfrm>
+      </p:grpSpPr>
+      <p:pic>
+        <p:nvPicPr>
+          <p:cNvPr id="8" name="Picture 7" descr="Drawing1.png"/>
+          <p:cNvPicPr>
+            <a:picLocks noChangeAspect="1"/>
+          </p:cNvPicPr>
+          <p:nvPr/>
+        </p:nvPicPr>
+        <p:blipFill rotWithShape="1">
+          <a:blip r:embed="rId2">
+            <a:alphaModFix amt="37000"/>
+            <a:extLst>
+              <a:ext uri="{28A0092B-C50C-407E-A947-70E740481C1C}">
+                <a14:useLocalDpi xmlns:a14="http://schemas.microsoft.com/office/drawing/2010/main" val="0"/>
+              </a:ext>
+            </a:extLst>
+          </a:blip>
+          <a:srcRect l="58297" t="9713" b="67350"/>
+          <a:stretch/>
+        </p:blipFill>
+        <p:spPr>
+          <a:xfrm>
+            <a:off x="1326188" y="4147298"/>
+            <a:ext cx="2142675" cy="526705"/>
+          </a:xfrm>
+          <a:prstGeom prst="rect">
+            <a:avLst/>
+          </a:prstGeom>
+        </p:spPr>
+      </p:pic>
+      <p:sp>
+        <p:nvSpPr>
+          <p:cNvPr id="9" name="TextBox 8"/>
+          <p:cNvSpPr txBox="1"/>
+          <p:nvPr/>
+        </p:nvSpPr>
+        <p:spPr>
+          <a:xfrm>
+            <a:off x="1404067" y="4211093"/>
+            <a:ext cx="2030848" cy="369332"/>
+          </a:xfrm>
+          <a:prstGeom prst="rect">
+            <a:avLst/>
+          </a:prstGeom>
+        </p:spPr>
+        <p:txBody>
+          <a:bodyPr wrap="square" rtlCol="0">
+            <a:spAutoFit/>
+          </a:bodyPr>
+          <a:lstStyle/>
+          <a:p>
+            <a:pPr algn="ctr"/>
+            <a:r>
+              <a:rPr lang="en-US" b="1" dirty="0" smtClean="0"/>
+              <a:t>mond1</a:t>
+            </a:r>
+            <a:endParaRPr lang="en-US" b="1" dirty="0"/>
+          </a:p>
+        </p:txBody>
+      </p:sp>
+      <p:pic>
+        <p:nvPicPr>
+          <p:cNvPr id="11" name="Picture 10" descr="Drawing1.png"/>
+          <p:cNvPicPr>
+            <a:picLocks noChangeAspect="1"/>
+          </p:cNvPicPr>
+          <p:nvPr/>
+        </p:nvPicPr>
+        <p:blipFill rotWithShape="1">
+          <a:blip r:embed="rId2">
+            <a:alphaModFix amt="37000"/>
+            <a:extLst>
+              <a:ext uri="{28A0092B-C50C-407E-A947-70E740481C1C}">
+                <a14:useLocalDpi xmlns:a14="http://schemas.microsoft.com/office/drawing/2010/main" val="0"/>
+              </a:ext>
+            </a:extLst>
+          </a:blip>
+          <a:srcRect l="58297" t="9713" b="67350"/>
+          <a:stretch/>
+        </p:blipFill>
+        <p:spPr>
+          <a:xfrm>
+            <a:off x="58795" y="5634772"/>
+            <a:ext cx="1619337" cy="526705"/>
+          </a:xfrm>
+          <a:prstGeom prst="rect">
+            <a:avLst/>
+          </a:prstGeom>
+        </p:spPr>
+      </p:pic>
+      <p:sp>
+        <p:nvSpPr>
+          <p:cNvPr id="12" name="TextBox 11"/>
+          <p:cNvSpPr txBox="1"/>
+          <p:nvPr/>
+        </p:nvSpPr>
+        <p:spPr>
+          <a:xfrm>
+            <a:off x="136674" y="5698567"/>
+            <a:ext cx="1534823" cy="369332"/>
+          </a:xfrm>
+          <a:prstGeom prst="rect">
+            <a:avLst/>
+          </a:prstGeom>
+          <a:noFill/>
+        </p:spPr>
+        <p:txBody>
+          <a:bodyPr wrap="square" rtlCol="0">
+            <a:spAutoFit/>
+          </a:bodyPr>
+          <a:lstStyle/>
+          <a:p>
+            <a:pPr algn="ctr"/>
+            <a:r>
+              <a:rPr lang="en-US" b="1" dirty="0" smtClean="0"/>
+              <a:t>monr2</a:t>
+            </a:r>
+            <a:endParaRPr lang="en-US" b="1" dirty="0"/>
+          </a:p>
+        </p:txBody>
+      </p:sp>
+      <p:pic>
+        <p:nvPicPr>
+          <p:cNvPr id="14" name="Picture 13" descr="Drawing1.png"/>
+          <p:cNvPicPr>
+            <a:picLocks noChangeAspect="1"/>
+          </p:cNvPicPr>
+          <p:nvPr/>
+        </p:nvPicPr>
+        <p:blipFill rotWithShape="1">
+          <a:blip r:embed="rId2">
+            <a:alphaModFix amt="37000"/>
+            <a:extLst>
+              <a:ext uri="{28A0092B-C50C-407E-A947-70E740481C1C}">
+                <a14:useLocalDpi xmlns:a14="http://schemas.microsoft.com/office/drawing/2010/main" val="0"/>
+              </a:ext>
+            </a:extLst>
+          </a:blip>
+          <a:srcRect l="58297" t="9713" b="67350"/>
+          <a:stretch/>
+        </p:blipFill>
+        <p:spPr>
+          <a:xfrm>
+            <a:off x="2249381" y="5634772"/>
+            <a:ext cx="2142675" cy="526705"/>
+          </a:xfrm>
+          <a:prstGeom prst="rect">
+            <a:avLst/>
+          </a:prstGeom>
+        </p:spPr>
+      </p:pic>
+      <p:sp>
+        <p:nvSpPr>
+          <p:cNvPr id="15" name="TextBox 14"/>
+          <p:cNvSpPr txBox="1"/>
+          <p:nvPr/>
+        </p:nvSpPr>
+        <p:spPr>
+          <a:xfrm>
+            <a:off x="2327260" y="5698567"/>
+            <a:ext cx="2030848" cy="369332"/>
+          </a:xfrm>
+          <a:prstGeom prst="rect">
+            <a:avLst/>
+          </a:prstGeom>
+          <a:noFill/>
+        </p:spPr>
+        <p:txBody>
+          <a:bodyPr wrap="square" rtlCol="0">
+            <a:spAutoFit/>
+          </a:bodyPr>
+          <a:lstStyle/>
+          <a:p>
+            <a:pPr algn="ctr"/>
+            <a:r>
+              <a:rPr lang="en-US" b="1" dirty="0" err="1" smtClean="0"/>
+              <a:t>files.ir.clemson</a:t>
+            </a:r>
+            <a:endParaRPr lang="en-US" b="1" dirty="0"/>
+          </a:p>
+        </p:txBody>
+      </p:sp>
+      <p:pic>
+        <p:nvPicPr>
+          <p:cNvPr id="20" name="Picture 19" descr="Drawing1.png"/>
+          <p:cNvPicPr>
+            <a:picLocks noChangeAspect="1"/>
+          </p:cNvPicPr>
+          <p:nvPr/>
+        </p:nvPicPr>
+        <p:blipFill rotWithShape="1">
+          <a:blip r:embed="rId2">
+            <a:alphaModFix amt="37000"/>
+            <a:extLst>
+              <a:ext uri="{28A0092B-C50C-407E-A947-70E740481C1C}">
+                <a14:useLocalDpi xmlns:a14="http://schemas.microsoft.com/office/drawing/2010/main" val="0"/>
+              </a:ext>
+            </a:extLst>
+          </a:blip>
+          <a:srcRect l="58297" t="9713" b="67350"/>
+          <a:stretch/>
+        </p:blipFill>
+        <p:spPr>
+          <a:xfrm>
+            <a:off x="1718533" y="2098332"/>
+            <a:ext cx="2142675" cy="526705"/>
+          </a:xfrm>
+          <a:prstGeom prst="rect">
+            <a:avLst/>
+          </a:prstGeom>
+        </p:spPr>
+      </p:pic>
+      <p:sp>
+        <p:nvSpPr>
+          <p:cNvPr id="21" name="TextBox 20"/>
+          <p:cNvSpPr txBox="1"/>
+          <p:nvPr/>
+        </p:nvSpPr>
+        <p:spPr>
+          <a:xfrm>
+            <a:off x="1796412" y="2162126"/>
+            <a:ext cx="2030848" cy="369332"/>
+          </a:xfrm>
+          <a:prstGeom prst="rect">
+            <a:avLst/>
+          </a:prstGeom>
+          <a:noFill/>
+        </p:spPr>
+        <p:txBody>
+          <a:bodyPr wrap="square" rtlCol="0">
+            <a:spAutoFit/>
+          </a:bodyPr>
+          <a:lstStyle/>
+          <a:p>
+            <a:pPr algn="ctr"/>
+            <a:r>
+              <a:rPr lang="en-US" b="1" dirty="0" smtClean="0"/>
+              <a:t>mons1</a:t>
+            </a:r>
+            <a:endParaRPr lang="en-US" b="1" dirty="0"/>
+          </a:p>
+        </p:txBody>
+      </p:sp>
+      <p:sp>
+        <p:nvSpPr>
+          <p:cNvPr id="22" name="TextBox 21"/>
+          <p:cNvSpPr txBox="1"/>
+          <p:nvPr/>
+        </p:nvSpPr>
+        <p:spPr>
+          <a:xfrm>
+            <a:off x="1671497" y="1888078"/>
+            <a:ext cx="1165832" cy="261610"/>
+          </a:xfrm>
+          <a:prstGeom prst="rect">
+            <a:avLst/>
+          </a:prstGeom>
+          <a:noFill/>
+        </p:spPr>
+        <p:txBody>
+          <a:bodyPr wrap="square" rtlCol="0">
+            <a:spAutoFit/>
+          </a:bodyPr>
+          <a:lstStyle/>
+          <a:p>
+            <a:r>
+              <a:rPr lang="en-US" sz="1100" dirty="0" smtClean="0"/>
+              <a:t>130.127.206.201</a:t>
+            </a:r>
+            <a:endParaRPr lang="en-US" sz="1100" dirty="0"/>
+          </a:p>
+        </p:txBody>
+      </p:sp>
+      <p:sp>
+        <p:nvSpPr>
+          <p:cNvPr id="23" name="Down Arrow 22"/>
+          <p:cNvSpPr/>
+          <p:nvPr/>
+        </p:nvSpPr>
+        <p:spPr>
+          <a:xfrm>
+            <a:off x="2696223" y="1464781"/>
+            <a:ext cx="329249" cy="574761"/>
+          </a:xfrm>
+          <a:prstGeom prst="downArrow">
+            <a:avLst/>
+          </a:prstGeom>
+        </p:spPr>
+        <p:style>
+          <a:lnRef idx="2">
+            <a:schemeClr val="dk1">
+              <a:shade val="50000"/>
+            </a:schemeClr>
+          </a:lnRef>
+          <a:fillRef idx="1">
+            <a:schemeClr val="dk1"/>
+          </a:fillRef>
+          <a:effectRef idx="0">
+            <a:schemeClr val="dk1"/>
+          </a:effectRef>
+          <a:fontRef idx="minor">
+            <a:schemeClr val="lt1"/>
+          </a:fontRef>
+        </p:style>
+        <p:txBody>
+          <a:bodyPr rtlCol="0" anchor="ctr"/>
+          <a:lstStyle/>
+          <a:p>
+            <a:pPr algn="ctr"/>
+            <a:endParaRPr lang="en-US"/>
+          </a:p>
+        </p:txBody>
+      </p:sp>
+      <p:cxnSp>
+        <p:nvCxnSpPr>
+          <p:cNvPr id="25" name="Straight Arrow Connector 24"/>
+          <p:cNvCxnSpPr>
+            <a:stCxn id="20" idx="2"/>
+            <a:endCxn id="8" idx="0"/>
+          </p:cNvCxnSpPr>
+          <p:nvPr/>
+        </p:nvCxnSpPr>
+        <p:spPr>
+          <a:xfrm flipH="1">
+            <a:off x="2397526" y="2625037"/>
+            <a:ext cx="392345" cy="1522261"/>
+          </a:xfrm>
+          <a:prstGeom prst="straightConnector1">
+            <a:avLst/>
+          </a:prstGeom>
+          <a:ln>
+            <a:headEnd type="arrow"/>
+            <a:tailEnd type="arrow"/>
+          </a:ln>
+        </p:spPr>
+        <p:style>
+          <a:lnRef idx="2">
+            <a:schemeClr val="dk1"/>
+          </a:lnRef>
+          <a:fillRef idx="0">
+            <a:schemeClr val="dk1"/>
+          </a:fillRef>
+          <a:effectRef idx="1">
+            <a:schemeClr val="dk1"/>
+          </a:effectRef>
+          <a:fontRef idx="minor">
+            <a:schemeClr val="tx1"/>
+          </a:fontRef>
+        </p:style>
+      </p:cxnSp>
+      <p:cxnSp>
+        <p:nvCxnSpPr>
+          <p:cNvPr id="27" name="Straight Arrow Connector 26"/>
+          <p:cNvCxnSpPr>
+            <a:stCxn id="8" idx="2"/>
+            <a:endCxn id="11" idx="0"/>
+          </p:cNvCxnSpPr>
+          <p:nvPr/>
+        </p:nvCxnSpPr>
+        <p:spPr>
+          <a:xfrm flipH="1">
+            <a:off x="868464" y="4674003"/>
+            <a:ext cx="1529062" cy="960769"/>
+          </a:xfrm>
+          <a:prstGeom prst="straightConnector1">
+            <a:avLst/>
+          </a:prstGeom>
+          <a:ln>
+            <a:headEnd type="arrow"/>
+            <a:tailEnd type="arrow"/>
+          </a:ln>
+        </p:spPr>
+        <p:style>
+          <a:lnRef idx="2">
+            <a:schemeClr val="dk1"/>
+          </a:lnRef>
+          <a:fillRef idx="0">
+            <a:schemeClr val="dk1"/>
+          </a:fillRef>
+          <a:effectRef idx="1">
+            <a:schemeClr val="dk1"/>
+          </a:effectRef>
+          <a:fontRef idx="minor">
+            <a:schemeClr val="tx1"/>
+          </a:fontRef>
+        </p:style>
+      </p:cxnSp>
+      <p:cxnSp>
+        <p:nvCxnSpPr>
+          <p:cNvPr id="29" name="Straight Arrow Connector 28"/>
+          <p:cNvCxnSpPr>
+            <a:stCxn id="8" idx="2"/>
+            <a:endCxn id="14" idx="0"/>
+          </p:cNvCxnSpPr>
+          <p:nvPr/>
+        </p:nvCxnSpPr>
+        <p:spPr>
+          <a:xfrm>
+            <a:off x="2397526" y="4674003"/>
+            <a:ext cx="923193" cy="960769"/>
+          </a:xfrm>
+          <a:prstGeom prst="straightConnector1">
+            <a:avLst/>
+          </a:prstGeom>
+          <a:ln>
+            <a:headEnd type="arrow"/>
+            <a:tailEnd type="arrow"/>
+          </a:ln>
+        </p:spPr>
+        <p:style>
+          <a:lnRef idx="2">
+            <a:schemeClr val="dk1"/>
+          </a:lnRef>
+          <a:fillRef idx="0">
+            <a:schemeClr val="dk1"/>
+          </a:fillRef>
+          <a:effectRef idx="1">
+            <a:schemeClr val="dk1"/>
+          </a:effectRef>
+          <a:fontRef idx="minor">
+            <a:schemeClr val="tx1"/>
+          </a:fontRef>
+        </p:style>
+      </p:cxnSp>
+      <p:sp>
+        <p:nvSpPr>
+          <p:cNvPr id="30" name="TextBox 29"/>
+          <p:cNvSpPr txBox="1"/>
+          <p:nvPr/>
+        </p:nvSpPr>
+        <p:spPr>
+          <a:xfrm>
+            <a:off x="3119544" y="2554489"/>
+            <a:ext cx="1165832" cy="261610"/>
+          </a:xfrm>
+          <a:prstGeom prst="rect">
+            <a:avLst/>
+          </a:prstGeom>
+          <a:noFill/>
+        </p:spPr>
+        <p:txBody>
+          <a:bodyPr wrap="square" rtlCol="0">
+            <a:spAutoFit/>
+          </a:bodyPr>
+          <a:lstStyle/>
+          <a:p>
+            <a:r>
+              <a:rPr lang="en-US" sz="1100" dirty="0" smtClean="0"/>
+              <a:t>192.168.1.124</a:t>
+            </a:r>
+            <a:endParaRPr lang="en-US" sz="1100" dirty="0"/>
+          </a:p>
+        </p:txBody>
+      </p:sp>
+      <p:sp>
+        <p:nvSpPr>
+          <p:cNvPr id="31" name="TextBox 30"/>
+          <p:cNvSpPr txBox="1"/>
+          <p:nvPr/>
+        </p:nvSpPr>
+        <p:spPr>
+          <a:xfrm>
+            <a:off x="3320719" y="5431952"/>
+            <a:ext cx="1165832" cy="261610"/>
+          </a:xfrm>
+          <a:prstGeom prst="rect">
+            <a:avLst/>
+          </a:prstGeom>
+          <a:noFill/>
+        </p:spPr>
+        <p:txBody>
+          <a:bodyPr wrap="square" rtlCol="0">
+            <a:spAutoFit/>
+          </a:bodyPr>
+          <a:lstStyle/>
+          <a:p>
+            <a:r>
+              <a:rPr lang="en-US" sz="1100" dirty="0" smtClean="0"/>
+              <a:t>192.168.1.221</a:t>
+            </a:r>
+            <a:endParaRPr lang="en-US" sz="1100" dirty="0"/>
+          </a:p>
+        </p:txBody>
+      </p:sp>
+      <p:sp>
+        <p:nvSpPr>
+          <p:cNvPr id="32" name="TextBox 31"/>
+          <p:cNvSpPr txBox="1"/>
+          <p:nvPr/>
+        </p:nvSpPr>
+        <p:spPr>
+          <a:xfrm>
+            <a:off x="-33574" y="5404213"/>
+            <a:ext cx="997802" cy="261610"/>
+          </a:xfrm>
+          <a:prstGeom prst="rect">
+            <a:avLst/>
+          </a:prstGeom>
+          <a:noFill/>
+        </p:spPr>
+        <p:txBody>
+          <a:bodyPr wrap="square" rtlCol="0">
+            <a:spAutoFit/>
+          </a:bodyPr>
+          <a:lstStyle/>
+          <a:p>
+            <a:r>
+              <a:rPr lang="en-US" sz="1100" dirty="0" smtClean="0"/>
+              <a:t>192.168.1.118</a:t>
+            </a:r>
+            <a:endParaRPr lang="en-US" sz="1100" dirty="0"/>
+          </a:p>
+        </p:txBody>
+      </p:sp>
+      <p:sp>
+        <p:nvSpPr>
+          <p:cNvPr id="33" name="TextBox 32"/>
+          <p:cNvSpPr txBox="1"/>
+          <p:nvPr/>
+        </p:nvSpPr>
+        <p:spPr>
+          <a:xfrm>
+            <a:off x="1326188" y="3918710"/>
+            <a:ext cx="1165832" cy="261610"/>
+          </a:xfrm>
+          <a:prstGeom prst="rect">
+            <a:avLst/>
+          </a:prstGeom>
+          <a:noFill/>
+        </p:spPr>
+        <p:txBody>
+          <a:bodyPr wrap="square" rtlCol="0">
+            <a:spAutoFit/>
+          </a:bodyPr>
+          <a:lstStyle/>
+          <a:p>
+            <a:r>
+              <a:rPr lang="en-US" sz="1100" dirty="0" smtClean="0"/>
+              <a:t>192.168.1.115</a:t>
+            </a:r>
+            <a:endParaRPr lang="en-US" sz="1100" dirty="0"/>
+          </a:p>
+        </p:txBody>
+      </p:sp>
+      <p:pic>
+        <p:nvPicPr>
+          <p:cNvPr id="24" name="Picture 23" descr="Drawing1.png"/>
+          <p:cNvPicPr>
+            <a:picLocks noChangeAspect="1"/>
+          </p:cNvPicPr>
+          <p:nvPr/>
+        </p:nvPicPr>
+        <p:blipFill rotWithShape="1">
+          <a:blip r:embed="rId2">
+            <a:alphaModFix amt="37000"/>
+            <a:extLst>
+              <a:ext uri="{28A0092B-C50C-407E-A947-70E740481C1C}">
+                <a14:useLocalDpi xmlns:a14="http://schemas.microsoft.com/office/drawing/2010/main" val="0"/>
+              </a:ext>
+            </a:extLst>
+          </a:blip>
+          <a:srcRect l="58297" t="9713" b="67350"/>
+          <a:stretch/>
+        </p:blipFill>
+        <p:spPr>
+          <a:xfrm>
+            <a:off x="5516186" y="2098332"/>
+            <a:ext cx="2142675" cy="526705"/>
+          </a:xfrm>
+          <a:prstGeom prst="rect">
+            <a:avLst/>
+          </a:prstGeom>
+        </p:spPr>
+      </p:pic>
+      <p:sp>
+        <p:nvSpPr>
+          <p:cNvPr id="26" name="TextBox 25"/>
+          <p:cNvSpPr txBox="1"/>
+          <p:nvPr/>
+        </p:nvSpPr>
+        <p:spPr>
+          <a:xfrm>
+            <a:off x="5594065" y="2162126"/>
+            <a:ext cx="2030848" cy="369332"/>
+          </a:xfrm>
+          <a:prstGeom prst="rect">
+            <a:avLst/>
+          </a:prstGeom>
+          <a:noFill/>
+        </p:spPr>
+        <p:txBody>
+          <a:bodyPr wrap="square" rtlCol="0">
+            <a:spAutoFit/>
+          </a:bodyPr>
+          <a:lstStyle/>
+          <a:p>
+            <a:pPr algn="ctr"/>
+            <a:r>
+              <a:rPr lang="en-US" b="1" dirty="0" smtClean="0"/>
+              <a:t>mons2</a:t>
+            </a:r>
+            <a:endParaRPr lang="en-US" b="1" dirty="0"/>
+          </a:p>
+        </p:txBody>
+      </p:sp>
+      <p:sp>
+        <p:nvSpPr>
+          <p:cNvPr id="28" name="TextBox 27"/>
+          <p:cNvSpPr txBox="1"/>
+          <p:nvPr/>
+        </p:nvSpPr>
+        <p:spPr>
+          <a:xfrm>
+            <a:off x="5469150" y="1888078"/>
+            <a:ext cx="1165832" cy="261610"/>
+          </a:xfrm>
+          <a:prstGeom prst="rect">
+            <a:avLst/>
+          </a:prstGeom>
+          <a:noFill/>
+        </p:spPr>
+        <p:txBody>
+          <a:bodyPr wrap="square" rtlCol="0">
+            <a:spAutoFit/>
+          </a:bodyPr>
+          <a:lstStyle/>
+          <a:p>
+            <a:r>
+              <a:rPr lang="en-US" sz="1100" dirty="0" smtClean="0"/>
+              <a:t>130.127.206.202</a:t>
+            </a:r>
+            <a:endParaRPr lang="en-US" sz="1100" dirty="0"/>
+          </a:p>
+        </p:txBody>
+      </p:sp>
+      <p:sp>
+        <p:nvSpPr>
+          <p:cNvPr id="34" name="Down Arrow 33"/>
+          <p:cNvSpPr/>
+          <p:nvPr/>
+        </p:nvSpPr>
+        <p:spPr>
+          <a:xfrm>
+            <a:off x="6493876" y="1464781"/>
+            <a:ext cx="329249" cy="574761"/>
+          </a:xfrm>
+          <a:prstGeom prst="downArrow">
+            <a:avLst/>
+          </a:prstGeom>
+        </p:spPr>
+        <p:style>
+          <a:lnRef idx="2">
+            <a:schemeClr val="dk1">
+              <a:shade val="50000"/>
+            </a:schemeClr>
+          </a:lnRef>
+          <a:fillRef idx="1">
+            <a:schemeClr val="dk1"/>
+          </a:fillRef>
+          <a:effectRef idx="0">
+            <a:schemeClr val="dk1"/>
+          </a:effectRef>
+          <a:fontRef idx="minor">
+            <a:schemeClr val="lt1"/>
+          </a:fontRef>
+        </p:style>
+        <p:txBody>
+          <a:bodyPr rtlCol="0" anchor="ctr"/>
+          <a:lstStyle/>
+          <a:p>
+            <a:pPr algn="ctr"/>
+            <a:endParaRPr lang="en-US"/>
+          </a:p>
+        </p:txBody>
+      </p:sp>
+      <p:sp>
+        <p:nvSpPr>
+          <p:cNvPr id="35" name="TextBox 34"/>
+          <p:cNvSpPr txBox="1"/>
+          <p:nvPr/>
+        </p:nvSpPr>
+        <p:spPr>
+          <a:xfrm>
+            <a:off x="6823125" y="2554489"/>
+            <a:ext cx="1165832" cy="261610"/>
+          </a:xfrm>
+          <a:prstGeom prst="rect">
+            <a:avLst/>
+          </a:prstGeom>
+          <a:noFill/>
+        </p:spPr>
+        <p:txBody>
+          <a:bodyPr wrap="square" rtlCol="0">
+            <a:spAutoFit/>
+          </a:bodyPr>
+          <a:lstStyle/>
+          <a:p>
+            <a:r>
+              <a:rPr lang="en-US" sz="1100" dirty="0" smtClean="0"/>
+              <a:t>192.168.1.125</a:t>
+            </a:r>
+            <a:endParaRPr lang="en-US" sz="1100" dirty="0"/>
+          </a:p>
+        </p:txBody>
+      </p:sp>
+      <p:cxnSp>
+        <p:nvCxnSpPr>
+          <p:cNvPr id="18" name="Straight Arrow Connector 17"/>
+          <p:cNvCxnSpPr>
+            <a:stCxn id="12" idx="3"/>
+            <a:endCxn id="15" idx="1"/>
+          </p:cNvCxnSpPr>
+          <p:nvPr/>
+        </p:nvCxnSpPr>
+        <p:spPr>
+          <a:xfrm>
+            <a:off x="1671497" y="5883233"/>
+            <a:ext cx="655763" cy="0"/>
+          </a:xfrm>
+          <a:prstGeom prst="straightConnector1">
+            <a:avLst/>
+          </a:prstGeom>
+          <a:ln>
+            <a:headEnd type="arrow"/>
+            <a:tailEnd type="arrow"/>
+          </a:ln>
+        </p:spPr>
+        <p:style>
+          <a:lnRef idx="2">
+            <a:schemeClr val="dk1"/>
+          </a:lnRef>
+          <a:fillRef idx="0">
+            <a:schemeClr val="dk1"/>
+          </a:fillRef>
+          <a:effectRef idx="1">
+            <a:schemeClr val="dk1"/>
+          </a:effectRef>
+          <a:fontRef idx="minor">
+            <a:schemeClr val="tx1"/>
+          </a:fontRef>
+        </p:style>
+      </p:cxnSp>
+      <p:pic>
+        <p:nvPicPr>
+          <p:cNvPr id="36" name="Picture 35" descr="Drawing1.png"/>
+          <p:cNvPicPr>
+            <a:picLocks noChangeAspect="1"/>
+          </p:cNvPicPr>
+          <p:nvPr/>
+        </p:nvPicPr>
+        <p:blipFill rotWithShape="1">
+          <a:blip r:embed="rId2">
+            <a:alphaModFix amt="37000"/>
+            <a:extLst>
+              <a:ext uri="{28A0092B-C50C-407E-A947-70E740481C1C}">
+                <a14:useLocalDpi xmlns:a14="http://schemas.microsoft.com/office/drawing/2010/main" val="0"/>
+              </a:ext>
+            </a:extLst>
+          </a:blip>
+          <a:srcRect l="58297" t="9713" b="67350"/>
+          <a:stretch/>
+        </p:blipFill>
+        <p:spPr>
+          <a:xfrm>
+            <a:off x="5946958" y="4147298"/>
+            <a:ext cx="2142675" cy="526705"/>
+          </a:xfrm>
+          <a:prstGeom prst="rect">
+            <a:avLst/>
+          </a:prstGeom>
+        </p:spPr>
+      </p:pic>
+      <p:sp>
+        <p:nvSpPr>
+          <p:cNvPr id="37" name="TextBox 36"/>
+          <p:cNvSpPr txBox="1"/>
+          <p:nvPr/>
+        </p:nvSpPr>
+        <p:spPr>
+          <a:xfrm>
+            <a:off x="6024837" y="4211093"/>
+            <a:ext cx="2030848" cy="369332"/>
+          </a:xfrm>
+          <a:prstGeom prst="rect">
+            <a:avLst/>
+          </a:prstGeom>
+        </p:spPr>
+        <p:txBody>
+          <a:bodyPr wrap="square" rtlCol="0">
+            <a:spAutoFit/>
+          </a:bodyPr>
+          <a:lstStyle/>
+          <a:p>
+            <a:pPr algn="ctr"/>
+            <a:r>
+              <a:rPr lang="en-US" b="1" dirty="0" smtClean="0"/>
+              <a:t>mond2</a:t>
+            </a:r>
+            <a:endParaRPr lang="en-US" b="1" dirty="0"/>
+          </a:p>
+        </p:txBody>
+      </p:sp>
+      <p:pic>
+        <p:nvPicPr>
+          <p:cNvPr id="38" name="Picture 37" descr="Drawing1.png"/>
+          <p:cNvPicPr>
+            <a:picLocks noChangeAspect="1"/>
+          </p:cNvPicPr>
+          <p:nvPr/>
+        </p:nvPicPr>
+        <p:blipFill rotWithShape="1">
+          <a:blip r:embed="rId2">
+            <a:alphaModFix amt="37000"/>
+            <a:extLst>
+              <a:ext uri="{28A0092B-C50C-407E-A947-70E740481C1C}">
+                <a14:useLocalDpi xmlns:a14="http://schemas.microsoft.com/office/drawing/2010/main" val="0"/>
+              </a:ext>
+            </a:extLst>
+          </a:blip>
+          <a:srcRect l="58297" t="9713" b="67350"/>
+          <a:stretch/>
+        </p:blipFill>
+        <p:spPr>
+          <a:xfrm>
+            <a:off x="4679566" y="5634772"/>
+            <a:ext cx="1580778" cy="526705"/>
+          </a:xfrm>
+          <a:prstGeom prst="rect">
+            <a:avLst/>
+          </a:prstGeom>
+        </p:spPr>
+      </p:pic>
+      <p:sp>
+        <p:nvSpPr>
+          <p:cNvPr id="39" name="TextBox 38"/>
+          <p:cNvSpPr txBox="1"/>
+          <p:nvPr/>
+        </p:nvSpPr>
+        <p:spPr>
+          <a:xfrm>
+            <a:off x="4757444" y="5698567"/>
+            <a:ext cx="1498277" cy="369332"/>
+          </a:xfrm>
+          <a:prstGeom prst="rect">
+            <a:avLst/>
+          </a:prstGeom>
+          <a:noFill/>
+        </p:spPr>
+        <p:txBody>
+          <a:bodyPr wrap="square" rtlCol="0">
+            <a:spAutoFit/>
+          </a:bodyPr>
+          <a:lstStyle/>
+          <a:p>
+            <a:pPr algn="ctr"/>
+            <a:r>
+              <a:rPr lang="en-US" b="1" dirty="0" smtClean="0"/>
+              <a:t>monr4</a:t>
+            </a:r>
+            <a:endParaRPr lang="en-US" b="1" dirty="0"/>
+          </a:p>
+        </p:txBody>
+      </p:sp>
+      <p:pic>
+        <p:nvPicPr>
+          <p:cNvPr id="40" name="Picture 39" descr="Drawing1.png"/>
+          <p:cNvPicPr>
+            <a:picLocks noChangeAspect="1"/>
+          </p:cNvPicPr>
+          <p:nvPr/>
+        </p:nvPicPr>
+        <p:blipFill rotWithShape="1">
+          <a:blip r:embed="rId2">
+            <a:alphaModFix amt="37000"/>
+            <a:extLst>
+              <a:ext uri="{28A0092B-C50C-407E-A947-70E740481C1C}">
+                <a14:useLocalDpi xmlns:a14="http://schemas.microsoft.com/office/drawing/2010/main" val="0"/>
+              </a:ext>
+            </a:extLst>
+          </a:blip>
+          <a:srcRect l="58297" t="9713" b="67350"/>
+          <a:stretch/>
+        </p:blipFill>
+        <p:spPr>
+          <a:xfrm>
+            <a:off x="6940705" y="5634772"/>
+            <a:ext cx="2142675" cy="526705"/>
+          </a:xfrm>
+          <a:prstGeom prst="rect">
+            <a:avLst/>
+          </a:prstGeom>
+        </p:spPr>
+      </p:pic>
+      <p:sp>
+        <p:nvSpPr>
+          <p:cNvPr id="41" name="TextBox 40"/>
+          <p:cNvSpPr txBox="1"/>
+          <p:nvPr/>
+        </p:nvSpPr>
+        <p:spPr>
+          <a:xfrm>
+            <a:off x="7018584" y="5698567"/>
+            <a:ext cx="2030848" cy="369332"/>
+          </a:xfrm>
+          <a:prstGeom prst="rect">
+            <a:avLst/>
+          </a:prstGeom>
+          <a:noFill/>
+        </p:spPr>
+        <p:txBody>
+          <a:bodyPr wrap="square" rtlCol="0">
+            <a:spAutoFit/>
+          </a:bodyPr>
+          <a:lstStyle/>
+          <a:p>
+            <a:pPr algn="ctr"/>
+            <a:r>
+              <a:rPr lang="en-US" b="1" dirty="0" err="1" smtClean="0"/>
+              <a:t>monitor.ir.clemson</a:t>
+            </a:r>
+            <a:endParaRPr lang="en-US" b="1" dirty="0"/>
+          </a:p>
+        </p:txBody>
+      </p:sp>
+      <p:cxnSp>
+        <p:nvCxnSpPr>
+          <p:cNvPr id="42" name="Straight Arrow Connector 41"/>
+          <p:cNvCxnSpPr>
+            <a:stCxn id="36" idx="2"/>
+            <a:endCxn id="38" idx="0"/>
+          </p:cNvCxnSpPr>
+          <p:nvPr/>
+        </p:nvCxnSpPr>
+        <p:spPr>
+          <a:xfrm flipH="1">
+            <a:off x="5469955" y="4674003"/>
+            <a:ext cx="1548341" cy="960769"/>
+          </a:xfrm>
+          <a:prstGeom prst="straightConnector1">
+            <a:avLst/>
+          </a:prstGeom>
+          <a:ln>
+            <a:headEnd type="arrow"/>
+            <a:tailEnd type="arrow"/>
+          </a:ln>
+        </p:spPr>
+        <p:style>
+          <a:lnRef idx="2">
+            <a:schemeClr val="dk1"/>
+          </a:lnRef>
+          <a:fillRef idx="0">
+            <a:schemeClr val="dk1"/>
+          </a:fillRef>
+          <a:effectRef idx="1">
+            <a:schemeClr val="dk1"/>
+          </a:effectRef>
+          <a:fontRef idx="minor">
+            <a:schemeClr val="tx1"/>
+          </a:fontRef>
+        </p:style>
+      </p:cxnSp>
+      <p:cxnSp>
+        <p:nvCxnSpPr>
+          <p:cNvPr id="43" name="Straight Arrow Connector 42"/>
+          <p:cNvCxnSpPr>
+            <a:stCxn id="36" idx="2"/>
+            <a:endCxn id="40" idx="0"/>
+          </p:cNvCxnSpPr>
+          <p:nvPr/>
+        </p:nvCxnSpPr>
+        <p:spPr>
+          <a:xfrm>
+            <a:off x="7018296" y="4674003"/>
+            <a:ext cx="993747" cy="960769"/>
+          </a:xfrm>
+          <a:prstGeom prst="straightConnector1">
+            <a:avLst/>
+          </a:prstGeom>
+          <a:ln>
+            <a:headEnd type="arrow"/>
+            <a:tailEnd type="arrow"/>
+          </a:ln>
+        </p:spPr>
+        <p:style>
+          <a:lnRef idx="2">
+            <a:schemeClr val="dk1"/>
+          </a:lnRef>
+          <a:fillRef idx="0">
+            <a:schemeClr val="dk1"/>
+          </a:fillRef>
+          <a:effectRef idx="1">
+            <a:schemeClr val="dk1"/>
+          </a:effectRef>
+          <a:fontRef idx="minor">
+            <a:schemeClr val="tx1"/>
+          </a:fontRef>
+        </p:style>
+      </p:cxnSp>
+      <p:sp>
+        <p:nvSpPr>
+          <p:cNvPr id="44" name="TextBox 43"/>
+          <p:cNvSpPr txBox="1"/>
+          <p:nvPr/>
+        </p:nvSpPr>
+        <p:spPr>
+          <a:xfrm>
+            <a:off x="7941489" y="5420194"/>
+            <a:ext cx="1165832" cy="261610"/>
+          </a:xfrm>
+          <a:prstGeom prst="rect">
+            <a:avLst/>
+          </a:prstGeom>
+          <a:noFill/>
+        </p:spPr>
+        <p:txBody>
+          <a:bodyPr wrap="square" rtlCol="0">
+            <a:spAutoFit/>
+          </a:bodyPr>
+          <a:lstStyle/>
+          <a:p>
+            <a:r>
+              <a:rPr lang="en-US" sz="1100" dirty="0" smtClean="0"/>
+              <a:t>192.168.1.221</a:t>
+            </a:r>
+            <a:endParaRPr lang="en-US" sz="1100" dirty="0"/>
+          </a:p>
+        </p:txBody>
+      </p:sp>
+      <p:sp>
+        <p:nvSpPr>
+          <p:cNvPr id="45" name="TextBox 44"/>
+          <p:cNvSpPr txBox="1"/>
+          <p:nvPr/>
+        </p:nvSpPr>
+        <p:spPr>
+          <a:xfrm>
+            <a:off x="4551919" y="5404213"/>
+            <a:ext cx="1010026" cy="261610"/>
+          </a:xfrm>
+          <a:prstGeom prst="rect">
+            <a:avLst/>
+          </a:prstGeom>
+          <a:noFill/>
+        </p:spPr>
+        <p:txBody>
+          <a:bodyPr wrap="square" rtlCol="0">
+            <a:spAutoFit/>
+          </a:bodyPr>
+          <a:lstStyle/>
+          <a:p>
+            <a:r>
+              <a:rPr lang="en-US" sz="1100" dirty="0" smtClean="0"/>
+              <a:t>192.168.1.120</a:t>
+            </a:r>
+            <a:endParaRPr lang="en-US" sz="1100" dirty="0"/>
+          </a:p>
+        </p:txBody>
+      </p:sp>
+      <p:sp>
+        <p:nvSpPr>
+          <p:cNvPr id="46" name="TextBox 45"/>
+          <p:cNvSpPr txBox="1"/>
+          <p:nvPr/>
+        </p:nvSpPr>
+        <p:spPr>
+          <a:xfrm>
+            <a:off x="7064063" y="3918710"/>
+            <a:ext cx="1165832" cy="261610"/>
+          </a:xfrm>
+          <a:prstGeom prst="rect">
+            <a:avLst/>
+          </a:prstGeom>
+          <a:noFill/>
+        </p:spPr>
+        <p:txBody>
+          <a:bodyPr wrap="square" rtlCol="0">
+            <a:spAutoFit/>
+          </a:bodyPr>
+          <a:lstStyle/>
+          <a:p>
+            <a:r>
+              <a:rPr lang="en-US" sz="1100" dirty="0" smtClean="0"/>
+              <a:t>192.168.1.116</a:t>
+            </a:r>
+            <a:endParaRPr lang="en-US" sz="1100" dirty="0"/>
+          </a:p>
+        </p:txBody>
+      </p:sp>
+      <p:cxnSp>
+        <p:nvCxnSpPr>
+          <p:cNvPr id="47" name="Straight Arrow Connector 46"/>
+          <p:cNvCxnSpPr>
+            <a:stCxn id="39" idx="3"/>
+            <a:endCxn id="41" idx="1"/>
+          </p:cNvCxnSpPr>
+          <p:nvPr/>
+        </p:nvCxnSpPr>
+        <p:spPr>
+          <a:xfrm>
+            <a:off x="6255721" y="5883233"/>
+            <a:ext cx="762863" cy="0"/>
+          </a:xfrm>
+          <a:prstGeom prst="straightConnector1">
+            <a:avLst/>
+          </a:prstGeom>
+          <a:ln>
+            <a:headEnd type="arrow"/>
+            <a:tailEnd type="arrow"/>
+          </a:ln>
+        </p:spPr>
+        <p:style>
+          <a:lnRef idx="2">
+            <a:schemeClr val="dk1"/>
+          </a:lnRef>
+          <a:fillRef idx="0">
+            <a:schemeClr val="dk1"/>
+          </a:fillRef>
+          <a:effectRef idx="1">
+            <a:schemeClr val="dk1"/>
+          </a:effectRef>
+          <a:fontRef idx="minor">
+            <a:schemeClr val="tx1"/>
+          </a:fontRef>
+        </p:style>
+      </p:cxnSp>
+      <p:cxnSp>
+        <p:nvCxnSpPr>
+          <p:cNvPr id="52" name="Straight Arrow Connector 51"/>
+          <p:cNvCxnSpPr>
+            <a:stCxn id="20" idx="2"/>
+            <a:endCxn id="36" idx="0"/>
+          </p:cNvCxnSpPr>
+          <p:nvPr/>
+        </p:nvCxnSpPr>
+        <p:spPr>
+          <a:xfrm>
+            <a:off x="2789871" y="2625037"/>
+            <a:ext cx="4228425" cy="1522261"/>
+          </a:xfrm>
+          <a:prstGeom prst="straightConnector1">
+            <a:avLst/>
+          </a:prstGeom>
+          <a:ln>
+            <a:headEnd type="arrow"/>
+            <a:tailEnd type="arrow"/>
+          </a:ln>
+        </p:spPr>
+        <p:style>
+          <a:lnRef idx="2">
+            <a:schemeClr val="dk1"/>
+          </a:lnRef>
+          <a:fillRef idx="0">
+            <a:schemeClr val="dk1"/>
+          </a:fillRef>
+          <a:effectRef idx="1">
+            <a:schemeClr val="dk1"/>
+          </a:effectRef>
+          <a:fontRef idx="minor">
+            <a:schemeClr val="tx1"/>
+          </a:fontRef>
+        </p:style>
+      </p:cxnSp>
+      <p:cxnSp>
+        <p:nvCxnSpPr>
+          <p:cNvPr id="54" name="Straight Arrow Connector 53"/>
+          <p:cNvCxnSpPr>
+            <a:stCxn id="24" idx="2"/>
+            <a:endCxn id="33" idx="3"/>
+          </p:cNvCxnSpPr>
+          <p:nvPr/>
+        </p:nvCxnSpPr>
+        <p:spPr>
+          <a:xfrm flipH="1">
+            <a:off x="2492020" y="2625037"/>
+            <a:ext cx="4095504" cy="1424478"/>
+          </a:xfrm>
+          <a:prstGeom prst="straightConnector1">
+            <a:avLst/>
+          </a:prstGeom>
+          <a:ln>
+            <a:headEnd type="arrow"/>
+            <a:tailEnd type="arrow"/>
+          </a:ln>
+        </p:spPr>
+        <p:style>
+          <a:lnRef idx="2">
+            <a:schemeClr val="dk1"/>
+          </a:lnRef>
+          <a:fillRef idx="0">
+            <a:schemeClr val="dk1"/>
+          </a:fillRef>
+          <a:effectRef idx="1">
+            <a:schemeClr val="dk1"/>
+          </a:effectRef>
+          <a:fontRef idx="minor">
+            <a:schemeClr val="tx1"/>
+          </a:fontRef>
+        </p:style>
+      </p:cxnSp>
+      <p:cxnSp>
+        <p:nvCxnSpPr>
+          <p:cNvPr id="56" name="Straight Arrow Connector 55"/>
+          <p:cNvCxnSpPr>
+            <a:stCxn id="24" idx="2"/>
+            <a:endCxn id="36" idx="0"/>
+          </p:cNvCxnSpPr>
+          <p:nvPr/>
+        </p:nvCxnSpPr>
+        <p:spPr>
+          <a:xfrm>
+            <a:off x="6587524" y="2625037"/>
+            <a:ext cx="430772" cy="1522261"/>
+          </a:xfrm>
+          <a:prstGeom prst="straightConnector1">
+            <a:avLst/>
+          </a:prstGeom>
+          <a:ln>
+            <a:headEnd type="arrow"/>
+            <a:tailEnd type="arrow"/>
+          </a:ln>
+        </p:spPr>
+        <p:style>
+          <a:lnRef idx="2">
+            <a:schemeClr val="dk1"/>
+          </a:lnRef>
+          <a:fillRef idx="0">
+            <a:schemeClr val="dk1"/>
+          </a:fillRef>
+          <a:effectRef idx="1">
+            <a:schemeClr val="dk1"/>
+          </a:effectRef>
+          <a:fontRef idx="minor">
+            <a:schemeClr val="tx1"/>
+          </a:fontRef>
+        </p:style>
+      </p:cxnSp>
+      <p:sp>
+        <p:nvSpPr>
+          <p:cNvPr id="57" name="Rectangle 56"/>
+          <p:cNvSpPr/>
+          <p:nvPr/>
+        </p:nvSpPr>
+        <p:spPr>
+          <a:xfrm>
+            <a:off x="48740" y="3918710"/>
+            <a:ext cx="4437812" cy="2383713"/>
+          </a:xfrm>
+          <a:prstGeom prst="rect">
+            <a:avLst/>
+          </a:prstGeom>
+          <a:solidFill>
+            <a:schemeClr val="bg1">
+              <a:lumMod val="85000"/>
+              <a:alpha val="9000"/>
+            </a:schemeClr>
+          </a:solidFill>
+        </p:spPr>
+        <p:style>
+          <a:lnRef idx="1">
+            <a:schemeClr val="accent1"/>
+          </a:lnRef>
+          <a:fillRef idx="3">
+            <a:schemeClr val="accent1"/>
+          </a:fillRef>
+          <a:effectRef idx="2">
+            <a:schemeClr val="accent1"/>
+          </a:effectRef>
+          <a:fontRef idx="minor">
+            <a:schemeClr val="lt1"/>
+          </a:fontRef>
+        </p:style>
+        <p:txBody>
+          <a:bodyPr rtlCol="0" anchor="ctr"/>
+          <a:lstStyle/>
+          <a:p>
+            <a:pPr algn="ctr"/>
+            <a:endParaRPr lang="en-US"/>
+          </a:p>
+        </p:txBody>
+      </p:sp>
+      <p:sp>
+        <p:nvSpPr>
+          <p:cNvPr id="59" name="TextBox 58"/>
+          <p:cNvSpPr txBox="1"/>
+          <p:nvPr/>
+        </p:nvSpPr>
+        <p:spPr>
+          <a:xfrm>
+            <a:off x="58795" y="4049515"/>
+            <a:ext cx="809669" cy="369332"/>
+          </a:xfrm>
+          <a:prstGeom prst="rect">
+            <a:avLst/>
+          </a:prstGeom>
+          <a:noFill/>
+        </p:spPr>
+        <p:txBody>
+          <a:bodyPr wrap="square" rtlCol="0">
+            <a:spAutoFit/>
+          </a:bodyPr>
+          <a:lstStyle/>
+          <a:p>
+            <a:r>
+              <a:rPr lang="en-US" dirty="0" smtClean="0"/>
+              <a:t>RS1</a:t>
+            </a:r>
+            <a:endParaRPr lang="en-US" dirty="0"/>
+          </a:p>
+        </p:txBody>
+      </p:sp>
+      <p:sp>
+        <p:nvSpPr>
+          <p:cNvPr id="60" name="Rectangle 59"/>
+          <p:cNvSpPr/>
+          <p:nvPr/>
+        </p:nvSpPr>
+        <p:spPr>
+          <a:xfrm>
+            <a:off x="4669509" y="3918710"/>
+            <a:ext cx="4437812" cy="2383713"/>
+          </a:xfrm>
+          <a:prstGeom prst="rect">
+            <a:avLst/>
+          </a:prstGeom>
+          <a:solidFill>
+            <a:schemeClr val="bg1">
+              <a:lumMod val="85000"/>
+              <a:alpha val="9000"/>
+            </a:schemeClr>
+          </a:solidFill>
+        </p:spPr>
+        <p:style>
+          <a:lnRef idx="1">
+            <a:schemeClr val="accent1"/>
+          </a:lnRef>
+          <a:fillRef idx="3">
+            <a:schemeClr val="accent1"/>
+          </a:fillRef>
+          <a:effectRef idx="2">
+            <a:schemeClr val="accent1"/>
+          </a:effectRef>
+          <a:fontRef idx="minor">
+            <a:schemeClr val="lt1"/>
+          </a:fontRef>
+        </p:style>
+        <p:txBody>
+          <a:bodyPr rtlCol="0" anchor="ctr"/>
+          <a:lstStyle/>
+          <a:p>
+            <a:pPr algn="ctr"/>
+            <a:endParaRPr lang="en-US"/>
+          </a:p>
+        </p:txBody>
+      </p:sp>
+      <p:sp>
+        <p:nvSpPr>
+          <p:cNvPr id="61" name="TextBox 60"/>
+          <p:cNvSpPr txBox="1"/>
+          <p:nvPr/>
+        </p:nvSpPr>
+        <p:spPr>
+          <a:xfrm>
+            <a:off x="8239763" y="4034295"/>
+            <a:ext cx="809669" cy="369332"/>
+          </a:xfrm>
+          <a:prstGeom prst="rect">
+            <a:avLst/>
+          </a:prstGeom>
+          <a:noFill/>
+        </p:spPr>
+        <p:txBody>
+          <a:bodyPr wrap="square" rtlCol="0">
+            <a:spAutoFit/>
+          </a:bodyPr>
+          <a:lstStyle/>
+          <a:p>
+            <a:pPr algn="r"/>
+            <a:r>
+              <a:rPr lang="en-US" dirty="0" smtClean="0"/>
+              <a:t>RS2</a:t>
+            </a:r>
+            <a:endParaRPr lang="en-US" dirty="0"/>
+          </a:p>
+        </p:txBody>
+      </p:sp>
+    </p:spTree>
+    <p:extLst>
+      <p:ext uri="{BB962C8B-B14F-4D97-AF65-F5344CB8AC3E}">
+        <p14:creationId xmlns:p14="http://schemas.microsoft.com/office/powerpoint/2010/main" val="3096858336"/>
+      </p:ext>
+    </p:extLst>
+  </p:cSld>
+  <p:clrMapOvr>
+    <a:masterClrMapping/>
+  </p:clrMapOvr>
+  <p:timing>
+    <p:tnLst>
+      <p:par>
+        <p:cTn xmlns:p14="http://schemas.microsoft.com/office/powerpoint/2010/main" id="1" dur="indefinite" restart="never" nodeType="tmRoot"/>
+      </p:par>
+    </p:tnLst>
+  </p:timing>
+</p:sld>
+</file>
+
+<file path=ppt/slides/slide17.xml><?xml version="1.0" encoding="utf-8"?>
+<p:sld xmlns:a="http://schemas.openxmlformats.org/drawingml/2006/main" xmlns:r="http://schemas.openxmlformats.org/officeDocument/2006/relationships" xmlns:p="http://schemas.openxmlformats.org/presentationml/2006/main">
+  <p:cSld>
+    <p:spTree>
+      <p:nvGrpSpPr>
+        <p:cNvPr id="1" name=""/>
+        <p:cNvGrpSpPr/>
+        <p:nvPr/>
+      </p:nvGrpSpPr>
+      <p:grpSpPr>
+        <a:xfrm>
+          <a:off x="0" y="0"/>
+          <a:ext cx="0" cy="0"/>
+          <a:chOff x="0" y="0"/>
+          <a:chExt cx="0" cy="0"/>
+        </a:xfrm>
+      </p:grpSpPr>
+      <p:sp>
+        <p:nvSpPr>
+          <p:cNvPr id="2" name="Title 1"/>
+          <p:cNvSpPr>
+            <a:spLocks noGrp="1"/>
+          </p:cNvSpPr>
+          <p:nvPr>
+            <p:ph type="title"/>
+          </p:nvPr>
+        </p:nvSpPr>
+        <p:spPr/>
+        <p:txBody>
+          <a:bodyPr/>
+          <a:lstStyle/>
+          <a:p>
+            <a:endParaRPr lang="en-US"/>
+          </a:p>
+        </p:txBody>
+      </p:sp>
+      <p:sp>
+        <p:nvSpPr>
+          <p:cNvPr id="3" name="Content Placeholder 2"/>
+          <p:cNvSpPr>
+            <a:spLocks noGrp="1"/>
+          </p:cNvSpPr>
+          <p:nvPr>
+            <p:ph idx="1"/>
+          </p:nvPr>
+        </p:nvSpPr>
+        <p:spPr/>
+        <p:txBody>
+          <a:bodyPr/>
+          <a:lstStyle/>
+          <a:p>
+            <a:endParaRPr lang="en-US" dirty="0"/>
+          </a:p>
+        </p:txBody>
+      </p:sp>
+      <p:sp>
+        <p:nvSpPr>
+          <p:cNvPr id="4" name="Freeform 3"/>
+          <p:cNvSpPr/>
+          <p:nvPr/>
+        </p:nvSpPr>
+        <p:spPr>
+          <a:xfrm>
+            <a:off x="1799109" y="2622090"/>
+            <a:ext cx="2528159" cy="2193995"/>
+          </a:xfrm>
+          <a:custGeom>
+            <a:avLst/>
+            <a:gdLst>
+              <a:gd name="connsiteX0" fmla="*/ 235177 w 2528159"/>
+              <a:gd name="connsiteY0" fmla="*/ 823078 h 2193995"/>
+              <a:gd name="connsiteX1" fmla="*/ 399802 w 2528159"/>
+              <a:gd name="connsiteY1" fmla="*/ 787803 h 2193995"/>
+              <a:gd name="connsiteX2" fmla="*/ 423320 w 2528159"/>
+              <a:gd name="connsiteY2" fmla="*/ 729012 h 2193995"/>
+              <a:gd name="connsiteX3" fmla="*/ 446837 w 2528159"/>
+              <a:gd name="connsiteY3" fmla="*/ 693737 h 2193995"/>
+              <a:gd name="connsiteX4" fmla="*/ 458596 w 2528159"/>
+              <a:gd name="connsiteY4" fmla="*/ 658462 h 2193995"/>
+              <a:gd name="connsiteX5" fmla="*/ 505632 w 2528159"/>
+              <a:gd name="connsiteY5" fmla="*/ 540880 h 2193995"/>
+              <a:gd name="connsiteX6" fmla="*/ 552667 w 2528159"/>
+              <a:gd name="connsiteY6" fmla="*/ 293956 h 2193995"/>
+              <a:gd name="connsiteX7" fmla="*/ 576185 w 2528159"/>
+              <a:gd name="connsiteY7" fmla="*/ 188132 h 2193995"/>
+              <a:gd name="connsiteX8" fmla="*/ 587944 w 2528159"/>
+              <a:gd name="connsiteY8" fmla="*/ 105824 h 2193995"/>
+              <a:gd name="connsiteX9" fmla="*/ 646738 w 2528159"/>
+              <a:gd name="connsiteY9" fmla="*/ 0 h 2193995"/>
+              <a:gd name="connsiteX10" fmla="*/ 834880 w 2528159"/>
+              <a:gd name="connsiteY10" fmla="*/ 23517 h 2193995"/>
+              <a:gd name="connsiteX11" fmla="*/ 1011264 w 2528159"/>
+              <a:gd name="connsiteY11" fmla="*/ 282198 h 2193995"/>
+              <a:gd name="connsiteX12" fmla="*/ 1093576 w 2528159"/>
+              <a:gd name="connsiteY12" fmla="*/ 493847 h 2193995"/>
+              <a:gd name="connsiteX13" fmla="*/ 1117094 w 2528159"/>
+              <a:gd name="connsiteY13" fmla="*/ 552638 h 2193995"/>
+              <a:gd name="connsiteX14" fmla="*/ 1140611 w 2528159"/>
+              <a:gd name="connsiteY14" fmla="*/ 564396 h 2193995"/>
+              <a:gd name="connsiteX15" fmla="*/ 1164129 w 2528159"/>
+              <a:gd name="connsiteY15" fmla="*/ 611429 h 2193995"/>
+              <a:gd name="connsiteX16" fmla="*/ 1199406 w 2528159"/>
+              <a:gd name="connsiteY16" fmla="*/ 540880 h 2193995"/>
+              <a:gd name="connsiteX17" fmla="*/ 1234682 w 2528159"/>
+              <a:gd name="connsiteY17" fmla="*/ 364506 h 2193995"/>
+              <a:gd name="connsiteX18" fmla="*/ 1258200 w 2528159"/>
+              <a:gd name="connsiteY18" fmla="*/ 282198 h 2193995"/>
+              <a:gd name="connsiteX19" fmla="*/ 1328753 w 2528159"/>
+              <a:gd name="connsiteY19" fmla="*/ 411539 h 2193995"/>
+              <a:gd name="connsiteX20" fmla="*/ 1446342 w 2528159"/>
+              <a:gd name="connsiteY20" fmla="*/ 587913 h 2193995"/>
+              <a:gd name="connsiteX21" fmla="*/ 1493378 w 2528159"/>
+              <a:gd name="connsiteY21" fmla="*/ 634946 h 2193995"/>
+              <a:gd name="connsiteX22" fmla="*/ 1540413 w 2528159"/>
+              <a:gd name="connsiteY22" fmla="*/ 646704 h 2193995"/>
+              <a:gd name="connsiteX23" fmla="*/ 1575690 w 2528159"/>
+              <a:gd name="connsiteY23" fmla="*/ 611429 h 2193995"/>
+              <a:gd name="connsiteX24" fmla="*/ 1587449 w 2528159"/>
+              <a:gd name="connsiteY24" fmla="*/ 576154 h 2193995"/>
+              <a:gd name="connsiteX25" fmla="*/ 1622725 w 2528159"/>
+              <a:gd name="connsiteY25" fmla="*/ 517363 h 2193995"/>
+              <a:gd name="connsiteX26" fmla="*/ 1740314 w 2528159"/>
+              <a:gd name="connsiteY26" fmla="*/ 529121 h 2193995"/>
+              <a:gd name="connsiteX27" fmla="*/ 1763832 w 2528159"/>
+              <a:gd name="connsiteY27" fmla="*/ 599671 h 2193995"/>
+              <a:gd name="connsiteX28" fmla="*/ 1822626 w 2528159"/>
+              <a:gd name="connsiteY28" fmla="*/ 799561 h 2193995"/>
+              <a:gd name="connsiteX29" fmla="*/ 1681520 w 2528159"/>
+              <a:gd name="connsiteY29" fmla="*/ 1081759 h 2193995"/>
+              <a:gd name="connsiteX30" fmla="*/ 1070058 w 2528159"/>
+              <a:gd name="connsiteY30" fmla="*/ 1458023 h 2193995"/>
+              <a:gd name="connsiteX31" fmla="*/ 293972 w 2528159"/>
+              <a:gd name="connsiteY31" fmla="*/ 1881320 h 2193995"/>
+              <a:gd name="connsiteX32" fmla="*/ 176383 w 2528159"/>
+              <a:gd name="connsiteY32" fmla="*/ 1916595 h 2193995"/>
+              <a:gd name="connsiteX33" fmla="*/ 58794 w 2528159"/>
+              <a:gd name="connsiteY33" fmla="*/ 1928353 h 2193995"/>
+              <a:gd name="connsiteX34" fmla="*/ 0 w 2528159"/>
+              <a:gd name="connsiteY34" fmla="*/ 1940111 h 2193995"/>
+              <a:gd name="connsiteX35" fmla="*/ 58794 w 2528159"/>
+              <a:gd name="connsiteY35" fmla="*/ 1987144 h 2193995"/>
+              <a:gd name="connsiteX36" fmla="*/ 152865 w 2528159"/>
+              <a:gd name="connsiteY36" fmla="*/ 2045936 h 2193995"/>
+              <a:gd name="connsiteX37" fmla="*/ 446837 w 2528159"/>
+              <a:gd name="connsiteY37" fmla="*/ 2128243 h 2193995"/>
+              <a:gd name="connsiteX38" fmla="*/ 1081817 w 2528159"/>
+              <a:gd name="connsiteY38" fmla="*/ 2151760 h 2193995"/>
+              <a:gd name="connsiteX39" fmla="*/ 1269959 w 2528159"/>
+              <a:gd name="connsiteY39" fmla="*/ 2081210 h 2193995"/>
+              <a:gd name="connsiteX40" fmla="*/ 1505137 w 2528159"/>
+              <a:gd name="connsiteY40" fmla="*/ 1928353 h 2193995"/>
+              <a:gd name="connsiteX41" fmla="*/ 1622725 w 2528159"/>
+              <a:gd name="connsiteY41" fmla="*/ 1846045 h 2193995"/>
+              <a:gd name="connsiteX42" fmla="*/ 1658002 w 2528159"/>
+              <a:gd name="connsiteY42" fmla="*/ 1822529 h 2193995"/>
+              <a:gd name="connsiteX43" fmla="*/ 1587449 w 2528159"/>
+              <a:gd name="connsiteY43" fmla="*/ 1834287 h 2193995"/>
+              <a:gd name="connsiteX44" fmla="*/ 1493378 w 2528159"/>
+              <a:gd name="connsiteY44" fmla="*/ 1928353 h 2193995"/>
+              <a:gd name="connsiteX45" fmla="*/ 1105335 w 2528159"/>
+              <a:gd name="connsiteY45" fmla="*/ 2128243 h 2193995"/>
+              <a:gd name="connsiteX46" fmla="*/ 870157 w 2528159"/>
+              <a:gd name="connsiteY46" fmla="*/ 2092969 h 2193995"/>
+              <a:gd name="connsiteX47" fmla="*/ 834880 w 2528159"/>
+              <a:gd name="connsiteY47" fmla="*/ 2022419 h 2193995"/>
+              <a:gd name="connsiteX48" fmla="*/ 799604 w 2528159"/>
+              <a:gd name="connsiteY48" fmla="*/ 1916595 h 2193995"/>
+              <a:gd name="connsiteX49" fmla="*/ 764327 w 2528159"/>
+              <a:gd name="connsiteY49" fmla="*/ 1681430 h 2193995"/>
+              <a:gd name="connsiteX50" fmla="*/ 752568 w 2528159"/>
+              <a:gd name="connsiteY50" fmla="*/ 1587364 h 2193995"/>
+              <a:gd name="connsiteX51" fmla="*/ 740809 w 2528159"/>
+              <a:gd name="connsiteY51" fmla="*/ 1528573 h 2193995"/>
+              <a:gd name="connsiteX52" fmla="*/ 1046540 w 2528159"/>
+              <a:gd name="connsiteY52" fmla="*/ 1493298 h 2193995"/>
+              <a:gd name="connsiteX53" fmla="*/ 1152370 w 2528159"/>
+              <a:gd name="connsiteY53" fmla="*/ 1575606 h 2193995"/>
+              <a:gd name="connsiteX54" fmla="*/ 1352271 w 2528159"/>
+              <a:gd name="connsiteY54" fmla="*/ 1693188 h 2193995"/>
+              <a:gd name="connsiteX55" fmla="*/ 1411066 w 2528159"/>
+              <a:gd name="connsiteY55" fmla="*/ 1740221 h 2193995"/>
+              <a:gd name="connsiteX56" fmla="*/ 1446342 w 2528159"/>
+              <a:gd name="connsiteY56" fmla="*/ 1763738 h 2193995"/>
+              <a:gd name="connsiteX57" fmla="*/ 1446342 w 2528159"/>
+              <a:gd name="connsiteY57" fmla="*/ 1281649 h 2193995"/>
+              <a:gd name="connsiteX58" fmla="*/ 1411066 w 2528159"/>
+              <a:gd name="connsiteY58" fmla="*/ 1128792 h 2193995"/>
+              <a:gd name="connsiteX59" fmla="*/ 1375789 w 2528159"/>
+              <a:gd name="connsiteY59" fmla="*/ 952418 h 2193995"/>
+              <a:gd name="connsiteX60" fmla="*/ 1528654 w 2528159"/>
+              <a:gd name="connsiteY60" fmla="*/ 1128792 h 2193995"/>
+              <a:gd name="connsiteX61" fmla="*/ 1587449 w 2528159"/>
+              <a:gd name="connsiteY61" fmla="*/ 1187583 h 2193995"/>
+              <a:gd name="connsiteX62" fmla="*/ 1681520 w 2528159"/>
+              <a:gd name="connsiteY62" fmla="*/ 1222858 h 2193995"/>
+              <a:gd name="connsiteX63" fmla="*/ 1728555 w 2528159"/>
+              <a:gd name="connsiteY63" fmla="*/ 1199342 h 2193995"/>
+              <a:gd name="connsiteX64" fmla="*/ 1775591 w 2528159"/>
+              <a:gd name="connsiteY64" fmla="*/ 999451 h 2193995"/>
+              <a:gd name="connsiteX65" fmla="*/ 1822626 w 2528159"/>
+              <a:gd name="connsiteY65" fmla="*/ 940660 h 2193995"/>
+              <a:gd name="connsiteX66" fmla="*/ 1916697 w 2528159"/>
+              <a:gd name="connsiteY66" fmla="*/ 870111 h 2193995"/>
+              <a:gd name="connsiteX67" fmla="*/ 1963733 w 2528159"/>
+              <a:gd name="connsiteY67" fmla="*/ 858352 h 2193995"/>
+              <a:gd name="connsiteX68" fmla="*/ 2010769 w 2528159"/>
+              <a:gd name="connsiteY68" fmla="*/ 834836 h 2193995"/>
+              <a:gd name="connsiteX69" fmla="*/ 2057804 w 2528159"/>
+              <a:gd name="connsiteY69" fmla="*/ 740770 h 2193995"/>
+              <a:gd name="connsiteX70" fmla="*/ 2128357 w 2528159"/>
+              <a:gd name="connsiteY70" fmla="*/ 717253 h 2193995"/>
+              <a:gd name="connsiteX71" fmla="*/ 2163634 w 2528159"/>
+              <a:gd name="connsiteY71" fmla="*/ 705495 h 2193995"/>
+              <a:gd name="connsiteX72" fmla="*/ 2245946 w 2528159"/>
+              <a:gd name="connsiteY72" fmla="*/ 670220 h 2193995"/>
+              <a:gd name="connsiteX73" fmla="*/ 2292982 w 2528159"/>
+              <a:gd name="connsiteY73" fmla="*/ 634946 h 2193995"/>
+              <a:gd name="connsiteX74" fmla="*/ 2445847 w 2528159"/>
+              <a:gd name="connsiteY74" fmla="*/ 587913 h 2193995"/>
+              <a:gd name="connsiteX75" fmla="*/ 2528159 w 2528159"/>
+              <a:gd name="connsiteY75" fmla="*/ 576154 h 2193995"/>
+            </a:gdLst>
+            <a:ahLst/>
+            <a:cxnLst>
+              <a:cxn ang="0">
+                <a:pos x="connsiteX0" y="connsiteY0"/>
+              </a:cxn>
+              <a:cxn ang="0">
+                <a:pos x="connsiteX1" y="connsiteY1"/>
+              </a:cxn>
+              <a:cxn ang="0">
+                <a:pos x="connsiteX2" y="connsiteY2"/>
+              </a:cxn>
+              <a:cxn ang="0">
+                <a:pos x="connsiteX3" y="connsiteY3"/>
+              </a:cxn>
+              <a:cxn ang="0">
+                <a:pos x="connsiteX4" y="connsiteY4"/>
+              </a:cxn>
+              <a:cxn ang="0">
+                <a:pos x="connsiteX5" y="connsiteY5"/>
+              </a:cxn>
+              <a:cxn ang="0">
+                <a:pos x="connsiteX6" y="connsiteY6"/>
+              </a:cxn>
+              <a:cxn ang="0">
+                <a:pos x="connsiteX7" y="connsiteY7"/>
+              </a:cxn>
+              <a:cxn ang="0">
+                <a:pos x="connsiteX8" y="connsiteY8"/>
+              </a:cxn>
+              <a:cxn ang="0">
+                <a:pos x="connsiteX9" y="connsiteY9"/>
+              </a:cxn>
+              <a:cxn ang="0">
+                <a:pos x="connsiteX10" y="connsiteY10"/>
+              </a:cxn>
+              <a:cxn ang="0">
+                <a:pos x="connsiteX11" y="connsiteY11"/>
+              </a:cxn>
+              <a:cxn ang="0">
+                <a:pos x="connsiteX12" y="connsiteY12"/>
+              </a:cxn>
+              <a:cxn ang="0">
+                <a:pos x="connsiteX13" y="connsiteY13"/>
+              </a:cxn>
+              <a:cxn ang="0">
+                <a:pos x="connsiteX14" y="connsiteY14"/>
+              </a:cxn>
+              <a:cxn ang="0">
+                <a:pos x="connsiteX15" y="connsiteY15"/>
+              </a:cxn>
+              <a:cxn ang="0">
+                <a:pos x="connsiteX16" y="connsiteY16"/>
+              </a:cxn>
+              <a:cxn ang="0">
+                <a:pos x="connsiteX17" y="connsiteY17"/>
+              </a:cxn>
+              <a:cxn ang="0">
+                <a:pos x="connsiteX18" y="connsiteY18"/>
+              </a:cxn>
+              <a:cxn ang="0">
+                <a:pos x="connsiteX19" y="connsiteY19"/>
+              </a:cxn>
+              <a:cxn ang="0">
+                <a:pos x="connsiteX20" y="connsiteY20"/>
+              </a:cxn>
+              <a:cxn ang="0">
+                <a:pos x="connsiteX21" y="connsiteY21"/>
+              </a:cxn>
+              <a:cxn ang="0">
+                <a:pos x="connsiteX22" y="connsiteY22"/>
+              </a:cxn>
+              <a:cxn ang="0">
+                <a:pos x="connsiteX23" y="connsiteY23"/>
+              </a:cxn>
+              <a:cxn ang="0">
+                <a:pos x="connsiteX24" y="connsiteY24"/>
+              </a:cxn>
+              <a:cxn ang="0">
+                <a:pos x="connsiteX25" y="connsiteY25"/>
+              </a:cxn>
+              <a:cxn ang="0">
+                <a:pos x="connsiteX26" y="connsiteY26"/>
+              </a:cxn>
+              <a:cxn ang="0">
+                <a:pos x="connsiteX27" y="connsiteY27"/>
+              </a:cxn>
+              <a:cxn ang="0">
+                <a:pos x="connsiteX28" y="connsiteY28"/>
+              </a:cxn>
+              <a:cxn ang="0">
+                <a:pos x="connsiteX29" y="connsiteY29"/>
+              </a:cxn>
+              <a:cxn ang="0">
+                <a:pos x="connsiteX30" y="connsiteY30"/>
+              </a:cxn>
+              <a:cxn ang="0">
+                <a:pos x="connsiteX31" y="connsiteY31"/>
+              </a:cxn>
+              <a:cxn ang="0">
+                <a:pos x="connsiteX32" y="connsiteY32"/>
+              </a:cxn>
+              <a:cxn ang="0">
+                <a:pos x="connsiteX33" y="connsiteY33"/>
+              </a:cxn>
+              <a:cxn ang="0">
+                <a:pos x="connsiteX34" y="connsiteY34"/>
+              </a:cxn>
+              <a:cxn ang="0">
+                <a:pos x="connsiteX35" y="connsiteY35"/>
+              </a:cxn>
+              <a:cxn ang="0">
+                <a:pos x="connsiteX36" y="connsiteY36"/>
+              </a:cxn>
+              <a:cxn ang="0">
+                <a:pos x="connsiteX37" y="connsiteY37"/>
+              </a:cxn>
+              <a:cxn ang="0">
+                <a:pos x="connsiteX38" y="connsiteY38"/>
+              </a:cxn>
+              <a:cxn ang="0">
+                <a:pos x="connsiteX39" y="connsiteY39"/>
+              </a:cxn>
+              <a:cxn ang="0">
+                <a:pos x="connsiteX40" y="connsiteY40"/>
+              </a:cxn>
+              <a:cxn ang="0">
+                <a:pos x="connsiteX41" y="connsiteY41"/>
+              </a:cxn>
+              <a:cxn ang="0">
+                <a:pos x="connsiteX42" y="connsiteY42"/>
+              </a:cxn>
+              <a:cxn ang="0">
+                <a:pos x="connsiteX43" y="connsiteY43"/>
+              </a:cxn>
+              <a:cxn ang="0">
+                <a:pos x="connsiteX44" y="connsiteY44"/>
+              </a:cxn>
+              <a:cxn ang="0">
+                <a:pos x="connsiteX45" y="connsiteY45"/>
+              </a:cxn>
+              <a:cxn ang="0">
+                <a:pos x="connsiteX46" y="connsiteY46"/>
+              </a:cxn>
+              <a:cxn ang="0">
+                <a:pos x="connsiteX47" y="connsiteY47"/>
+              </a:cxn>
+              <a:cxn ang="0">
+                <a:pos x="connsiteX48" y="connsiteY48"/>
+              </a:cxn>
+              <a:cxn ang="0">
+                <a:pos x="connsiteX49" y="connsiteY49"/>
+              </a:cxn>
+              <a:cxn ang="0">
+                <a:pos x="connsiteX50" y="connsiteY50"/>
+              </a:cxn>
+              <a:cxn ang="0">
+                <a:pos x="connsiteX51" y="connsiteY51"/>
+              </a:cxn>
+              <a:cxn ang="0">
+                <a:pos x="connsiteX52" y="connsiteY52"/>
+              </a:cxn>
+              <a:cxn ang="0">
+                <a:pos x="connsiteX53" y="connsiteY53"/>
+              </a:cxn>
+              <a:cxn ang="0">
+                <a:pos x="connsiteX54" y="connsiteY54"/>
+              </a:cxn>
+              <a:cxn ang="0">
+                <a:pos x="connsiteX55" y="connsiteY55"/>
+              </a:cxn>
+              <a:cxn ang="0">
+                <a:pos x="connsiteX56" y="connsiteY56"/>
+              </a:cxn>
+              <a:cxn ang="0">
+                <a:pos x="connsiteX57" y="connsiteY57"/>
+              </a:cxn>
+              <a:cxn ang="0">
+                <a:pos x="connsiteX58" y="connsiteY58"/>
+              </a:cxn>
+              <a:cxn ang="0">
+                <a:pos x="connsiteX59" y="connsiteY59"/>
+              </a:cxn>
+              <a:cxn ang="0">
+                <a:pos x="connsiteX60" y="connsiteY60"/>
+              </a:cxn>
+              <a:cxn ang="0">
+                <a:pos x="connsiteX61" y="connsiteY61"/>
+              </a:cxn>
+              <a:cxn ang="0">
+                <a:pos x="connsiteX62" y="connsiteY62"/>
+              </a:cxn>
+              <a:cxn ang="0">
+                <a:pos x="connsiteX63" y="connsiteY63"/>
+              </a:cxn>
+              <a:cxn ang="0">
+                <a:pos x="connsiteX64" y="connsiteY64"/>
+              </a:cxn>
+              <a:cxn ang="0">
+                <a:pos x="connsiteX65" y="connsiteY65"/>
+              </a:cxn>
+              <a:cxn ang="0">
+                <a:pos x="connsiteX66" y="connsiteY66"/>
+              </a:cxn>
+              <a:cxn ang="0">
+                <a:pos x="connsiteX67" y="connsiteY67"/>
+              </a:cxn>
+              <a:cxn ang="0">
+                <a:pos x="connsiteX68" y="connsiteY68"/>
+              </a:cxn>
+              <a:cxn ang="0">
+                <a:pos x="connsiteX69" y="connsiteY69"/>
+              </a:cxn>
+              <a:cxn ang="0">
+                <a:pos x="connsiteX70" y="connsiteY70"/>
+              </a:cxn>
+              <a:cxn ang="0">
+                <a:pos x="connsiteX71" y="connsiteY71"/>
+              </a:cxn>
+              <a:cxn ang="0">
+                <a:pos x="connsiteX72" y="connsiteY72"/>
+              </a:cxn>
+              <a:cxn ang="0">
+                <a:pos x="connsiteX73" y="connsiteY73"/>
+              </a:cxn>
+              <a:cxn ang="0">
+                <a:pos x="connsiteX74" y="connsiteY74"/>
+              </a:cxn>
+              <a:cxn ang="0">
+                <a:pos x="connsiteX75" y="connsiteY75"/>
+              </a:cxn>
+            </a:cxnLst>
+            <a:rect l="l" t="t" r="r" b="b"/>
+            <a:pathLst>
+              <a:path w="2528159" h="2193995">
+                <a:moveTo>
+                  <a:pt x="235177" y="823078"/>
+                </a:moveTo>
+                <a:cubicBezTo>
+                  <a:pt x="290052" y="811320"/>
+                  <a:pt x="349606" y="812900"/>
+                  <a:pt x="399802" y="787803"/>
+                </a:cubicBezTo>
+                <a:cubicBezTo>
+                  <a:pt x="418681" y="778364"/>
+                  <a:pt x="413880" y="747890"/>
+                  <a:pt x="423320" y="729012"/>
+                </a:cubicBezTo>
+                <a:cubicBezTo>
+                  <a:pt x="429640" y="716372"/>
+                  <a:pt x="440517" y="706377"/>
+                  <a:pt x="446837" y="693737"/>
+                </a:cubicBezTo>
+                <a:cubicBezTo>
+                  <a:pt x="452380" y="682651"/>
+                  <a:pt x="454146" y="670030"/>
+                  <a:pt x="458596" y="658462"/>
+                </a:cubicBezTo>
+                <a:cubicBezTo>
+                  <a:pt x="473751" y="619062"/>
+                  <a:pt x="489953" y="580074"/>
+                  <a:pt x="505632" y="540880"/>
+                </a:cubicBezTo>
+                <a:cubicBezTo>
+                  <a:pt x="521310" y="458572"/>
+                  <a:pt x="534490" y="375748"/>
+                  <a:pt x="552667" y="293956"/>
+                </a:cubicBezTo>
+                <a:cubicBezTo>
+                  <a:pt x="560506" y="258681"/>
+                  <a:pt x="569525" y="223648"/>
+                  <a:pt x="576185" y="188132"/>
+                </a:cubicBezTo>
+                <a:cubicBezTo>
+                  <a:pt x="581293" y="160892"/>
+                  <a:pt x="582508" y="133000"/>
+                  <a:pt x="587944" y="105824"/>
+                </a:cubicBezTo>
+                <a:cubicBezTo>
+                  <a:pt x="608785" y="1628"/>
+                  <a:pt x="582980" y="21252"/>
+                  <a:pt x="646738" y="0"/>
+                </a:cubicBezTo>
+                <a:cubicBezTo>
+                  <a:pt x="709452" y="7839"/>
+                  <a:pt x="778350" y="-4747"/>
+                  <a:pt x="834880" y="23517"/>
+                </a:cubicBezTo>
+                <a:cubicBezTo>
+                  <a:pt x="878616" y="45384"/>
+                  <a:pt x="995165" y="247701"/>
+                  <a:pt x="1011264" y="282198"/>
+                </a:cubicBezTo>
+                <a:cubicBezTo>
+                  <a:pt x="1043277" y="350793"/>
+                  <a:pt x="1065991" y="423355"/>
+                  <a:pt x="1093576" y="493847"/>
+                </a:cubicBezTo>
+                <a:cubicBezTo>
+                  <a:pt x="1101268" y="513502"/>
+                  <a:pt x="1117094" y="552638"/>
+                  <a:pt x="1117094" y="552638"/>
+                </a:cubicBezTo>
+                <a:cubicBezTo>
+                  <a:pt x="1137148" y="472421"/>
+                  <a:pt x="1121417" y="506819"/>
+                  <a:pt x="1140611" y="564396"/>
+                </a:cubicBezTo>
+                <a:cubicBezTo>
+                  <a:pt x="1146154" y="581025"/>
+                  <a:pt x="1156290" y="595751"/>
+                  <a:pt x="1164129" y="611429"/>
+                </a:cubicBezTo>
+                <a:cubicBezTo>
+                  <a:pt x="1175888" y="587913"/>
+                  <a:pt x="1192183" y="566161"/>
+                  <a:pt x="1199406" y="540880"/>
+                </a:cubicBezTo>
+                <a:cubicBezTo>
+                  <a:pt x="1215878" y="483231"/>
+                  <a:pt x="1220140" y="422671"/>
+                  <a:pt x="1234682" y="364506"/>
+                </a:cubicBezTo>
+                <a:cubicBezTo>
+                  <a:pt x="1249447" y="305449"/>
+                  <a:pt x="1241330" y="332804"/>
+                  <a:pt x="1258200" y="282198"/>
+                </a:cubicBezTo>
+                <a:cubicBezTo>
+                  <a:pt x="1326988" y="350982"/>
+                  <a:pt x="1267840" y="282106"/>
+                  <a:pt x="1328753" y="411539"/>
+                </a:cubicBezTo>
+                <a:cubicBezTo>
+                  <a:pt x="1369020" y="497101"/>
+                  <a:pt x="1387048" y="522034"/>
+                  <a:pt x="1446342" y="587913"/>
+                </a:cubicBezTo>
+                <a:cubicBezTo>
+                  <a:pt x="1461175" y="604393"/>
+                  <a:pt x="1474576" y="623195"/>
+                  <a:pt x="1493378" y="634946"/>
+                </a:cubicBezTo>
+                <a:cubicBezTo>
+                  <a:pt x="1507083" y="643511"/>
+                  <a:pt x="1524735" y="642785"/>
+                  <a:pt x="1540413" y="646704"/>
+                </a:cubicBezTo>
+                <a:cubicBezTo>
+                  <a:pt x="1552172" y="634946"/>
+                  <a:pt x="1566465" y="625265"/>
+                  <a:pt x="1575690" y="611429"/>
+                </a:cubicBezTo>
+                <a:cubicBezTo>
+                  <a:pt x="1582565" y="601116"/>
+                  <a:pt x="1581906" y="587240"/>
+                  <a:pt x="1587449" y="576154"/>
+                </a:cubicBezTo>
+                <a:cubicBezTo>
+                  <a:pt x="1597670" y="555713"/>
+                  <a:pt x="1610966" y="536960"/>
+                  <a:pt x="1622725" y="517363"/>
+                </a:cubicBezTo>
+                <a:lnTo>
+                  <a:pt x="1740314" y="529121"/>
+                </a:lnTo>
+                <a:cubicBezTo>
+                  <a:pt x="1761726" y="541611"/>
+                  <a:pt x="1756614" y="575956"/>
+                  <a:pt x="1763832" y="599671"/>
+                </a:cubicBezTo>
+                <a:cubicBezTo>
+                  <a:pt x="1784055" y="666114"/>
+                  <a:pt x="1822626" y="799561"/>
+                  <a:pt x="1822626" y="799561"/>
+                </a:cubicBezTo>
+                <a:cubicBezTo>
+                  <a:pt x="1775591" y="893627"/>
+                  <a:pt x="1749456" y="1001475"/>
+                  <a:pt x="1681520" y="1081759"/>
+                </a:cubicBezTo>
+                <a:cubicBezTo>
+                  <a:pt x="1584846" y="1196004"/>
+                  <a:pt x="1162925" y="1404959"/>
+                  <a:pt x="1070058" y="1458023"/>
+                </a:cubicBezTo>
+                <a:cubicBezTo>
+                  <a:pt x="701358" y="1668698"/>
+                  <a:pt x="618509" y="1751512"/>
+                  <a:pt x="293972" y="1881320"/>
+                </a:cubicBezTo>
+                <a:cubicBezTo>
+                  <a:pt x="255977" y="1896517"/>
+                  <a:pt x="216510" y="1908570"/>
+                  <a:pt x="176383" y="1916595"/>
+                </a:cubicBezTo>
+                <a:cubicBezTo>
+                  <a:pt x="137756" y="1924320"/>
+                  <a:pt x="97990" y="1924434"/>
+                  <a:pt x="58794" y="1928353"/>
+                </a:cubicBezTo>
+                <a:cubicBezTo>
+                  <a:pt x="39196" y="1932272"/>
+                  <a:pt x="0" y="1920125"/>
+                  <a:pt x="0" y="1940111"/>
+                </a:cubicBezTo>
+                <a:cubicBezTo>
+                  <a:pt x="0" y="1965208"/>
+                  <a:pt x="38159" y="1972859"/>
+                  <a:pt x="58794" y="1987144"/>
+                </a:cubicBezTo>
+                <a:cubicBezTo>
+                  <a:pt x="89197" y="2008191"/>
+                  <a:pt x="118810" y="2031529"/>
+                  <a:pt x="152865" y="2045936"/>
+                </a:cubicBezTo>
+                <a:cubicBezTo>
+                  <a:pt x="314609" y="2114363"/>
+                  <a:pt x="319305" y="2110025"/>
+                  <a:pt x="446837" y="2128243"/>
+                </a:cubicBezTo>
+                <a:cubicBezTo>
+                  <a:pt x="689842" y="2219366"/>
+                  <a:pt x="614751" y="2204491"/>
+                  <a:pt x="1081817" y="2151760"/>
+                </a:cubicBezTo>
+                <a:cubicBezTo>
+                  <a:pt x="1148372" y="2144246"/>
+                  <a:pt x="1215087" y="2119618"/>
+                  <a:pt x="1269959" y="2081210"/>
+                </a:cubicBezTo>
+                <a:cubicBezTo>
+                  <a:pt x="1480343" y="1933950"/>
+                  <a:pt x="1293643" y="2060530"/>
+                  <a:pt x="1505137" y="1928353"/>
+                </a:cubicBezTo>
+                <a:cubicBezTo>
+                  <a:pt x="1591658" y="1874280"/>
+                  <a:pt x="1553313" y="1895622"/>
+                  <a:pt x="1622725" y="1846045"/>
+                </a:cubicBezTo>
+                <a:cubicBezTo>
+                  <a:pt x="1634225" y="1837831"/>
+                  <a:pt x="1671409" y="1826998"/>
+                  <a:pt x="1658002" y="1822529"/>
+                </a:cubicBezTo>
+                <a:cubicBezTo>
+                  <a:pt x="1635383" y="1814990"/>
+                  <a:pt x="1610967" y="1830368"/>
+                  <a:pt x="1587449" y="1834287"/>
+                </a:cubicBezTo>
+                <a:cubicBezTo>
+                  <a:pt x="1556092" y="1865642"/>
+                  <a:pt x="1529542" y="1902690"/>
+                  <a:pt x="1493378" y="1928353"/>
+                </a:cubicBezTo>
+                <a:cubicBezTo>
+                  <a:pt x="1263247" y="2091663"/>
+                  <a:pt x="1294821" y="2071401"/>
+                  <a:pt x="1105335" y="2128243"/>
+                </a:cubicBezTo>
+                <a:cubicBezTo>
+                  <a:pt x="1026942" y="2116485"/>
+                  <a:pt x="943977" y="2121853"/>
+                  <a:pt x="870157" y="2092969"/>
+                </a:cubicBezTo>
+                <a:cubicBezTo>
+                  <a:pt x="845672" y="2083388"/>
+                  <a:pt x="844645" y="2046831"/>
+                  <a:pt x="834880" y="2022419"/>
+                </a:cubicBezTo>
+                <a:cubicBezTo>
+                  <a:pt x="821070" y="1987896"/>
+                  <a:pt x="811363" y="1951870"/>
+                  <a:pt x="799604" y="1916595"/>
+                </a:cubicBezTo>
+                <a:cubicBezTo>
+                  <a:pt x="774949" y="1620755"/>
+                  <a:pt x="806285" y="1905194"/>
+                  <a:pt x="764327" y="1681430"/>
+                </a:cubicBezTo>
+                <a:cubicBezTo>
+                  <a:pt x="758503" y="1650372"/>
+                  <a:pt x="757373" y="1618596"/>
+                  <a:pt x="752568" y="1587364"/>
+                </a:cubicBezTo>
+                <a:cubicBezTo>
+                  <a:pt x="749529" y="1567611"/>
+                  <a:pt x="744729" y="1548170"/>
+                  <a:pt x="740809" y="1528573"/>
+                </a:cubicBezTo>
+                <a:cubicBezTo>
+                  <a:pt x="801440" y="1407319"/>
+                  <a:pt x="773648" y="1427146"/>
+                  <a:pt x="1046540" y="1493298"/>
+                </a:cubicBezTo>
+                <a:cubicBezTo>
+                  <a:pt x="1089972" y="1503826"/>
+                  <a:pt x="1115859" y="1549835"/>
+                  <a:pt x="1152370" y="1575606"/>
+                </a:cubicBezTo>
+                <a:cubicBezTo>
+                  <a:pt x="1291365" y="1673715"/>
+                  <a:pt x="1202436" y="1596871"/>
+                  <a:pt x="1352271" y="1693188"/>
+                </a:cubicBezTo>
+                <a:cubicBezTo>
+                  <a:pt x="1373383" y="1706759"/>
+                  <a:pt x="1390988" y="1725163"/>
+                  <a:pt x="1411066" y="1740221"/>
+                </a:cubicBezTo>
+                <a:cubicBezTo>
+                  <a:pt x="1422372" y="1748700"/>
+                  <a:pt x="1434583" y="1755899"/>
+                  <a:pt x="1446342" y="1763738"/>
+                </a:cubicBezTo>
+                <a:cubicBezTo>
+                  <a:pt x="1483384" y="1578535"/>
+                  <a:pt x="1475609" y="1640160"/>
+                  <a:pt x="1446342" y="1281649"/>
+                </a:cubicBezTo>
+                <a:cubicBezTo>
+                  <a:pt x="1442087" y="1229531"/>
+                  <a:pt x="1422023" y="1179923"/>
+                  <a:pt x="1411066" y="1128792"/>
+                </a:cubicBezTo>
+                <a:cubicBezTo>
+                  <a:pt x="1398503" y="1070167"/>
+                  <a:pt x="1341406" y="903301"/>
+                  <a:pt x="1375789" y="952418"/>
+                </a:cubicBezTo>
+                <a:cubicBezTo>
+                  <a:pt x="1500112" y="1130013"/>
+                  <a:pt x="1405698" y="1017021"/>
+                  <a:pt x="1528654" y="1128792"/>
+                </a:cubicBezTo>
+                <a:cubicBezTo>
+                  <a:pt x="1549162" y="1147435"/>
+                  <a:pt x="1564743" y="1171690"/>
+                  <a:pt x="1587449" y="1187583"/>
+                </a:cubicBezTo>
+                <a:cubicBezTo>
+                  <a:pt x="1600235" y="1196533"/>
+                  <a:pt x="1659994" y="1215683"/>
+                  <a:pt x="1681520" y="1222858"/>
+                </a:cubicBezTo>
+                <a:cubicBezTo>
+                  <a:pt x="1697198" y="1215019"/>
+                  <a:pt x="1721650" y="1215453"/>
+                  <a:pt x="1728555" y="1199342"/>
+                </a:cubicBezTo>
+                <a:cubicBezTo>
+                  <a:pt x="1787559" y="1061672"/>
+                  <a:pt x="1720191" y="1091780"/>
+                  <a:pt x="1775591" y="999451"/>
+                </a:cubicBezTo>
+                <a:cubicBezTo>
+                  <a:pt x="1788504" y="977931"/>
+                  <a:pt x="1806099" y="959547"/>
+                  <a:pt x="1822626" y="940660"/>
+                </a:cubicBezTo>
+                <a:cubicBezTo>
+                  <a:pt x="1851704" y="907430"/>
+                  <a:pt x="1874374" y="888920"/>
+                  <a:pt x="1916697" y="870111"/>
+                </a:cubicBezTo>
+                <a:cubicBezTo>
+                  <a:pt x="1931465" y="863548"/>
+                  <a:pt x="1948601" y="864026"/>
+                  <a:pt x="1963733" y="858352"/>
+                </a:cubicBezTo>
+                <a:cubicBezTo>
+                  <a:pt x="1980146" y="852197"/>
+                  <a:pt x="1995090" y="842675"/>
+                  <a:pt x="2010769" y="834836"/>
+                </a:cubicBezTo>
+                <a:cubicBezTo>
+                  <a:pt x="2014984" y="824300"/>
+                  <a:pt x="2039016" y="752512"/>
+                  <a:pt x="2057804" y="740770"/>
+                </a:cubicBezTo>
+                <a:cubicBezTo>
+                  <a:pt x="2078826" y="727632"/>
+                  <a:pt x="2104839" y="725092"/>
+                  <a:pt x="2128357" y="717253"/>
+                </a:cubicBezTo>
+                <a:cubicBezTo>
+                  <a:pt x="2140116" y="713334"/>
+                  <a:pt x="2152547" y="711038"/>
+                  <a:pt x="2163634" y="705495"/>
+                </a:cubicBezTo>
+                <a:cubicBezTo>
+                  <a:pt x="2221756" y="676436"/>
+                  <a:pt x="2194040" y="687522"/>
+                  <a:pt x="2245946" y="670220"/>
+                </a:cubicBezTo>
+                <a:cubicBezTo>
+                  <a:pt x="2261625" y="658462"/>
+                  <a:pt x="2275850" y="644463"/>
+                  <a:pt x="2292982" y="634946"/>
+                </a:cubicBezTo>
+                <a:cubicBezTo>
+                  <a:pt x="2347685" y="604557"/>
+                  <a:pt x="2383517" y="608690"/>
+                  <a:pt x="2445847" y="587913"/>
+                </a:cubicBezTo>
+                <a:cubicBezTo>
+                  <a:pt x="2495998" y="571196"/>
+                  <a:pt x="2468729" y="576154"/>
+                  <a:pt x="2528159" y="576154"/>
+                </a:cubicBezTo>
+              </a:path>
+            </a:pathLst>
+          </a:custGeom>
+        </p:spPr>
+        <p:style>
+          <a:lnRef idx="2">
+            <a:schemeClr val="accent1"/>
+          </a:lnRef>
+          <a:fillRef idx="0">
+            <a:schemeClr val="accent1"/>
+          </a:fillRef>
+          <a:effectRef idx="1">
+            <a:schemeClr val="accent1"/>
+          </a:effectRef>
+          <a:fontRef idx="minor">
+            <a:schemeClr val="tx1"/>
+          </a:fontRef>
+        </p:style>
+        <p:txBody>
+          <a:bodyPr rtlCol="0" anchor="ctr"/>
+          <a:lstStyle/>
+          <a:p>
+            <a:pPr algn="ctr"/>
+            <a:endParaRPr lang="en-US"/>
+          </a:p>
+        </p:txBody>
+      </p:sp>
+      <p:sp>
+        <p:nvSpPr>
+          <p:cNvPr id="5" name="Freeform 4"/>
+          <p:cNvSpPr/>
+          <p:nvPr/>
+        </p:nvSpPr>
+        <p:spPr>
+          <a:xfrm>
+            <a:off x="611462" y="2786706"/>
+            <a:ext cx="764327" cy="1340440"/>
+          </a:xfrm>
+          <a:custGeom>
+            <a:avLst/>
+            <a:gdLst>
+              <a:gd name="connsiteX0" fmla="*/ 329248 w 764327"/>
+              <a:gd name="connsiteY0" fmla="*/ 858352 h 1340440"/>
+              <a:gd name="connsiteX1" fmla="*/ 376284 w 764327"/>
+              <a:gd name="connsiteY1" fmla="*/ 787802 h 1340440"/>
+              <a:gd name="connsiteX2" fmla="*/ 482114 w 764327"/>
+              <a:gd name="connsiteY2" fmla="*/ 587912 h 1340440"/>
+              <a:gd name="connsiteX3" fmla="*/ 540908 w 764327"/>
+              <a:gd name="connsiteY3" fmla="*/ 446813 h 1340440"/>
+              <a:gd name="connsiteX4" fmla="*/ 576185 w 764327"/>
+              <a:gd name="connsiteY4" fmla="*/ 352747 h 1340440"/>
+              <a:gd name="connsiteX5" fmla="*/ 670256 w 764327"/>
+              <a:gd name="connsiteY5" fmla="*/ 164615 h 1340440"/>
+              <a:gd name="connsiteX6" fmla="*/ 682015 w 764327"/>
+              <a:gd name="connsiteY6" fmla="*/ 94066 h 1340440"/>
+              <a:gd name="connsiteX7" fmla="*/ 729050 w 764327"/>
+              <a:gd name="connsiteY7" fmla="*/ 0 h 1340440"/>
+              <a:gd name="connsiteX8" fmla="*/ 717292 w 764327"/>
+              <a:gd name="connsiteY8" fmla="*/ 199890 h 1340440"/>
+              <a:gd name="connsiteX9" fmla="*/ 693774 w 764327"/>
+              <a:gd name="connsiteY9" fmla="*/ 258681 h 1340440"/>
+              <a:gd name="connsiteX10" fmla="*/ 682015 w 764327"/>
+              <a:gd name="connsiteY10" fmla="*/ 388022 h 1340440"/>
+              <a:gd name="connsiteX11" fmla="*/ 670256 w 764327"/>
+              <a:gd name="connsiteY11" fmla="*/ 435055 h 1340440"/>
+              <a:gd name="connsiteX12" fmla="*/ 682015 w 764327"/>
+              <a:gd name="connsiteY12" fmla="*/ 376264 h 1340440"/>
+              <a:gd name="connsiteX13" fmla="*/ 705533 w 764327"/>
+              <a:gd name="connsiteY13" fmla="*/ 493846 h 1340440"/>
+              <a:gd name="connsiteX14" fmla="*/ 599703 w 764327"/>
+              <a:gd name="connsiteY14" fmla="*/ 975934 h 1340440"/>
+              <a:gd name="connsiteX15" fmla="*/ 493873 w 764327"/>
+              <a:gd name="connsiteY15" fmla="*/ 1093517 h 1340440"/>
+              <a:gd name="connsiteX16" fmla="*/ 388043 w 764327"/>
+              <a:gd name="connsiteY16" fmla="*/ 1152308 h 1340440"/>
+              <a:gd name="connsiteX17" fmla="*/ 199901 w 764327"/>
+              <a:gd name="connsiteY17" fmla="*/ 1175825 h 1340440"/>
+              <a:gd name="connsiteX18" fmla="*/ 11759 w 764327"/>
+              <a:gd name="connsiteY18" fmla="*/ 1081759 h 1340440"/>
+              <a:gd name="connsiteX19" fmla="*/ 0 w 764327"/>
+              <a:gd name="connsiteY19" fmla="*/ 1034726 h 1340440"/>
+              <a:gd name="connsiteX20" fmla="*/ 105830 w 764327"/>
+              <a:gd name="connsiteY20" fmla="*/ 670220 h 1340440"/>
+              <a:gd name="connsiteX21" fmla="*/ 188142 w 764327"/>
+              <a:gd name="connsiteY21" fmla="*/ 611429 h 1340440"/>
+              <a:gd name="connsiteX22" fmla="*/ 388043 w 764327"/>
+              <a:gd name="connsiteY22" fmla="*/ 717253 h 1340440"/>
+              <a:gd name="connsiteX23" fmla="*/ 576185 w 764327"/>
+              <a:gd name="connsiteY23" fmla="*/ 1034726 h 1340440"/>
+              <a:gd name="connsiteX24" fmla="*/ 646738 w 764327"/>
+              <a:gd name="connsiteY24" fmla="*/ 1152308 h 1340440"/>
+              <a:gd name="connsiteX25" fmla="*/ 693774 w 764327"/>
+              <a:gd name="connsiteY25" fmla="*/ 1246374 h 1340440"/>
+              <a:gd name="connsiteX26" fmla="*/ 740809 w 764327"/>
+              <a:gd name="connsiteY26" fmla="*/ 1305165 h 1340440"/>
+              <a:gd name="connsiteX27" fmla="*/ 764327 w 764327"/>
+              <a:gd name="connsiteY27" fmla="*/ 1340440 h 1340440"/>
+            </a:gdLst>
+            <a:ahLst/>
+            <a:cxnLst>
+              <a:cxn ang="0">
+                <a:pos x="connsiteX0" y="connsiteY0"/>
+              </a:cxn>
+              <a:cxn ang="0">
+                <a:pos x="connsiteX1" y="connsiteY1"/>
+              </a:cxn>
+              <a:cxn ang="0">
+                <a:pos x="connsiteX2" y="connsiteY2"/>
+              </a:cxn>
+              <a:cxn ang="0">
+                <a:pos x="connsiteX3" y="connsiteY3"/>
+              </a:cxn>
+              <a:cxn ang="0">
+                <a:pos x="connsiteX4" y="connsiteY4"/>
+              </a:cxn>
+              <a:cxn ang="0">
+                <a:pos x="connsiteX5" y="connsiteY5"/>
+              </a:cxn>
+              <a:cxn ang="0">
+                <a:pos x="connsiteX6" y="connsiteY6"/>
+              </a:cxn>
+              <a:cxn ang="0">
+                <a:pos x="connsiteX7" y="connsiteY7"/>
+              </a:cxn>
+              <a:cxn ang="0">
+                <a:pos x="connsiteX8" y="connsiteY8"/>
+              </a:cxn>
+              <a:cxn ang="0">
+                <a:pos x="connsiteX9" y="connsiteY9"/>
+              </a:cxn>
+              <a:cxn ang="0">
+                <a:pos x="connsiteX10" y="connsiteY10"/>
+              </a:cxn>
+              <a:cxn ang="0">
+                <a:pos x="connsiteX11" y="connsiteY11"/>
+              </a:cxn>
+              <a:cxn ang="0">
+                <a:pos x="connsiteX12" y="connsiteY12"/>
+              </a:cxn>
+              <a:cxn ang="0">
+                <a:pos x="connsiteX13" y="connsiteY13"/>
+              </a:cxn>
+              <a:cxn ang="0">
+                <a:pos x="connsiteX14" y="connsiteY14"/>
+              </a:cxn>
+              <a:cxn ang="0">
+                <a:pos x="connsiteX15" y="connsiteY15"/>
+              </a:cxn>
+              <a:cxn ang="0">
+                <a:pos x="connsiteX16" y="connsiteY16"/>
+              </a:cxn>
+              <a:cxn ang="0">
+                <a:pos x="connsiteX17" y="connsiteY17"/>
+              </a:cxn>
+              <a:cxn ang="0">
+                <a:pos x="connsiteX18" y="connsiteY18"/>
+              </a:cxn>
+              <a:cxn ang="0">
+                <a:pos x="connsiteX19" y="connsiteY19"/>
+              </a:cxn>
+              <a:cxn ang="0">
+                <a:pos x="connsiteX20" y="connsiteY20"/>
+              </a:cxn>
+              <a:cxn ang="0">
+                <a:pos x="connsiteX21" y="connsiteY21"/>
+              </a:cxn>
+              <a:cxn ang="0">
+                <a:pos x="connsiteX22" y="connsiteY22"/>
+              </a:cxn>
+              <a:cxn ang="0">
+                <a:pos x="connsiteX23" y="connsiteY23"/>
+              </a:cxn>
+              <a:cxn ang="0">
+                <a:pos x="connsiteX24" y="connsiteY24"/>
+              </a:cxn>
+              <a:cxn ang="0">
+                <a:pos x="connsiteX25" y="connsiteY25"/>
+              </a:cxn>
+              <a:cxn ang="0">
+                <a:pos x="connsiteX26" y="connsiteY26"/>
+              </a:cxn>
+              <a:cxn ang="0">
+                <a:pos x="connsiteX27" y="connsiteY27"/>
+              </a:cxn>
+            </a:cxnLst>
+            <a:rect l="l" t="t" r="r" b="b"/>
+            <a:pathLst>
+              <a:path w="764327" h="1340440">
+                <a:moveTo>
+                  <a:pt x="329248" y="858352"/>
+                </a:moveTo>
+                <a:cubicBezTo>
+                  <a:pt x="344927" y="834835"/>
+                  <a:pt x="361470" y="811873"/>
+                  <a:pt x="376284" y="787802"/>
+                </a:cubicBezTo>
+                <a:cubicBezTo>
+                  <a:pt x="411824" y="730054"/>
+                  <a:pt x="455282" y="646940"/>
+                  <a:pt x="482114" y="587912"/>
+                </a:cubicBezTo>
+                <a:cubicBezTo>
+                  <a:pt x="503199" y="541527"/>
+                  <a:pt x="521984" y="494121"/>
+                  <a:pt x="540908" y="446813"/>
+                </a:cubicBezTo>
+                <a:cubicBezTo>
+                  <a:pt x="553346" y="415721"/>
+                  <a:pt x="562232" y="383189"/>
+                  <a:pt x="576185" y="352747"/>
+                </a:cubicBezTo>
+                <a:cubicBezTo>
+                  <a:pt x="605399" y="289010"/>
+                  <a:pt x="670256" y="164615"/>
+                  <a:pt x="670256" y="164615"/>
+                </a:cubicBezTo>
+                <a:cubicBezTo>
+                  <a:pt x="674176" y="141099"/>
+                  <a:pt x="673996" y="116518"/>
+                  <a:pt x="682015" y="94066"/>
+                </a:cubicBezTo>
+                <a:cubicBezTo>
+                  <a:pt x="693806" y="61052"/>
+                  <a:pt x="729050" y="0"/>
+                  <a:pt x="729050" y="0"/>
+                </a:cubicBezTo>
+                <a:cubicBezTo>
+                  <a:pt x="725131" y="66630"/>
+                  <a:pt x="726310" y="133757"/>
+                  <a:pt x="717292" y="199890"/>
+                </a:cubicBezTo>
+                <a:cubicBezTo>
+                  <a:pt x="714440" y="220803"/>
+                  <a:pt x="697664" y="237936"/>
+                  <a:pt x="693774" y="258681"/>
+                </a:cubicBezTo>
+                <a:cubicBezTo>
+                  <a:pt x="685795" y="301231"/>
+                  <a:pt x="687737" y="345110"/>
+                  <a:pt x="682015" y="388022"/>
+                </a:cubicBezTo>
+                <a:cubicBezTo>
+                  <a:pt x="679879" y="404040"/>
+                  <a:pt x="670256" y="451215"/>
+                  <a:pt x="670256" y="435055"/>
+                </a:cubicBezTo>
+                <a:cubicBezTo>
+                  <a:pt x="670256" y="415070"/>
+                  <a:pt x="678095" y="395861"/>
+                  <a:pt x="682015" y="376264"/>
+                </a:cubicBezTo>
+                <a:cubicBezTo>
+                  <a:pt x="689854" y="415458"/>
+                  <a:pt x="707634" y="453931"/>
+                  <a:pt x="705533" y="493846"/>
+                </a:cubicBezTo>
+                <a:cubicBezTo>
+                  <a:pt x="699673" y="605173"/>
+                  <a:pt x="674215" y="853527"/>
+                  <a:pt x="599703" y="975934"/>
+                </a:cubicBezTo>
+                <a:cubicBezTo>
+                  <a:pt x="572284" y="1020977"/>
+                  <a:pt x="534384" y="1059760"/>
+                  <a:pt x="493873" y="1093517"/>
+                </a:cubicBezTo>
+                <a:cubicBezTo>
+                  <a:pt x="462871" y="1119351"/>
+                  <a:pt x="425828" y="1138139"/>
+                  <a:pt x="388043" y="1152308"/>
+                </a:cubicBezTo>
+                <a:cubicBezTo>
+                  <a:pt x="373918" y="1157605"/>
+                  <a:pt x="200958" y="1175708"/>
+                  <a:pt x="199901" y="1175825"/>
+                </a:cubicBezTo>
+                <a:cubicBezTo>
+                  <a:pt x="20326" y="1150172"/>
+                  <a:pt x="48518" y="1204283"/>
+                  <a:pt x="11759" y="1081759"/>
+                </a:cubicBezTo>
+                <a:cubicBezTo>
+                  <a:pt x="7115" y="1066280"/>
+                  <a:pt x="3920" y="1050404"/>
+                  <a:pt x="0" y="1034726"/>
+                </a:cubicBezTo>
+                <a:cubicBezTo>
+                  <a:pt x="34723" y="733803"/>
+                  <a:pt x="-42319" y="784174"/>
+                  <a:pt x="105830" y="670220"/>
+                </a:cubicBezTo>
+                <a:cubicBezTo>
+                  <a:pt x="132556" y="649663"/>
+                  <a:pt x="160705" y="631026"/>
+                  <a:pt x="188142" y="611429"/>
+                </a:cubicBezTo>
+                <a:cubicBezTo>
+                  <a:pt x="254776" y="646704"/>
+                  <a:pt x="331571" y="667300"/>
+                  <a:pt x="388043" y="717253"/>
+                </a:cubicBezTo>
+                <a:cubicBezTo>
+                  <a:pt x="433853" y="757775"/>
+                  <a:pt x="543954" y="977705"/>
+                  <a:pt x="576185" y="1034726"/>
+                </a:cubicBezTo>
+                <a:cubicBezTo>
+                  <a:pt x="598677" y="1074517"/>
+                  <a:pt x="624539" y="1112352"/>
+                  <a:pt x="646738" y="1152308"/>
+                </a:cubicBezTo>
+                <a:cubicBezTo>
+                  <a:pt x="663764" y="1182953"/>
+                  <a:pt x="675400" y="1216518"/>
+                  <a:pt x="693774" y="1246374"/>
+                </a:cubicBezTo>
+                <a:cubicBezTo>
+                  <a:pt x="706928" y="1267748"/>
+                  <a:pt x="725750" y="1285088"/>
+                  <a:pt x="740809" y="1305165"/>
+                </a:cubicBezTo>
+                <a:cubicBezTo>
+                  <a:pt x="749288" y="1316470"/>
+                  <a:pt x="764327" y="1340440"/>
+                  <a:pt x="764327" y="1340440"/>
+                </a:cubicBezTo>
+              </a:path>
+            </a:pathLst>
+          </a:custGeom>
+        </p:spPr>
+        <p:style>
+          <a:lnRef idx="2">
+            <a:schemeClr val="accent1"/>
+          </a:lnRef>
+          <a:fillRef idx="0">
+            <a:schemeClr val="accent1"/>
+          </a:fillRef>
+          <a:effectRef idx="1">
+            <a:schemeClr val="accent1"/>
+          </a:effectRef>
+          <a:fontRef idx="minor">
+            <a:schemeClr val="tx1"/>
+          </a:fontRef>
+        </p:style>
+        <p:txBody>
+          <a:bodyPr rtlCol="0" anchor="ctr"/>
+          <a:lstStyle/>
+          <a:p>
+            <a:pPr algn="ctr"/>
+            <a:endParaRPr lang="en-US"/>
+          </a:p>
+        </p:txBody>
+      </p:sp>
+    </p:spTree>
+    <p:extLst>
+      <p:ext uri="{BB962C8B-B14F-4D97-AF65-F5344CB8AC3E}">
+        <p14:creationId xmlns:p14="http://schemas.microsoft.com/office/powerpoint/2010/main" val="4043001375"/>
+      </p:ext>
+    </p:extLst>
+  </p:cSld>
+  <p:clrMapOvr>
+    <a:masterClrMapping/>
+  </p:clrMapOvr>
 </p:sld>
 </file>
 
@@ -9762,7 +16997,19 @@
               <a:pPr algn="ctr"/>
               <a:r>
                 <a:rPr lang="en-US" b="1" dirty="0" smtClean="0"/>
-                <a:t>Server with Virtualization capable CPU</a:t>
+                <a:t>Server </a:t>
+              </a:r>
+              <a:r>
+                <a:rPr lang="en-US" b="1" smtClean="0"/>
+                <a:t>with </a:t>
+              </a:r>
+              <a:r>
+                <a:rPr lang="en-US" b="1" smtClean="0"/>
+                <a:t>virtualization </a:t>
+              </a:r>
+              <a:r>
+                <a:rPr lang="en-US" b="1" dirty="0" smtClean="0"/>
+                <a:t>capable CPU</a:t>
               </a:r>
             </a:p>
             <a:p>
@@ -9843,7 +17090,11 @@
             <a:pPr algn="ctr"/>
             <a:r>
               <a:rPr lang="en-US" b="1" dirty="0" smtClean="0"/>
-              <a:t>Linux Kernel</a:t>
+              <a:t>Linux </a:t>
+            </a:r>
+            <a:r>
+              <a:rPr lang="en-US" b="1" dirty="0" smtClean="0"/>
+              <a:t>kernel</a:t>
             </a:r>
             <a:endParaRPr lang="en-US" b="1" dirty="0"/>
           </a:p>
@@ -10085,8 +17336,8 @@
         </p:nvSpPr>
         <p:spPr>
           <a:xfrm>
-            <a:off x="5109123" y="2097090"/>
-            <a:ext cx="1567068" cy="584776"/>
+            <a:off x="5109123" y="1979510"/>
+            <a:ext cx="1567068" cy="830997"/>
           </a:xfrm>
           <a:prstGeom prst="rect">
             <a:avLst/>
@@ -10102,7 +17353,11 @@
             <a:pPr algn="ctr"/>
             <a:r>
               <a:rPr lang="en-US" sz="1600" b="1" dirty="0" smtClean="0"/>
-              <a:t>User-space Applications</a:t>
+              <a:t>User-space </a:t>
+            </a:r>
+            <a:r>
+              <a:rPr lang="en-US" sz="1600" b="1" dirty="0" smtClean="0"/>
+              <a:t>applications (host)</a:t>
             </a:r>
             <a:endParaRPr lang="en-US" sz="1600" b="1" dirty="0"/>
           </a:p>
@@ -10356,7 +17611,11 @@
             <a:pPr algn="ctr"/>
             <a:r>
               <a:rPr lang="en-US" b="1" dirty="0" smtClean="0"/>
-              <a:t>Virtual Hardware</a:t>
+              <a:t>Virtual </a:t>
+            </a:r>
+            <a:r>
+              <a:rPr lang="en-US" b="1" dirty="0" smtClean="0"/>
+              <a:t>hardware</a:t>
             </a:r>
             <a:endParaRPr lang="en-US" b="1" dirty="0"/>
           </a:p>
@@ -10441,7 +17700,11 @@
             <a:pPr algn="ctr"/>
             <a:r>
               <a:rPr lang="en-US" b="1" dirty="0" smtClean="0"/>
-              <a:t>Unmodified guest kernel</a:t>
+              <a:t>Unmodified guest </a:t>
+            </a:r>
+            <a:r>
+              <a:rPr lang="en-US" b="1" dirty="0" smtClean="0"/>
+              <a:t>OS</a:t>
             </a:r>
             <a:endParaRPr lang="en-US" b="1" dirty="0"/>
           </a:p>
@@ -10455,8 +17718,8 @@
         </p:nvSpPr>
         <p:spPr>
           <a:xfrm>
-            <a:off x="2111575" y="635033"/>
-            <a:ext cx="1358492" cy="369332"/>
+            <a:off x="2111575" y="482179"/>
+            <a:ext cx="1358492" cy="646331"/>
           </a:xfrm>
           <a:prstGeom prst="rect">
             <a:avLst/>
@@ -10472,7 +17735,7 @@
             <a:pPr algn="ctr"/>
             <a:r>
               <a:rPr lang="en-US" b="1" dirty="0" smtClean="0"/>
-              <a:t>Application</a:t>
+              <a:t>Guest application</a:t>
             </a:r>
             <a:endParaRPr lang="en-US" b="1" dirty="0"/>
           </a:p>
@@ -10620,7 +17883,11 @@
             <a:pPr algn="ctr"/>
             <a:r>
               <a:rPr lang="en-US" b="1" dirty="0" smtClean="0"/>
-              <a:t>Virtual Hardware</a:t>
+              <a:t>Virtual </a:t>
+            </a:r>
+            <a:r>
+              <a:rPr lang="en-US" b="1" dirty="0" smtClean="0"/>
+              <a:t>hardware</a:t>
             </a:r>
             <a:endParaRPr lang="en-US" b="1" dirty="0"/>
           </a:p>
@@ -10705,7 +17972,11 @@
             <a:pPr algn="ctr"/>
             <a:r>
               <a:rPr lang="en-US" b="1" dirty="0" smtClean="0"/>
-              <a:t>Unmodified guest kernel</a:t>
+              <a:t>Unmodified guest </a:t>
+            </a:r>
+            <a:r>
+              <a:rPr lang="en-US" b="1" dirty="0" smtClean="0"/>
+              <a:t>OS</a:t>
             </a:r>
             <a:endParaRPr lang="en-US" b="1" dirty="0"/>
           </a:p>
@@ -10713,14 +17984,14 @@
       </p:sp>
       <p:sp>
         <p:nvSpPr>
-          <p:cNvPr id="34" name="TextBox 33"/>
+          <p:cNvPr id="35" name="TextBox 34"/>
           <p:cNvSpPr txBox="1"/>
           <p:nvPr/>
         </p:nvSpPr>
         <p:spPr>
           <a:xfrm>
-            <a:off x="3504319" y="639753"/>
-            <a:ext cx="1358492" cy="369332"/>
+            <a:off x="3504319" y="482179"/>
+            <a:ext cx="1358492" cy="646331"/>
           </a:xfrm>
           <a:prstGeom prst="rect">
             <a:avLst/>
@@ -10736,7 +18007,7 @@
             <a:pPr algn="ctr"/>
             <a:r>
               <a:rPr lang="en-US" b="1" dirty="0" smtClean="0"/>
-              <a:t>Application</a:t>
+              <a:t>Guest application</a:t>
             </a:r>
             <a:endParaRPr lang="en-US" b="1" dirty="0"/>
           </a:p>
@@ -11271,7 +18542,7 @@
               <a:extLst>
                 <a:ext uri="{BEBA8EAE-BF5A-486C-A8C5-ECC9F3942E4B}">
                   <a14:imgProps xmlns:a14="http://schemas.microsoft.com/office/drawing/2010/main">
-                    <a14:imgLayer r:embed="rId7">
+                    <a14:imgLayer r:embed="rId4">
                       <a14:imgEffect>
                         <a14:backgroundRemoval t="49578" b="64194" l="19767" r="22813"/>
                       </a14:imgEffect>
@@ -11550,7 +18821,7 @@
             <p:nvPr/>
           </p:nvPicPr>
           <p:blipFill rotWithShape="1">
-            <a:blip r:embed="rId8"/>
+            <a:blip r:embed="rId7"/>
             <a:srcRect l="10582" t="5759" r="15871" b="10383"/>
             <a:stretch/>
           </p:blipFill>
